--- a/WhatIsArtificialIntelligence.pptx
+++ b/WhatIsArtificialIntelligence.pptx
@@ -5,10 +5,11 @@
     <p:sldMasterId id="2147483648" r:id="rId1"/>
   </p:sldMasterIdLst>
   <p:notesMasterIdLst>
-    <p:notesMasterId r:id="rId3"/>
+    <p:notesMasterId r:id="rId4"/>
   </p:notesMasterIdLst>
   <p:sldIdLst>
     <p:sldId id="257" r:id="rId2"/>
+    <p:sldId id="258" r:id="rId3"/>
   </p:sldIdLst>
   <p:sldSz cx="12192000" cy="6858000"/>
   <p:notesSz cx="6858000" cy="9144000"/>
@@ -458,6 +459,109 @@
     </a:lvl9pPr>
   </p:notesStyle>
 </p:notesMaster>
+</file>
+
+<file path=ppt/notesSlides/notesSlide1.xml><?xml version="1.0" encoding="utf-8"?>
+<p:notes xmlns:a="http://schemas.openxmlformats.org/drawingml/2006/main" xmlns:r="http://schemas.openxmlformats.org/officeDocument/2006/relationships" xmlns:p="http://schemas.openxmlformats.org/presentationml/2006/main">
+  <p:cSld>
+    <p:spTree>
+      <p:nvGrpSpPr>
+        <p:cNvPr id="1" name=""/>
+        <p:cNvGrpSpPr/>
+        <p:nvPr/>
+      </p:nvGrpSpPr>
+      <p:grpSpPr>
+        <a:xfrm>
+          <a:off x="0" y="0"/>
+          <a:ext cx="0" cy="0"/>
+          <a:chOff x="0" y="0"/>
+          <a:chExt cx="0" cy="0"/>
+        </a:xfrm>
+      </p:grpSpPr>
+      <p:sp>
+        <p:nvSpPr>
+          <p:cNvPr id="2" name="Slide Image Placeholder 1"/>
+          <p:cNvSpPr>
+            <a:spLocks noGrp="1" noRot="1" noChangeAspect="1"/>
+          </p:cNvSpPr>
+          <p:nvPr>
+            <p:ph type="sldImg"/>
+          </p:nvPr>
+        </p:nvSpPr>
+        <p:spPr/>
+      </p:sp>
+      <p:sp>
+        <p:nvSpPr>
+          <p:cNvPr id="3" name="Notes Placeholder 2"/>
+          <p:cNvSpPr>
+            <a:spLocks noGrp="1"/>
+          </p:cNvSpPr>
+          <p:nvPr>
+            <p:ph type="body" idx="1"/>
+          </p:nvPr>
+        </p:nvSpPr>
+        <p:spPr/>
+        <p:txBody>
+          <a:bodyPr/>
+          <a:lstStyle/>
+          <a:p>
+            <a:r>
+              <a:rPr lang="en-GB" dirty="0"/>
+              <a:t>Wiki def: Intelligence is the set of processes found in systems, more or less complex, living or not, which make it possible to learn, understand or adapt to new situations.</a:t>
+            </a:r>
+            <a:endParaRPr lang="fr-FR" dirty="0"/>
+          </a:p>
+          <a:p>
+            <a:r>
+              <a:rPr lang="fr-FR" dirty="0"/>
+              <a:t>=&gt; Learning, </a:t>
+            </a:r>
+            <a:r>
+              <a:rPr lang="fr-FR" dirty="0" err="1"/>
+              <a:t>understanding</a:t>
+            </a:r>
+            <a:r>
+              <a:rPr lang="fr-FR" dirty="0"/>
+              <a:t>, and adaptation</a:t>
+            </a:r>
+            <a:endParaRPr lang="en-US" dirty="0"/>
+          </a:p>
+        </p:txBody>
+      </p:sp>
+      <p:sp>
+        <p:nvSpPr>
+          <p:cNvPr id="4" name="Slide Number Placeholder 3"/>
+          <p:cNvSpPr>
+            <a:spLocks noGrp="1"/>
+          </p:cNvSpPr>
+          <p:nvPr>
+            <p:ph type="sldNum" sz="quarter" idx="5"/>
+          </p:nvPr>
+        </p:nvSpPr>
+        <p:spPr/>
+        <p:txBody>
+          <a:bodyPr/>
+          <a:lstStyle/>
+          <a:p>
+            <a:fld id="{CEFB1CB0-8521-448A-8AF4-782A4204CD99}" type="slidenum">
+              <a:rPr lang="en-US" smtClean="0"/>
+              <a:t>2</a:t>
+            </a:fld>
+            <a:endParaRPr lang="en-US"/>
+          </a:p>
+        </p:txBody>
+      </p:sp>
+    </p:spTree>
+    <p:extLst>
+      <p:ext uri="{BB962C8B-B14F-4D97-AF65-F5344CB8AC3E}">
+        <p14:creationId xmlns:p14="http://schemas.microsoft.com/office/powerpoint/2010/main" val="2958692015"/>
+      </p:ext>
+    </p:extLst>
+  </p:cSld>
+  <p:clrMapOvr>
+    <a:masterClrMapping/>
+  </p:clrMapOvr>
+</p:notes>
 </file>
 
 <file path=ppt/slideLayouts/slideLayout1.xml><?xml version="1.0" encoding="utf-8"?>
@@ -3815,6 +3919,570 @@
     <p:extLst>
       <p:ext uri="{BB962C8B-B14F-4D97-AF65-F5344CB8AC3E}">
         <p14:creationId xmlns:p14="http://schemas.microsoft.com/office/powerpoint/2010/main" val="3589506543"/>
+      </p:ext>
+    </p:extLst>
+  </p:cSld>
+  <p:clrMapOvr>
+    <a:masterClrMapping/>
+  </p:clrMapOvr>
+</p:sld>
+</file>
+
+<file path=ppt/slides/slide2.xml><?xml version="1.0" encoding="utf-8"?>
+<p:sld xmlns:a="http://schemas.openxmlformats.org/drawingml/2006/main" xmlns:r="http://schemas.openxmlformats.org/officeDocument/2006/relationships" xmlns:p="http://schemas.openxmlformats.org/presentationml/2006/main">
+  <p:cSld>
+    <p:spTree>
+      <p:nvGrpSpPr>
+        <p:cNvPr id="1" name=""/>
+        <p:cNvGrpSpPr/>
+        <p:nvPr/>
+      </p:nvGrpSpPr>
+      <p:grpSpPr>
+        <a:xfrm>
+          <a:off x="0" y="0"/>
+          <a:ext cx="0" cy="0"/>
+          <a:chOff x="0" y="0"/>
+          <a:chExt cx="0" cy="0"/>
+        </a:xfrm>
+      </p:grpSpPr>
+      <p:sp>
+        <p:nvSpPr>
+          <p:cNvPr id="2" name="Title 1">
+            <a:extLst>
+              <a:ext uri="{FF2B5EF4-FFF2-40B4-BE49-F238E27FC236}">
+                <a16:creationId xmlns:a16="http://schemas.microsoft.com/office/drawing/2014/main" id="{5A754A7B-7BCB-E36F-885D-DE34C75A76DB}"/>
+              </a:ext>
+            </a:extLst>
+          </p:cNvPr>
+          <p:cNvSpPr>
+            <a:spLocks noGrp="1"/>
+          </p:cNvSpPr>
+          <p:nvPr>
+            <p:ph type="title"/>
+          </p:nvPr>
+        </p:nvSpPr>
+        <p:spPr>
+          <a:xfrm>
+            <a:off x="643468" y="643467"/>
+            <a:ext cx="4620584" cy="4567137"/>
+          </a:xfrm>
+        </p:spPr>
+        <p:txBody>
+          <a:bodyPr vert="horz" lIns="91440" tIns="45720" rIns="91440" bIns="45720" rtlCol="0" anchor="b">
+            <a:normAutofit/>
+          </a:bodyPr>
+          <a:lstStyle/>
+          <a:p>
+            <a:r>
+              <a:rPr lang="en-US" dirty="0"/>
+              <a:t>What is intelligence?</a:t>
+            </a:r>
+          </a:p>
+        </p:txBody>
+      </p:sp>
+      <p:pic>
+        <p:nvPicPr>
+          <p:cNvPr id="4" name="Picture 3" descr="A statue of a person thinking&#10;&#10;Description automatically generated with low confidence">
+            <a:extLst>
+              <a:ext uri="{FF2B5EF4-FFF2-40B4-BE49-F238E27FC236}">
+                <a16:creationId xmlns:a16="http://schemas.microsoft.com/office/drawing/2014/main" id="{EA0377BE-99BD-FD52-D67F-5D0826AAAE62}"/>
+              </a:ext>
+            </a:extLst>
+          </p:cNvPr>
+          <p:cNvPicPr>
+            <a:picLocks noChangeAspect="1"/>
+          </p:cNvPicPr>
+          <p:nvPr/>
+        </p:nvPicPr>
+        <p:blipFill rotWithShape="1">
+          <a:blip r:embed="rId3">
+            <a:extLst>
+              <a:ext uri="{28A0092B-C50C-407E-A947-70E740481C1C}">
+                <a14:useLocalDpi xmlns:a14="http://schemas.microsoft.com/office/drawing/2010/main" val="0"/>
+              </a:ext>
+            </a:extLst>
+          </a:blip>
+          <a:srcRect b="13740"/>
+          <a:stretch/>
+        </p:blipFill>
+        <p:spPr>
+          <a:xfrm>
+            <a:off x="6229215" y="10"/>
+            <a:ext cx="5962785" cy="6857990"/>
+          </a:xfrm>
+          <a:custGeom>
+            <a:avLst/>
+            <a:gdLst/>
+            <a:ahLst/>
+            <a:cxnLst/>
+            <a:rect l="l" t="t" r="r" b="b"/>
+            <a:pathLst>
+              <a:path w="5962785" h="6858000">
+                <a:moveTo>
+                  <a:pt x="1044839" y="0"/>
+                </a:moveTo>
+                <a:lnTo>
+                  <a:pt x="5962785" y="0"/>
+                </a:lnTo>
+                <a:lnTo>
+                  <a:pt x="5962785" y="6858000"/>
+                </a:lnTo>
+                <a:lnTo>
+                  <a:pt x="1469886" y="6858000"/>
+                </a:lnTo>
+                <a:lnTo>
+                  <a:pt x="1416006" y="6823984"/>
+                </a:lnTo>
+                <a:cubicBezTo>
+                  <a:pt x="1356767" y="6787940"/>
+                  <a:pt x="1296437" y="6755500"/>
+                  <a:pt x="1232473" y="6733873"/>
+                </a:cubicBezTo>
+                <a:cubicBezTo>
+                  <a:pt x="1145250" y="6705037"/>
+                  <a:pt x="1060933" y="6654575"/>
+                  <a:pt x="1075471" y="6503186"/>
+                </a:cubicBezTo>
+                <a:cubicBezTo>
+                  <a:pt x="1078378" y="6459932"/>
+                  <a:pt x="1055118" y="6427493"/>
+                  <a:pt x="1020229" y="6438306"/>
+                </a:cubicBezTo>
+                <a:cubicBezTo>
+                  <a:pt x="953358" y="6459932"/>
+                  <a:pt x="921375" y="6398656"/>
+                  <a:pt x="883579" y="6351798"/>
+                </a:cubicBezTo>
+                <a:cubicBezTo>
+                  <a:pt x="816707" y="6268895"/>
+                  <a:pt x="752743" y="6182387"/>
+                  <a:pt x="645167" y="6167969"/>
+                </a:cubicBezTo>
+                <a:cubicBezTo>
+                  <a:pt x="665519" y="6103088"/>
+                  <a:pt x="700408" y="6110298"/>
+                  <a:pt x="732391" y="6124716"/>
+                </a:cubicBezTo>
+                <a:cubicBezTo>
+                  <a:pt x="816707" y="6160761"/>
+                  <a:pt x="901023" y="6200410"/>
+                  <a:pt x="985339" y="6236455"/>
+                </a:cubicBezTo>
+                <a:cubicBezTo>
+                  <a:pt x="1040581" y="6258081"/>
+                  <a:pt x="1095822" y="6290522"/>
+                  <a:pt x="1168509" y="6265291"/>
+                </a:cubicBezTo>
+                <a:cubicBezTo>
+                  <a:pt x="1104545" y="6135530"/>
+                  <a:pt x="996969" y="6110298"/>
+                  <a:pt x="909746" y="6070649"/>
+                </a:cubicBezTo>
+                <a:cubicBezTo>
+                  <a:pt x="802169" y="6020185"/>
+                  <a:pt x="738206" y="5926470"/>
+                  <a:pt x="659704" y="5818335"/>
+                </a:cubicBezTo>
+                <a:cubicBezTo>
+                  <a:pt x="738206" y="5789500"/>
+                  <a:pt x="787632" y="5868798"/>
+                  <a:pt x="851597" y="5865193"/>
+                </a:cubicBezTo>
+                <a:cubicBezTo>
+                  <a:pt x="854504" y="5854380"/>
+                  <a:pt x="860319" y="5832753"/>
+                  <a:pt x="860319" y="5832753"/>
+                </a:cubicBezTo>
+                <a:cubicBezTo>
+                  <a:pt x="755650" y="5775081"/>
+                  <a:pt x="709132" y="5666947"/>
+                  <a:pt x="691686" y="5533581"/>
+                </a:cubicBezTo>
+                <a:cubicBezTo>
+                  <a:pt x="685872" y="5465095"/>
+                  <a:pt x="648075" y="5443468"/>
+                  <a:pt x="610278" y="5411029"/>
+                </a:cubicBezTo>
+                <a:cubicBezTo>
+                  <a:pt x="482350" y="5299289"/>
+                  <a:pt x="345700" y="5198364"/>
+                  <a:pt x="238123" y="5046976"/>
+                </a:cubicBezTo>
+                <a:cubicBezTo>
+                  <a:pt x="363144" y="5064998"/>
+                  <a:pt x="461997" y="5165924"/>
+                  <a:pt x="592833" y="5209177"/>
+                </a:cubicBezTo>
+                <a:cubicBezTo>
+                  <a:pt x="488165" y="5043371"/>
+                  <a:pt x="351514" y="4956864"/>
+                  <a:pt x="226494" y="4855939"/>
+                </a:cubicBezTo>
+                <a:cubicBezTo>
+                  <a:pt x="168344" y="4809081"/>
+                  <a:pt x="116011" y="4751408"/>
+                  <a:pt x="49139" y="4726177"/>
+                </a:cubicBezTo>
+                <a:cubicBezTo>
+                  <a:pt x="25879" y="4718968"/>
+                  <a:pt x="-14825" y="4700947"/>
+                  <a:pt x="5527" y="4650483"/>
+                </a:cubicBezTo>
+                <a:cubicBezTo>
+                  <a:pt x="22972" y="4607230"/>
+                  <a:pt x="54954" y="4621648"/>
+                  <a:pt x="84029" y="4632460"/>
+                </a:cubicBezTo>
+                <a:cubicBezTo>
+                  <a:pt x="153807" y="4661296"/>
+                  <a:pt x="229401" y="4661296"/>
+                  <a:pt x="325347" y="4661296"/>
+                </a:cubicBezTo>
+                <a:cubicBezTo>
+                  <a:pt x="243939" y="4524326"/>
+                  <a:pt x="95658" y="4567580"/>
+                  <a:pt x="25879" y="4423401"/>
+                </a:cubicBezTo>
+                <a:cubicBezTo>
+                  <a:pt x="113103" y="4398170"/>
+                  <a:pt x="179975" y="4448632"/>
+                  <a:pt x="249753" y="4459446"/>
+                </a:cubicBezTo>
+                <a:cubicBezTo>
+                  <a:pt x="313718" y="4470259"/>
+                  <a:pt x="328254" y="4445028"/>
+                  <a:pt x="313718" y="4365729"/>
+                </a:cubicBezTo>
+                <a:cubicBezTo>
+                  <a:pt x="290458" y="4243177"/>
+                  <a:pt x="325347" y="4181900"/>
+                  <a:pt x="418386" y="4214341"/>
+                </a:cubicBezTo>
+                <a:cubicBezTo>
+                  <a:pt x="505609" y="4246781"/>
+                  <a:pt x="514332" y="4199922"/>
+                  <a:pt x="491072" y="4131438"/>
+                </a:cubicBezTo>
+                <a:cubicBezTo>
+                  <a:pt x="456183" y="4030512"/>
+                  <a:pt x="493979" y="3951214"/>
+                  <a:pt x="520147" y="3864706"/>
+                </a:cubicBezTo>
+                <a:cubicBezTo>
+                  <a:pt x="560851" y="3734945"/>
+                  <a:pt x="543407" y="3670064"/>
+                  <a:pt x="459090" y="3572743"/>
+                </a:cubicBezTo>
+                <a:cubicBezTo>
+                  <a:pt x="409664" y="3518676"/>
+                  <a:pt x="360236" y="3471818"/>
+                  <a:pt x="290458" y="3424959"/>
+                </a:cubicBezTo>
+                <a:cubicBezTo>
+                  <a:pt x="450368" y="3399728"/>
+                  <a:pt x="284643" y="3313221"/>
+                  <a:pt x="339884" y="3259153"/>
+                </a:cubicBezTo>
+                <a:cubicBezTo>
+                  <a:pt x="453275" y="3237527"/>
+                  <a:pt x="543407" y="3410542"/>
+                  <a:pt x="697501" y="3360078"/>
+                </a:cubicBezTo>
+                <a:cubicBezTo>
+                  <a:pt x="511425" y="3212294"/>
+                  <a:pt x="302087" y="3165436"/>
+                  <a:pt x="165437" y="2967190"/>
+                </a:cubicBezTo>
+                <a:cubicBezTo>
+                  <a:pt x="197419" y="2923937"/>
+                  <a:pt x="229401" y="2967190"/>
+                  <a:pt x="255568" y="2949167"/>
+                </a:cubicBezTo>
+                <a:cubicBezTo>
+                  <a:pt x="255568" y="2938354"/>
+                  <a:pt x="560851" y="3006840"/>
+                  <a:pt x="578296" y="2725691"/>
+                </a:cubicBezTo>
+                <a:cubicBezTo>
+                  <a:pt x="584111" y="2725691"/>
+                  <a:pt x="589926" y="2725691"/>
+                  <a:pt x="595740" y="2714876"/>
+                </a:cubicBezTo>
+                <a:cubicBezTo>
+                  <a:pt x="627722" y="2675228"/>
+                  <a:pt x="598648" y="2581510"/>
+                  <a:pt x="650982" y="2574301"/>
+                </a:cubicBezTo>
+                <a:cubicBezTo>
+                  <a:pt x="709132" y="2567092"/>
+                  <a:pt x="764373" y="2534653"/>
+                  <a:pt x="825429" y="2552674"/>
+                </a:cubicBezTo>
+                <a:cubicBezTo>
+                  <a:pt x="871949" y="2567092"/>
+                  <a:pt x="921375" y="2585115"/>
+                  <a:pt x="970802" y="2585115"/>
+                </a:cubicBezTo>
+                <a:cubicBezTo>
+                  <a:pt x="1023136" y="2585115"/>
+                  <a:pt x="1095822" y="2707668"/>
+                  <a:pt x="1127805" y="2545465"/>
+                </a:cubicBezTo>
+                <a:cubicBezTo>
+                  <a:pt x="1127805" y="2538257"/>
+                  <a:pt x="1217936" y="2556280"/>
+                  <a:pt x="1267362" y="2563488"/>
+                </a:cubicBezTo>
+                <a:cubicBezTo>
+                  <a:pt x="1308067" y="2570698"/>
+                  <a:pt x="1357494" y="2603137"/>
+                  <a:pt x="1386568" y="2538257"/>
+                </a:cubicBezTo>
+                <a:cubicBezTo>
+                  <a:pt x="1401105" y="2498607"/>
+                  <a:pt x="1331326" y="2426518"/>
+                  <a:pt x="1270270" y="2419309"/>
+                </a:cubicBezTo>
+                <a:cubicBezTo>
+                  <a:pt x="1215029" y="2412101"/>
+                  <a:pt x="1159787" y="2404892"/>
+                  <a:pt x="1107453" y="2419309"/>
+                </a:cubicBezTo>
+                <a:cubicBezTo>
+                  <a:pt x="1043489" y="2437331"/>
+                  <a:pt x="1008599" y="2408495"/>
+                  <a:pt x="991154" y="2343615"/>
+                </a:cubicBezTo>
+                <a:cubicBezTo>
+                  <a:pt x="970802" y="2275131"/>
+                  <a:pt x="933005" y="2239085"/>
+                  <a:pt x="880671" y="2206645"/>
+                </a:cubicBezTo>
+                <a:cubicBezTo>
+                  <a:pt x="752743" y="2127346"/>
+                  <a:pt x="630630" y="2033629"/>
+                  <a:pt x="491072" y="1986771"/>
+                </a:cubicBezTo>
+                <a:cubicBezTo>
+                  <a:pt x="464905" y="1979562"/>
+                  <a:pt x="432923" y="1965145"/>
+                  <a:pt x="421293" y="1903868"/>
+                </a:cubicBezTo>
+                <a:cubicBezTo>
+                  <a:pt x="799262" y="1997584"/>
+                  <a:pt x="1142342" y="2239085"/>
+                  <a:pt x="1531941" y="2224667"/>
+                </a:cubicBezTo>
+                <a:cubicBezTo>
+                  <a:pt x="1427272" y="2148974"/>
+                  <a:pt x="1302252" y="2145369"/>
+                  <a:pt x="1188861" y="2091301"/>
+                </a:cubicBezTo>
+                <a:cubicBezTo>
+                  <a:pt x="1270270" y="2051652"/>
+                  <a:pt x="1345864" y="2094906"/>
+                  <a:pt x="1421458" y="2116532"/>
+                </a:cubicBezTo>
+                <a:cubicBezTo>
+                  <a:pt x="1485422" y="2134554"/>
+                  <a:pt x="1543571" y="2138160"/>
+                  <a:pt x="1549386" y="2026420"/>
+                </a:cubicBezTo>
+                <a:cubicBezTo>
+                  <a:pt x="1549386" y="2015607"/>
+                  <a:pt x="1549386" y="2008398"/>
+                  <a:pt x="1549386" y="1997584"/>
+                </a:cubicBezTo>
+                <a:cubicBezTo>
+                  <a:pt x="1526126" y="1950727"/>
+                  <a:pt x="1494144" y="1929099"/>
+                  <a:pt x="1453440" y="1914682"/>
+                </a:cubicBezTo>
+                <a:cubicBezTo>
+                  <a:pt x="1430180" y="1907473"/>
+                  <a:pt x="1398198" y="1893056"/>
+                  <a:pt x="1398198" y="1860614"/>
+                </a:cubicBezTo>
+                <a:cubicBezTo>
+                  <a:pt x="1401105" y="1738063"/>
+                  <a:pt x="1322604" y="1702018"/>
+                  <a:pt x="1247011" y="1665972"/>
+                </a:cubicBezTo>
+                <a:cubicBezTo>
+                  <a:pt x="1287715" y="1604696"/>
+                  <a:pt x="1322604" y="1647950"/>
+                  <a:pt x="1354586" y="1644345"/>
+                </a:cubicBezTo>
+                <a:cubicBezTo>
+                  <a:pt x="1374939" y="1640741"/>
+                  <a:pt x="1395290" y="1637138"/>
+                  <a:pt x="1395290" y="1604696"/>
+                </a:cubicBezTo>
+                <a:cubicBezTo>
+                  <a:pt x="1395290" y="1579465"/>
+                  <a:pt x="1386568" y="1547025"/>
+                  <a:pt x="1366216" y="1547025"/>
+                </a:cubicBezTo>
+                <a:cubicBezTo>
+                  <a:pt x="1238288" y="1543420"/>
+                  <a:pt x="1165601" y="1370405"/>
+                  <a:pt x="1031858" y="1370405"/>
+                </a:cubicBezTo>
+                <a:cubicBezTo>
+                  <a:pt x="950450" y="1370405"/>
+                  <a:pt x="1072563" y="1273083"/>
+                  <a:pt x="1005692" y="1233435"/>
+                </a:cubicBezTo>
+                <a:cubicBezTo>
+                  <a:pt x="991154" y="1222621"/>
+                  <a:pt x="1046396" y="1208203"/>
+                  <a:pt x="1069655" y="1211808"/>
+                </a:cubicBezTo>
+                <a:cubicBezTo>
+                  <a:pt x="1092915" y="1215412"/>
+                  <a:pt x="1113268" y="1240644"/>
+                  <a:pt x="1142342" y="1222621"/>
+                </a:cubicBezTo>
+                <a:cubicBezTo>
+                  <a:pt x="1156879" y="1157741"/>
+                  <a:pt x="1119082" y="1132510"/>
+                  <a:pt x="1084193" y="1114487"/>
+                </a:cubicBezTo>
+                <a:cubicBezTo>
+                  <a:pt x="1008599" y="1071234"/>
+                  <a:pt x="933005" y="1020771"/>
+                  <a:pt x="848689" y="1006353"/>
+                </a:cubicBezTo>
+                <a:cubicBezTo>
+                  <a:pt x="819615" y="1002748"/>
+                  <a:pt x="802169" y="984726"/>
+                  <a:pt x="805077" y="948681"/>
+                </a:cubicBezTo>
+                <a:cubicBezTo>
+                  <a:pt x="810892" y="901822"/>
+                  <a:pt x="839967" y="916240"/>
+                  <a:pt x="863226" y="919844"/>
+                </a:cubicBezTo>
+                <a:cubicBezTo>
+                  <a:pt x="877764" y="923450"/>
+                  <a:pt x="892301" y="934263"/>
+                  <a:pt x="906838" y="909031"/>
+                </a:cubicBezTo>
+                <a:cubicBezTo>
+                  <a:pt x="566666" y="653113"/>
+                  <a:pt x="386404" y="667532"/>
+                  <a:pt x="5527" y="458471"/>
+                </a:cubicBezTo>
+                <a:cubicBezTo>
+                  <a:pt x="89843" y="418822"/>
+                  <a:pt x="150900" y="447658"/>
+                  <a:pt x="209049" y="454867"/>
+                </a:cubicBezTo>
+                <a:cubicBezTo>
+                  <a:pt x="354422" y="472890"/>
+                  <a:pt x="264290" y="505329"/>
+                  <a:pt x="409664" y="526956"/>
+                </a:cubicBezTo>
+                <a:cubicBezTo>
+                  <a:pt x="479443" y="537770"/>
+                  <a:pt x="543407" y="573815"/>
+                  <a:pt x="621908" y="516143"/>
+                </a:cubicBezTo>
+                <a:cubicBezTo>
+                  <a:pt x="674242" y="476494"/>
+                  <a:pt x="758558" y="519747"/>
+                  <a:pt x="822522" y="552188"/>
+                </a:cubicBezTo>
+                <a:cubicBezTo>
+                  <a:pt x="874856" y="581024"/>
+                  <a:pt x="927190" y="588232"/>
+                  <a:pt x="996969" y="552188"/>
+                </a:cubicBezTo>
+                <a:cubicBezTo>
+                  <a:pt x="933005" y="530562"/>
+                  <a:pt x="883579" y="512539"/>
+                  <a:pt x="834151" y="498120"/>
+                </a:cubicBezTo>
+                <a:cubicBezTo>
+                  <a:pt x="793447" y="487307"/>
+                  <a:pt x="770187" y="462076"/>
+                  <a:pt x="773095" y="408008"/>
+                </a:cubicBezTo>
+                <a:cubicBezTo>
+                  <a:pt x="773095" y="379172"/>
+                  <a:pt x="764373" y="339523"/>
+                  <a:pt x="793447" y="325106"/>
+                </a:cubicBezTo>
+                <a:cubicBezTo>
+                  <a:pt x="816707" y="310688"/>
+                  <a:pt x="848689" y="325106"/>
+                  <a:pt x="860319" y="350336"/>
+                </a:cubicBezTo>
+                <a:cubicBezTo>
+                  <a:pt x="874856" y="397195"/>
+                  <a:pt x="889393" y="440449"/>
+                  <a:pt x="938820" y="444054"/>
+                </a:cubicBezTo>
+                <a:cubicBezTo>
+                  <a:pt x="1005692" y="451262"/>
+                  <a:pt x="967894" y="422426"/>
+                  <a:pt x="956265" y="386381"/>
+                </a:cubicBezTo>
+                <a:cubicBezTo>
+                  <a:pt x="944635" y="346733"/>
+                  <a:pt x="979525" y="335919"/>
+                  <a:pt x="1002784" y="343127"/>
+                </a:cubicBezTo>
+                <a:cubicBezTo>
+                  <a:pt x="1090008" y="375569"/>
+                  <a:pt x="1180139" y="317897"/>
+                  <a:pt x="1270270" y="364755"/>
+                </a:cubicBezTo>
+                <a:cubicBezTo>
+                  <a:pt x="1247011" y="249411"/>
+                  <a:pt x="1197583" y="198949"/>
+                  <a:pt x="1092915" y="180926"/>
+                </a:cubicBezTo>
+                <a:cubicBezTo>
+                  <a:pt x="1055118" y="177322"/>
+                  <a:pt x="1014414" y="184530"/>
+                  <a:pt x="979525" y="152090"/>
+                </a:cubicBezTo>
+                <a:cubicBezTo>
+                  <a:pt x="959172" y="134068"/>
+                  <a:pt x="938820" y="112441"/>
+                  <a:pt x="953358" y="76396"/>
+                </a:cubicBezTo>
+                <a:cubicBezTo>
+                  <a:pt x="962080" y="51165"/>
+                  <a:pt x="985339" y="51165"/>
+                  <a:pt x="1005692" y="58373"/>
+                </a:cubicBezTo>
+                <a:cubicBezTo>
+                  <a:pt x="1090008" y="98023"/>
+                  <a:pt x="1180139" y="108837"/>
+                  <a:pt x="1267362" y="123254"/>
+                </a:cubicBezTo>
+                <a:cubicBezTo>
+                  <a:pt x="1281900" y="126859"/>
+                  <a:pt x="1296437" y="134068"/>
+                  <a:pt x="1310975" y="98023"/>
+                </a:cubicBezTo>
+                <a:cubicBezTo>
+                  <a:pt x="1260095" y="81803"/>
+                  <a:pt x="1209941" y="62879"/>
+                  <a:pt x="1159787" y="43505"/>
+                </a:cubicBezTo>
+                <a:close/>
+              </a:path>
+            </a:pathLst>
+          </a:custGeom>
+        </p:spPr>
+      </p:pic>
+    </p:spTree>
+    <p:extLst>
+      <p:ext uri="{BB962C8B-B14F-4D97-AF65-F5344CB8AC3E}">
+        <p14:creationId xmlns:p14="http://schemas.microsoft.com/office/powerpoint/2010/main" val="62597955"/>
       </p:ext>
     </p:extLst>
   </p:cSld>

--- a/WhatIsArtificialIntelligence.pptx
+++ b/WhatIsArtificialIntelligence.pptx
@@ -5,11 +5,12 @@
     <p:sldMasterId id="2147483648" r:id="rId1"/>
   </p:sldMasterIdLst>
   <p:notesMasterIdLst>
-    <p:notesMasterId r:id="rId4"/>
+    <p:notesMasterId r:id="rId5"/>
   </p:notesMasterIdLst>
   <p:sldIdLst>
     <p:sldId id="257" r:id="rId2"/>
     <p:sldId id="258" r:id="rId3"/>
+    <p:sldId id="331" r:id="rId4"/>
   </p:sldIdLst>
   <p:sldSz cx="12192000" cy="6858000"/>
   <p:notesSz cx="6858000" cy="9144000"/>
@@ -4483,6 +4484,155 @@
     <p:extLst>
       <p:ext uri="{BB962C8B-B14F-4D97-AF65-F5344CB8AC3E}">
         <p14:creationId xmlns:p14="http://schemas.microsoft.com/office/powerpoint/2010/main" val="62597955"/>
+      </p:ext>
+    </p:extLst>
+  </p:cSld>
+  <p:clrMapOvr>
+    <a:masterClrMapping/>
+  </p:clrMapOvr>
+</p:sld>
+</file>
+
+<file path=ppt/slides/slide3.xml><?xml version="1.0" encoding="utf-8"?>
+<p:sld xmlns:a="http://schemas.openxmlformats.org/drawingml/2006/main" xmlns:r="http://schemas.openxmlformats.org/officeDocument/2006/relationships" xmlns:p="http://schemas.openxmlformats.org/presentationml/2006/main">
+  <p:cSld>
+    <p:spTree>
+      <p:nvGrpSpPr>
+        <p:cNvPr id="1" name=""/>
+        <p:cNvGrpSpPr/>
+        <p:nvPr/>
+      </p:nvGrpSpPr>
+      <p:grpSpPr>
+        <a:xfrm>
+          <a:off x="0" y="0"/>
+          <a:ext cx="0" cy="0"/>
+          <a:chOff x="0" y="0"/>
+          <a:chExt cx="0" cy="0"/>
+        </a:xfrm>
+      </p:grpSpPr>
+      <p:sp>
+        <p:nvSpPr>
+          <p:cNvPr id="2" name="Title 1">
+            <a:extLst>
+              <a:ext uri="{FF2B5EF4-FFF2-40B4-BE49-F238E27FC236}">
+                <a16:creationId xmlns:a16="http://schemas.microsoft.com/office/drawing/2014/main" id="{1C1544C3-40DE-D57E-F48C-CD99D17799A2}"/>
+              </a:ext>
+            </a:extLst>
+          </p:cNvPr>
+          <p:cNvSpPr>
+            <a:spLocks noGrp="1"/>
+          </p:cNvSpPr>
+          <p:nvPr>
+            <p:ph type="title"/>
+          </p:nvPr>
+        </p:nvSpPr>
+        <p:spPr>
+          <a:xfrm>
+            <a:off x="1137685" y="3641651"/>
+            <a:ext cx="4055418" cy="2146374"/>
+          </a:xfrm>
+        </p:spPr>
+        <p:txBody>
+          <a:bodyPr anchor="b">
+            <a:normAutofit/>
+          </a:bodyPr>
+          <a:lstStyle/>
+          <a:p>
+            <a:r>
+              <a:rPr lang="en-US" dirty="0">
+                <a:solidFill>
+                  <a:schemeClr val="tx1">
+                    <a:lumMod val="85000"/>
+                    <a:lumOff val="15000"/>
+                  </a:schemeClr>
+                </a:solidFill>
+              </a:rPr>
+              <a:t>Formal</a:t>
+            </a:r>
+            <a:br>
+              <a:rPr lang="en-US" dirty="0">
+                <a:solidFill>
+                  <a:schemeClr val="tx1">
+                    <a:lumMod val="85000"/>
+                    <a:lumOff val="15000"/>
+                  </a:schemeClr>
+                </a:solidFill>
+              </a:rPr>
+            </a:br>
+            <a:r>
+              <a:rPr lang="en-US" dirty="0">
+                <a:solidFill>
+                  <a:schemeClr val="tx1">
+                    <a:lumMod val="85000"/>
+                    <a:lumOff val="15000"/>
+                  </a:schemeClr>
+                </a:solidFill>
+              </a:rPr>
+              <a:t>definition</a:t>
+            </a:r>
+          </a:p>
+        </p:txBody>
+      </p:sp>
+      <p:sp>
+        <p:nvSpPr>
+          <p:cNvPr id="4" name="Content Placeholder 3">
+            <a:extLst>
+              <a:ext uri="{FF2B5EF4-FFF2-40B4-BE49-F238E27FC236}">
+                <a16:creationId xmlns:a16="http://schemas.microsoft.com/office/drawing/2014/main" id="{FEFA5634-660A-01F9-611C-A465E065A17E}"/>
+              </a:ext>
+            </a:extLst>
+          </p:cNvPr>
+          <p:cNvSpPr txBox="1">
+            <a:spLocks noGrp="1"/>
+          </p:cNvSpPr>
+          <p:nvPr>
+            <p:ph idx="1"/>
+          </p:nvPr>
+        </p:nvSpPr>
+        <p:spPr>
+          <a:xfrm>
+            <a:off x="6096000" y="896469"/>
+            <a:ext cx="5046196" cy="5323356"/>
+          </a:xfrm>
+          <a:prstGeom prst="rect">
+            <a:avLst/>
+          </a:prstGeom>
+        </p:spPr>
+        <p:txBody>
+          <a:bodyPr>
+            <a:normAutofit/>
+          </a:bodyPr>
+          <a:lstStyle/>
+          <a:p>
+            <a:pPr marL="0" indent="0" algn="just">
+              <a:buNone/>
+            </a:pPr>
+            <a:r>
+              <a:rPr lang="en-GB" sz="3200" dirty="0">
+                <a:solidFill>
+                  <a:schemeClr val="tx1">
+                    <a:lumMod val="85000"/>
+                    <a:lumOff val="15000"/>
+                  </a:schemeClr>
+                </a:solidFill>
+              </a:rPr>
+              <a:t>“the set of processes found in systems, more or less complex, living or not, which allow learning, understanding or adaptation to new situations.”</a:t>
+            </a:r>
+            <a:endParaRPr lang="fr-FR" sz="3200" b="0" dirty="0">
+              <a:solidFill>
+                <a:schemeClr val="tx1">
+                  <a:lumMod val="85000"/>
+                  <a:lumOff val="15000"/>
+                </a:schemeClr>
+              </a:solidFill>
+            </a:endParaRPr>
+          </a:p>
+        </p:txBody>
+      </p:sp>
+    </p:spTree>
+    <p:extLst>
+      <p:ext uri="{BB962C8B-B14F-4D97-AF65-F5344CB8AC3E}">
+        <p14:creationId xmlns:p14="http://schemas.microsoft.com/office/powerpoint/2010/main" val="2186741486"/>
       </p:ext>
     </p:extLst>
   </p:cSld>

--- a/WhatIsArtificialIntelligence.pptx
+++ b/WhatIsArtificialIntelligence.pptx
@@ -5,12 +5,13 @@
     <p:sldMasterId id="2147483648" r:id="rId1"/>
   </p:sldMasterIdLst>
   <p:notesMasterIdLst>
-    <p:notesMasterId r:id="rId5"/>
+    <p:notesMasterId r:id="rId6"/>
   </p:notesMasterIdLst>
   <p:sldIdLst>
     <p:sldId id="257" r:id="rId2"/>
     <p:sldId id="258" r:id="rId3"/>
     <p:sldId id="331" r:id="rId4"/>
+    <p:sldId id="332" r:id="rId5"/>
   </p:sldIdLst>
   <p:sldSz cx="12192000" cy="6858000"/>
   <p:notesSz cx="6858000" cy="9144000"/>
@@ -556,6 +557,90 @@
     <p:extLst>
       <p:ext uri="{BB962C8B-B14F-4D97-AF65-F5344CB8AC3E}">
         <p14:creationId xmlns:p14="http://schemas.microsoft.com/office/powerpoint/2010/main" val="2958692015"/>
+      </p:ext>
+    </p:extLst>
+  </p:cSld>
+  <p:clrMapOvr>
+    <a:masterClrMapping/>
+  </p:clrMapOvr>
+</p:notes>
+</file>
+
+<file path=ppt/notesSlides/notesSlide2.xml><?xml version="1.0" encoding="utf-8"?>
+<p:notes xmlns:a="http://schemas.openxmlformats.org/drawingml/2006/main" xmlns:r="http://schemas.openxmlformats.org/officeDocument/2006/relationships" xmlns:p="http://schemas.openxmlformats.org/presentationml/2006/main">
+  <p:cSld>
+    <p:spTree>
+      <p:nvGrpSpPr>
+        <p:cNvPr id="1" name=""/>
+        <p:cNvGrpSpPr/>
+        <p:nvPr/>
+      </p:nvGrpSpPr>
+      <p:grpSpPr>
+        <a:xfrm>
+          <a:off x="0" y="0"/>
+          <a:ext cx="0" cy="0"/>
+          <a:chOff x="0" y="0"/>
+          <a:chExt cx="0" cy="0"/>
+        </a:xfrm>
+      </p:grpSpPr>
+      <p:sp>
+        <p:nvSpPr>
+          <p:cNvPr id="2" name="Slide Image Placeholder 1"/>
+          <p:cNvSpPr>
+            <a:spLocks noGrp="1" noRot="1" noChangeAspect="1"/>
+          </p:cNvSpPr>
+          <p:nvPr>
+            <p:ph type="sldImg"/>
+          </p:nvPr>
+        </p:nvSpPr>
+        <p:spPr/>
+      </p:sp>
+      <p:sp>
+        <p:nvSpPr>
+          <p:cNvPr id="3" name="Notes Placeholder 2"/>
+          <p:cNvSpPr>
+            <a:spLocks noGrp="1"/>
+          </p:cNvSpPr>
+          <p:nvPr>
+            <p:ph type="body" idx="1"/>
+          </p:nvPr>
+        </p:nvSpPr>
+        <p:spPr/>
+        <p:txBody>
+          <a:bodyPr/>
+          <a:lstStyle/>
+          <a:p>
+            <a:endParaRPr lang="en-US" b="0" dirty="0"/>
+          </a:p>
+        </p:txBody>
+      </p:sp>
+      <p:sp>
+        <p:nvSpPr>
+          <p:cNvPr id="4" name="Slide Number Placeholder 3"/>
+          <p:cNvSpPr>
+            <a:spLocks noGrp="1"/>
+          </p:cNvSpPr>
+          <p:nvPr>
+            <p:ph type="sldNum" sz="quarter" idx="5"/>
+          </p:nvPr>
+        </p:nvSpPr>
+        <p:spPr/>
+        <p:txBody>
+          <a:bodyPr/>
+          <a:lstStyle/>
+          <a:p>
+            <a:fld id="{CEFB1CB0-8521-448A-8AF4-782A4204CD99}" type="slidenum">
+              <a:rPr lang="en-US" smtClean="0"/>
+              <a:t>4</a:t>
+            </a:fld>
+            <a:endParaRPr lang="en-US"/>
+          </a:p>
+        </p:txBody>
+      </p:sp>
+    </p:spTree>
+    <p:extLst>
+      <p:ext uri="{BB962C8B-B14F-4D97-AF65-F5344CB8AC3E}">
+        <p14:creationId xmlns:p14="http://schemas.microsoft.com/office/powerpoint/2010/main" val="1033018734"/>
       </p:ext>
     </p:extLst>
   </p:cSld>
@@ -4633,6 +4718,577 @@
     <p:extLst>
       <p:ext uri="{BB962C8B-B14F-4D97-AF65-F5344CB8AC3E}">
         <p14:creationId xmlns:p14="http://schemas.microsoft.com/office/powerpoint/2010/main" val="2186741486"/>
+      </p:ext>
+    </p:extLst>
+  </p:cSld>
+  <p:clrMapOvr>
+    <a:masterClrMapping/>
+  </p:clrMapOvr>
+</p:sld>
+</file>
+
+<file path=ppt/slides/slide4.xml><?xml version="1.0" encoding="utf-8"?>
+<p:sld xmlns:a="http://schemas.openxmlformats.org/drawingml/2006/main" xmlns:r="http://schemas.openxmlformats.org/officeDocument/2006/relationships" xmlns:p="http://schemas.openxmlformats.org/presentationml/2006/main">
+  <p:cSld>
+    <p:spTree>
+      <p:nvGrpSpPr>
+        <p:cNvPr id="1" name=""/>
+        <p:cNvGrpSpPr/>
+        <p:nvPr/>
+      </p:nvGrpSpPr>
+      <p:grpSpPr>
+        <a:xfrm>
+          <a:off x="0" y="0"/>
+          <a:ext cx="0" cy="0"/>
+          <a:chOff x="0" y="0"/>
+          <a:chExt cx="0" cy="0"/>
+        </a:xfrm>
+      </p:grpSpPr>
+      <p:pic>
+        <p:nvPicPr>
+          <p:cNvPr id="4" name="Picture 3" descr="A picture containing art, light&#10;&#10;Description automatically generated">
+            <a:extLst>
+              <a:ext uri="{FF2B5EF4-FFF2-40B4-BE49-F238E27FC236}">
+                <a16:creationId xmlns:a16="http://schemas.microsoft.com/office/drawing/2014/main" id="{8D022C9D-0D1E-6529-90E0-54991AE22A0C}"/>
+              </a:ext>
+            </a:extLst>
+          </p:cNvPr>
+          <p:cNvPicPr>
+            <a:picLocks noChangeAspect="1"/>
+          </p:cNvPicPr>
+          <p:nvPr/>
+        </p:nvPicPr>
+        <p:blipFill rotWithShape="1">
+          <a:blip r:embed="rId3">
+            <a:extLst>
+              <a:ext uri="{28A0092B-C50C-407E-A947-70E740481C1C}">
+                <a14:useLocalDpi xmlns:a14="http://schemas.microsoft.com/office/drawing/2010/main" val="0"/>
+              </a:ext>
+            </a:extLst>
+          </a:blip>
+          <a:srcRect l="13053"/>
+          <a:stretch/>
+        </p:blipFill>
+        <p:spPr>
+          <a:xfrm flipH="1">
+            <a:off x="0" y="0"/>
+            <a:ext cx="5962785" cy="6857990"/>
+          </a:xfrm>
+          <a:custGeom>
+            <a:avLst/>
+            <a:gdLst/>
+            <a:ahLst/>
+            <a:cxnLst/>
+            <a:rect l="l" t="t" r="r" b="b"/>
+            <a:pathLst>
+              <a:path w="5962785" h="6858000">
+                <a:moveTo>
+                  <a:pt x="1044839" y="0"/>
+                </a:moveTo>
+                <a:lnTo>
+                  <a:pt x="5962785" y="0"/>
+                </a:lnTo>
+                <a:lnTo>
+                  <a:pt x="5962785" y="6858000"/>
+                </a:lnTo>
+                <a:lnTo>
+                  <a:pt x="1469886" y="6858000"/>
+                </a:lnTo>
+                <a:lnTo>
+                  <a:pt x="1416006" y="6823984"/>
+                </a:lnTo>
+                <a:cubicBezTo>
+                  <a:pt x="1356767" y="6787940"/>
+                  <a:pt x="1296437" y="6755500"/>
+                  <a:pt x="1232473" y="6733873"/>
+                </a:cubicBezTo>
+                <a:cubicBezTo>
+                  <a:pt x="1145250" y="6705037"/>
+                  <a:pt x="1060933" y="6654575"/>
+                  <a:pt x="1075471" y="6503186"/>
+                </a:cubicBezTo>
+                <a:cubicBezTo>
+                  <a:pt x="1078378" y="6459932"/>
+                  <a:pt x="1055118" y="6427493"/>
+                  <a:pt x="1020229" y="6438306"/>
+                </a:cubicBezTo>
+                <a:cubicBezTo>
+                  <a:pt x="953358" y="6459932"/>
+                  <a:pt x="921375" y="6398656"/>
+                  <a:pt x="883579" y="6351798"/>
+                </a:cubicBezTo>
+                <a:cubicBezTo>
+                  <a:pt x="816707" y="6268895"/>
+                  <a:pt x="752743" y="6182387"/>
+                  <a:pt x="645167" y="6167969"/>
+                </a:cubicBezTo>
+                <a:cubicBezTo>
+                  <a:pt x="665519" y="6103088"/>
+                  <a:pt x="700408" y="6110298"/>
+                  <a:pt x="732391" y="6124716"/>
+                </a:cubicBezTo>
+                <a:cubicBezTo>
+                  <a:pt x="816707" y="6160761"/>
+                  <a:pt x="901023" y="6200410"/>
+                  <a:pt x="985339" y="6236455"/>
+                </a:cubicBezTo>
+                <a:cubicBezTo>
+                  <a:pt x="1040581" y="6258081"/>
+                  <a:pt x="1095822" y="6290522"/>
+                  <a:pt x="1168509" y="6265291"/>
+                </a:cubicBezTo>
+                <a:cubicBezTo>
+                  <a:pt x="1104545" y="6135530"/>
+                  <a:pt x="996969" y="6110298"/>
+                  <a:pt x="909746" y="6070649"/>
+                </a:cubicBezTo>
+                <a:cubicBezTo>
+                  <a:pt x="802169" y="6020185"/>
+                  <a:pt x="738206" y="5926470"/>
+                  <a:pt x="659704" y="5818335"/>
+                </a:cubicBezTo>
+                <a:cubicBezTo>
+                  <a:pt x="738206" y="5789500"/>
+                  <a:pt x="787632" y="5868798"/>
+                  <a:pt x="851597" y="5865193"/>
+                </a:cubicBezTo>
+                <a:cubicBezTo>
+                  <a:pt x="854504" y="5854380"/>
+                  <a:pt x="860319" y="5832753"/>
+                  <a:pt x="860319" y="5832753"/>
+                </a:cubicBezTo>
+                <a:cubicBezTo>
+                  <a:pt x="755650" y="5775081"/>
+                  <a:pt x="709132" y="5666947"/>
+                  <a:pt x="691686" y="5533581"/>
+                </a:cubicBezTo>
+                <a:cubicBezTo>
+                  <a:pt x="685872" y="5465095"/>
+                  <a:pt x="648075" y="5443468"/>
+                  <a:pt x="610278" y="5411029"/>
+                </a:cubicBezTo>
+                <a:cubicBezTo>
+                  <a:pt x="482350" y="5299289"/>
+                  <a:pt x="345700" y="5198364"/>
+                  <a:pt x="238123" y="5046976"/>
+                </a:cubicBezTo>
+                <a:cubicBezTo>
+                  <a:pt x="363144" y="5064998"/>
+                  <a:pt x="461997" y="5165924"/>
+                  <a:pt x="592833" y="5209177"/>
+                </a:cubicBezTo>
+                <a:cubicBezTo>
+                  <a:pt x="488165" y="5043371"/>
+                  <a:pt x="351514" y="4956864"/>
+                  <a:pt x="226494" y="4855939"/>
+                </a:cubicBezTo>
+                <a:cubicBezTo>
+                  <a:pt x="168344" y="4809081"/>
+                  <a:pt x="116011" y="4751408"/>
+                  <a:pt x="49139" y="4726177"/>
+                </a:cubicBezTo>
+                <a:cubicBezTo>
+                  <a:pt x="25879" y="4718968"/>
+                  <a:pt x="-14825" y="4700947"/>
+                  <a:pt x="5527" y="4650483"/>
+                </a:cubicBezTo>
+                <a:cubicBezTo>
+                  <a:pt x="22972" y="4607230"/>
+                  <a:pt x="54954" y="4621648"/>
+                  <a:pt x="84029" y="4632460"/>
+                </a:cubicBezTo>
+                <a:cubicBezTo>
+                  <a:pt x="153807" y="4661296"/>
+                  <a:pt x="229401" y="4661296"/>
+                  <a:pt x="325347" y="4661296"/>
+                </a:cubicBezTo>
+                <a:cubicBezTo>
+                  <a:pt x="243939" y="4524326"/>
+                  <a:pt x="95658" y="4567580"/>
+                  <a:pt x="25879" y="4423401"/>
+                </a:cubicBezTo>
+                <a:cubicBezTo>
+                  <a:pt x="113103" y="4398170"/>
+                  <a:pt x="179975" y="4448632"/>
+                  <a:pt x="249753" y="4459446"/>
+                </a:cubicBezTo>
+                <a:cubicBezTo>
+                  <a:pt x="313718" y="4470259"/>
+                  <a:pt x="328254" y="4445028"/>
+                  <a:pt x="313718" y="4365729"/>
+                </a:cubicBezTo>
+                <a:cubicBezTo>
+                  <a:pt x="290458" y="4243177"/>
+                  <a:pt x="325347" y="4181900"/>
+                  <a:pt x="418386" y="4214341"/>
+                </a:cubicBezTo>
+                <a:cubicBezTo>
+                  <a:pt x="505609" y="4246781"/>
+                  <a:pt x="514332" y="4199922"/>
+                  <a:pt x="491072" y="4131438"/>
+                </a:cubicBezTo>
+                <a:cubicBezTo>
+                  <a:pt x="456183" y="4030512"/>
+                  <a:pt x="493979" y="3951214"/>
+                  <a:pt x="520147" y="3864706"/>
+                </a:cubicBezTo>
+                <a:cubicBezTo>
+                  <a:pt x="560851" y="3734945"/>
+                  <a:pt x="543407" y="3670064"/>
+                  <a:pt x="459090" y="3572743"/>
+                </a:cubicBezTo>
+                <a:cubicBezTo>
+                  <a:pt x="409664" y="3518676"/>
+                  <a:pt x="360236" y="3471818"/>
+                  <a:pt x="290458" y="3424959"/>
+                </a:cubicBezTo>
+                <a:cubicBezTo>
+                  <a:pt x="450368" y="3399728"/>
+                  <a:pt x="284643" y="3313221"/>
+                  <a:pt x="339884" y="3259153"/>
+                </a:cubicBezTo>
+                <a:cubicBezTo>
+                  <a:pt x="453275" y="3237527"/>
+                  <a:pt x="543407" y="3410542"/>
+                  <a:pt x="697501" y="3360078"/>
+                </a:cubicBezTo>
+                <a:cubicBezTo>
+                  <a:pt x="511425" y="3212294"/>
+                  <a:pt x="302087" y="3165436"/>
+                  <a:pt x="165437" y="2967190"/>
+                </a:cubicBezTo>
+                <a:cubicBezTo>
+                  <a:pt x="197419" y="2923937"/>
+                  <a:pt x="229401" y="2967190"/>
+                  <a:pt x="255568" y="2949167"/>
+                </a:cubicBezTo>
+                <a:cubicBezTo>
+                  <a:pt x="255568" y="2938354"/>
+                  <a:pt x="560851" y="3006840"/>
+                  <a:pt x="578296" y="2725691"/>
+                </a:cubicBezTo>
+                <a:cubicBezTo>
+                  <a:pt x="584111" y="2725691"/>
+                  <a:pt x="589926" y="2725691"/>
+                  <a:pt x="595740" y="2714876"/>
+                </a:cubicBezTo>
+                <a:cubicBezTo>
+                  <a:pt x="627722" y="2675228"/>
+                  <a:pt x="598648" y="2581510"/>
+                  <a:pt x="650982" y="2574301"/>
+                </a:cubicBezTo>
+                <a:cubicBezTo>
+                  <a:pt x="709132" y="2567092"/>
+                  <a:pt x="764373" y="2534653"/>
+                  <a:pt x="825429" y="2552674"/>
+                </a:cubicBezTo>
+                <a:cubicBezTo>
+                  <a:pt x="871949" y="2567092"/>
+                  <a:pt x="921375" y="2585115"/>
+                  <a:pt x="970802" y="2585115"/>
+                </a:cubicBezTo>
+                <a:cubicBezTo>
+                  <a:pt x="1023136" y="2585115"/>
+                  <a:pt x="1095822" y="2707668"/>
+                  <a:pt x="1127805" y="2545465"/>
+                </a:cubicBezTo>
+                <a:cubicBezTo>
+                  <a:pt x="1127805" y="2538257"/>
+                  <a:pt x="1217936" y="2556280"/>
+                  <a:pt x="1267362" y="2563488"/>
+                </a:cubicBezTo>
+                <a:cubicBezTo>
+                  <a:pt x="1308067" y="2570698"/>
+                  <a:pt x="1357494" y="2603137"/>
+                  <a:pt x="1386568" y="2538257"/>
+                </a:cubicBezTo>
+                <a:cubicBezTo>
+                  <a:pt x="1401105" y="2498607"/>
+                  <a:pt x="1331326" y="2426518"/>
+                  <a:pt x="1270270" y="2419309"/>
+                </a:cubicBezTo>
+                <a:cubicBezTo>
+                  <a:pt x="1215029" y="2412101"/>
+                  <a:pt x="1159787" y="2404892"/>
+                  <a:pt x="1107453" y="2419309"/>
+                </a:cubicBezTo>
+                <a:cubicBezTo>
+                  <a:pt x="1043489" y="2437331"/>
+                  <a:pt x="1008599" y="2408495"/>
+                  <a:pt x="991154" y="2343615"/>
+                </a:cubicBezTo>
+                <a:cubicBezTo>
+                  <a:pt x="970802" y="2275131"/>
+                  <a:pt x="933005" y="2239085"/>
+                  <a:pt x="880671" y="2206645"/>
+                </a:cubicBezTo>
+                <a:cubicBezTo>
+                  <a:pt x="752743" y="2127346"/>
+                  <a:pt x="630630" y="2033629"/>
+                  <a:pt x="491072" y="1986771"/>
+                </a:cubicBezTo>
+                <a:cubicBezTo>
+                  <a:pt x="464905" y="1979562"/>
+                  <a:pt x="432923" y="1965145"/>
+                  <a:pt x="421293" y="1903868"/>
+                </a:cubicBezTo>
+                <a:cubicBezTo>
+                  <a:pt x="799262" y="1997584"/>
+                  <a:pt x="1142342" y="2239085"/>
+                  <a:pt x="1531941" y="2224667"/>
+                </a:cubicBezTo>
+                <a:cubicBezTo>
+                  <a:pt x="1427272" y="2148974"/>
+                  <a:pt x="1302252" y="2145369"/>
+                  <a:pt x="1188861" y="2091301"/>
+                </a:cubicBezTo>
+                <a:cubicBezTo>
+                  <a:pt x="1270270" y="2051652"/>
+                  <a:pt x="1345864" y="2094906"/>
+                  <a:pt x="1421458" y="2116532"/>
+                </a:cubicBezTo>
+                <a:cubicBezTo>
+                  <a:pt x="1485422" y="2134554"/>
+                  <a:pt x="1543571" y="2138160"/>
+                  <a:pt x="1549386" y="2026420"/>
+                </a:cubicBezTo>
+                <a:cubicBezTo>
+                  <a:pt x="1549386" y="2015607"/>
+                  <a:pt x="1549386" y="2008398"/>
+                  <a:pt x="1549386" y="1997584"/>
+                </a:cubicBezTo>
+                <a:cubicBezTo>
+                  <a:pt x="1526126" y="1950727"/>
+                  <a:pt x="1494144" y="1929099"/>
+                  <a:pt x="1453440" y="1914682"/>
+                </a:cubicBezTo>
+                <a:cubicBezTo>
+                  <a:pt x="1430180" y="1907473"/>
+                  <a:pt x="1398198" y="1893056"/>
+                  <a:pt x="1398198" y="1860614"/>
+                </a:cubicBezTo>
+                <a:cubicBezTo>
+                  <a:pt x="1401105" y="1738063"/>
+                  <a:pt x="1322604" y="1702018"/>
+                  <a:pt x="1247011" y="1665972"/>
+                </a:cubicBezTo>
+                <a:cubicBezTo>
+                  <a:pt x="1287715" y="1604696"/>
+                  <a:pt x="1322604" y="1647950"/>
+                  <a:pt x="1354586" y="1644345"/>
+                </a:cubicBezTo>
+                <a:cubicBezTo>
+                  <a:pt x="1374939" y="1640741"/>
+                  <a:pt x="1395290" y="1637138"/>
+                  <a:pt x="1395290" y="1604696"/>
+                </a:cubicBezTo>
+                <a:cubicBezTo>
+                  <a:pt x="1395290" y="1579465"/>
+                  <a:pt x="1386568" y="1547025"/>
+                  <a:pt x="1366216" y="1547025"/>
+                </a:cubicBezTo>
+                <a:cubicBezTo>
+                  <a:pt x="1238288" y="1543420"/>
+                  <a:pt x="1165601" y="1370405"/>
+                  <a:pt x="1031858" y="1370405"/>
+                </a:cubicBezTo>
+                <a:cubicBezTo>
+                  <a:pt x="950450" y="1370405"/>
+                  <a:pt x="1072563" y="1273083"/>
+                  <a:pt x="1005692" y="1233435"/>
+                </a:cubicBezTo>
+                <a:cubicBezTo>
+                  <a:pt x="991154" y="1222621"/>
+                  <a:pt x="1046396" y="1208203"/>
+                  <a:pt x="1069655" y="1211808"/>
+                </a:cubicBezTo>
+                <a:cubicBezTo>
+                  <a:pt x="1092915" y="1215412"/>
+                  <a:pt x="1113268" y="1240644"/>
+                  <a:pt x="1142342" y="1222621"/>
+                </a:cubicBezTo>
+                <a:cubicBezTo>
+                  <a:pt x="1156879" y="1157741"/>
+                  <a:pt x="1119082" y="1132510"/>
+                  <a:pt x="1084193" y="1114487"/>
+                </a:cubicBezTo>
+                <a:cubicBezTo>
+                  <a:pt x="1008599" y="1071234"/>
+                  <a:pt x="933005" y="1020771"/>
+                  <a:pt x="848689" y="1006353"/>
+                </a:cubicBezTo>
+                <a:cubicBezTo>
+                  <a:pt x="819615" y="1002748"/>
+                  <a:pt x="802169" y="984726"/>
+                  <a:pt x="805077" y="948681"/>
+                </a:cubicBezTo>
+                <a:cubicBezTo>
+                  <a:pt x="810892" y="901822"/>
+                  <a:pt x="839967" y="916240"/>
+                  <a:pt x="863226" y="919844"/>
+                </a:cubicBezTo>
+                <a:cubicBezTo>
+                  <a:pt x="877764" y="923450"/>
+                  <a:pt x="892301" y="934263"/>
+                  <a:pt x="906838" y="909031"/>
+                </a:cubicBezTo>
+                <a:cubicBezTo>
+                  <a:pt x="566666" y="653113"/>
+                  <a:pt x="386404" y="667532"/>
+                  <a:pt x="5527" y="458471"/>
+                </a:cubicBezTo>
+                <a:cubicBezTo>
+                  <a:pt x="89843" y="418822"/>
+                  <a:pt x="150900" y="447658"/>
+                  <a:pt x="209049" y="454867"/>
+                </a:cubicBezTo>
+                <a:cubicBezTo>
+                  <a:pt x="354422" y="472890"/>
+                  <a:pt x="264290" y="505329"/>
+                  <a:pt x="409664" y="526956"/>
+                </a:cubicBezTo>
+                <a:cubicBezTo>
+                  <a:pt x="479443" y="537770"/>
+                  <a:pt x="543407" y="573815"/>
+                  <a:pt x="621908" y="516143"/>
+                </a:cubicBezTo>
+                <a:cubicBezTo>
+                  <a:pt x="674242" y="476494"/>
+                  <a:pt x="758558" y="519747"/>
+                  <a:pt x="822522" y="552188"/>
+                </a:cubicBezTo>
+                <a:cubicBezTo>
+                  <a:pt x="874856" y="581024"/>
+                  <a:pt x="927190" y="588232"/>
+                  <a:pt x="996969" y="552188"/>
+                </a:cubicBezTo>
+                <a:cubicBezTo>
+                  <a:pt x="933005" y="530562"/>
+                  <a:pt x="883579" y="512539"/>
+                  <a:pt x="834151" y="498120"/>
+                </a:cubicBezTo>
+                <a:cubicBezTo>
+                  <a:pt x="793447" y="487307"/>
+                  <a:pt x="770187" y="462076"/>
+                  <a:pt x="773095" y="408008"/>
+                </a:cubicBezTo>
+                <a:cubicBezTo>
+                  <a:pt x="773095" y="379172"/>
+                  <a:pt x="764373" y="339523"/>
+                  <a:pt x="793447" y="325106"/>
+                </a:cubicBezTo>
+                <a:cubicBezTo>
+                  <a:pt x="816707" y="310688"/>
+                  <a:pt x="848689" y="325106"/>
+                  <a:pt x="860319" y="350336"/>
+                </a:cubicBezTo>
+                <a:cubicBezTo>
+                  <a:pt x="874856" y="397195"/>
+                  <a:pt x="889393" y="440449"/>
+                  <a:pt x="938820" y="444054"/>
+                </a:cubicBezTo>
+                <a:cubicBezTo>
+                  <a:pt x="1005692" y="451262"/>
+                  <a:pt x="967894" y="422426"/>
+                  <a:pt x="956265" y="386381"/>
+                </a:cubicBezTo>
+                <a:cubicBezTo>
+                  <a:pt x="944635" y="346733"/>
+                  <a:pt x="979525" y="335919"/>
+                  <a:pt x="1002784" y="343127"/>
+                </a:cubicBezTo>
+                <a:cubicBezTo>
+                  <a:pt x="1090008" y="375569"/>
+                  <a:pt x="1180139" y="317897"/>
+                  <a:pt x="1270270" y="364755"/>
+                </a:cubicBezTo>
+                <a:cubicBezTo>
+                  <a:pt x="1247011" y="249411"/>
+                  <a:pt x="1197583" y="198949"/>
+                  <a:pt x="1092915" y="180926"/>
+                </a:cubicBezTo>
+                <a:cubicBezTo>
+                  <a:pt x="1055118" y="177322"/>
+                  <a:pt x="1014414" y="184530"/>
+                  <a:pt x="979525" y="152090"/>
+                </a:cubicBezTo>
+                <a:cubicBezTo>
+                  <a:pt x="959172" y="134068"/>
+                  <a:pt x="938820" y="112441"/>
+                  <a:pt x="953358" y="76396"/>
+                </a:cubicBezTo>
+                <a:cubicBezTo>
+                  <a:pt x="962080" y="51165"/>
+                  <a:pt x="985339" y="51165"/>
+                  <a:pt x="1005692" y="58373"/>
+                </a:cubicBezTo>
+                <a:cubicBezTo>
+                  <a:pt x="1090008" y="98023"/>
+                  <a:pt x="1180139" y="108837"/>
+                  <a:pt x="1267362" y="123254"/>
+                </a:cubicBezTo>
+                <a:cubicBezTo>
+                  <a:pt x="1281900" y="126859"/>
+                  <a:pt x="1296437" y="134068"/>
+                  <a:pt x="1310975" y="98023"/>
+                </a:cubicBezTo>
+                <a:cubicBezTo>
+                  <a:pt x="1260095" y="81803"/>
+                  <a:pt x="1209941" y="62879"/>
+                  <a:pt x="1159787" y="43505"/>
+                </a:cubicBezTo>
+                <a:close/>
+              </a:path>
+            </a:pathLst>
+          </a:custGeom>
+        </p:spPr>
+      </p:pic>
+      <p:sp>
+        <p:nvSpPr>
+          <p:cNvPr id="2" name="Title 1">
+            <a:extLst>
+              <a:ext uri="{FF2B5EF4-FFF2-40B4-BE49-F238E27FC236}">
+                <a16:creationId xmlns:a16="http://schemas.microsoft.com/office/drawing/2014/main" id="{112F25C3-FA7D-4C30-78C0-82AED96156B2}"/>
+              </a:ext>
+            </a:extLst>
+          </p:cNvPr>
+          <p:cNvSpPr>
+            <a:spLocks noGrp="1"/>
+          </p:cNvSpPr>
+          <p:nvPr>
+            <p:ph type="title"/>
+          </p:nvPr>
+        </p:nvSpPr>
+        <p:spPr>
+          <a:xfrm>
+            <a:off x="6739468" y="643467"/>
+            <a:ext cx="4620584" cy="4567137"/>
+          </a:xfrm>
+        </p:spPr>
+        <p:txBody>
+          <a:bodyPr vert="horz" lIns="91440" tIns="45720" rIns="91440" bIns="45720" rtlCol="0" anchor="b">
+            <a:normAutofit/>
+          </a:bodyPr>
+          <a:lstStyle/>
+          <a:p>
+            <a:r>
+              <a:rPr lang="en-US" dirty="0"/>
+              <a:t>What is </a:t>
+            </a:r>
+            <a:br>
+              <a:rPr lang="en-US" dirty="0"/>
+            </a:br>
+            <a:r>
+              <a:rPr lang="en-US" dirty="0"/>
+              <a:t>"artificial" intelligence?</a:t>
+            </a:r>
+          </a:p>
+        </p:txBody>
+      </p:sp>
+    </p:spTree>
+    <p:extLst>
+      <p:ext uri="{BB962C8B-B14F-4D97-AF65-F5344CB8AC3E}">
+        <p14:creationId xmlns:p14="http://schemas.microsoft.com/office/powerpoint/2010/main" val="3179988239"/>
       </p:ext>
     </p:extLst>
   </p:cSld>

--- a/WhatIsArtificialIntelligence.pptx
+++ b/WhatIsArtificialIntelligence.pptx
@@ -5,13 +5,14 @@
     <p:sldMasterId id="2147483648" r:id="rId1"/>
   </p:sldMasterIdLst>
   <p:notesMasterIdLst>
-    <p:notesMasterId r:id="rId6"/>
+    <p:notesMasterId r:id="rId7"/>
   </p:notesMasterIdLst>
   <p:sldIdLst>
     <p:sldId id="257" r:id="rId2"/>
     <p:sldId id="258" r:id="rId3"/>
     <p:sldId id="331" r:id="rId4"/>
     <p:sldId id="332" r:id="rId5"/>
+    <p:sldId id="261" r:id="rId6"/>
   </p:sldIdLst>
   <p:sldSz cx="12192000" cy="6858000"/>
   <p:notesSz cx="6858000" cy="9144000"/>
@@ -641,6 +642,90 @@
     <p:extLst>
       <p:ext uri="{BB962C8B-B14F-4D97-AF65-F5344CB8AC3E}">
         <p14:creationId xmlns:p14="http://schemas.microsoft.com/office/powerpoint/2010/main" val="1033018734"/>
+      </p:ext>
+    </p:extLst>
+  </p:cSld>
+  <p:clrMapOvr>
+    <a:masterClrMapping/>
+  </p:clrMapOvr>
+</p:notes>
+</file>
+
+<file path=ppt/notesSlides/notesSlide3.xml><?xml version="1.0" encoding="utf-8"?>
+<p:notes xmlns:a="http://schemas.openxmlformats.org/drawingml/2006/main" xmlns:r="http://schemas.openxmlformats.org/officeDocument/2006/relationships" xmlns:p="http://schemas.openxmlformats.org/presentationml/2006/main">
+  <p:cSld>
+    <p:spTree>
+      <p:nvGrpSpPr>
+        <p:cNvPr id="1" name=""/>
+        <p:cNvGrpSpPr/>
+        <p:nvPr/>
+      </p:nvGrpSpPr>
+      <p:grpSpPr>
+        <a:xfrm>
+          <a:off x="0" y="0"/>
+          <a:ext cx="0" cy="0"/>
+          <a:chOff x="0" y="0"/>
+          <a:chExt cx="0" cy="0"/>
+        </a:xfrm>
+      </p:grpSpPr>
+      <p:sp>
+        <p:nvSpPr>
+          <p:cNvPr id="2" name="Slide Image Placeholder 1"/>
+          <p:cNvSpPr>
+            <a:spLocks noGrp="1" noRot="1" noChangeAspect="1"/>
+          </p:cNvSpPr>
+          <p:nvPr>
+            <p:ph type="sldImg"/>
+          </p:nvPr>
+        </p:nvSpPr>
+        <p:spPr/>
+      </p:sp>
+      <p:sp>
+        <p:nvSpPr>
+          <p:cNvPr id="3" name="Notes Placeholder 2"/>
+          <p:cNvSpPr>
+            <a:spLocks noGrp="1"/>
+          </p:cNvSpPr>
+          <p:nvPr>
+            <p:ph type="body" idx="1"/>
+          </p:nvPr>
+        </p:nvSpPr>
+        <p:spPr/>
+        <p:txBody>
+          <a:bodyPr/>
+          <a:lstStyle/>
+          <a:p>
+            <a:endParaRPr lang="en-US" dirty="0"/>
+          </a:p>
+        </p:txBody>
+      </p:sp>
+      <p:sp>
+        <p:nvSpPr>
+          <p:cNvPr id="4" name="Slide Number Placeholder 3"/>
+          <p:cNvSpPr>
+            <a:spLocks noGrp="1"/>
+          </p:cNvSpPr>
+          <p:nvPr>
+            <p:ph type="sldNum" sz="quarter" idx="5"/>
+          </p:nvPr>
+        </p:nvSpPr>
+        <p:spPr/>
+        <p:txBody>
+          <a:bodyPr/>
+          <a:lstStyle/>
+          <a:p>
+            <a:fld id="{CEFB1CB0-8521-448A-8AF4-782A4204CD99}" type="slidenum">
+              <a:rPr lang="en-US" smtClean="0"/>
+              <a:t>5</a:t>
+            </a:fld>
+            <a:endParaRPr lang="en-US"/>
+          </a:p>
+        </p:txBody>
+      </p:sp>
+    </p:spTree>
+    <p:extLst>
+      <p:ext uri="{BB962C8B-B14F-4D97-AF65-F5344CB8AC3E}">
+        <p14:creationId xmlns:p14="http://schemas.microsoft.com/office/powerpoint/2010/main" val="1441815743"/>
       </p:ext>
     </p:extLst>
   </p:cSld>
@@ -5289,6 +5374,177 @@
     <p:extLst>
       <p:ext uri="{BB962C8B-B14F-4D97-AF65-F5344CB8AC3E}">
         <p14:creationId xmlns:p14="http://schemas.microsoft.com/office/powerpoint/2010/main" val="3179988239"/>
+      </p:ext>
+    </p:extLst>
+  </p:cSld>
+  <p:clrMapOvr>
+    <a:masterClrMapping/>
+  </p:clrMapOvr>
+</p:sld>
+</file>
+
+<file path=ppt/slides/slide5.xml><?xml version="1.0" encoding="utf-8"?>
+<p:sld xmlns:a="http://schemas.openxmlformats.org/drawingml/2006/main" xmlns:r="http://schemas.openxmlformats.org/officeDocument/2006/relationships" xmlns:p="http://schemas.openxmlformats.org/presentationml/2006/main">
+  <p:cSld>
+    <p:spTree>
+      <p:nvGrpSpPr>
+        <p:cNvPr id="1" name=""/>
+        <p:cNvGrpSpPr/>
+        <p:nvPr/>
+      </p:nvGrpSpPr>
+      <p:grpSpPr>
+        <a:xfrm>
+          <a:off x="0" y="0"/>
+          <a:ext cx="0" cy="0"/>
+          <a:chOff x="0" y="0"/>
+          <a:chExt cx="0" cy="0"/>
+        </a:xfrm>
+      </p:grpSpPr>
+      <p:sp>
+        <p:nvSpPr>
+          <p:cNvPr id="2" name="Title 1">
+            <a:extLst>
+              <a:ext uri="{FF2B5EF4-FFF2-40B4-BE49-F238E27FC236}">
+                <a16:creationId xmlns:a16="http://schemas.microsoft.com/office/drawing/2014/main" id="{1C1544C3-40DE-D57E-F48C-CD99D17799A2}"/>
+              </a:ext>
+            </a:extLst>
+          </p:cNvPr>
+          <p:cNvSpPr>
+            <a:spLocks noGrp="1"/>
+          </p:cNvSpPr>
+          <p:nvPr>
+            <p:ph type="title"/>
+          </p:nvPr>
+        </p:nvSpPr>
+        <p:spPr>
+          <a:xfrm>
+            <a:off x="1137038" y="3643200"/>
+            <a:ext cx="3820630" cy="2145600"/>
+          </a:xfrm>
+        </p:spPr>
+        <p:txBody>
+          <a:bodyPr anchor="b">
+            <a:normAutofit/>
+          </a:bodyPr>
+          <a:lstStyle/>
+          <a:p>
+            <a:r>
+              <a:rPr lang="en-US" dirty="0">
+                <a:solidFill>
+                  <a:schemeClr val="tx1">
+                    <a:lumMod val="85000"/>
+                    <a:lumOff val="15000"/>
+                  </a:schemeClr>
+                </a:solidFill>
+              </a:rPr>
+              <a:t>Formal</a:t>
+            </a:r>
+            <a:br>
+              <a:rPr lang="en-US" dirty="0">
+                <a:solidFill>
+                  <a:schemeClr val="tx1">
+                    <a:lumMod val="85000"/>
+                    <a:lumOff val="15000"/>
+                  </a:schemeClr>
+                </a:solidFill>
+              </a:rPr>
+            </a:br>
+            <a:r>
+              <a:rPr lang="en-US" dirty="0">
+                <a:solidFill>
+                  <a:schemeClr val="tx1">
+                    <a:lumMod val="85000"/>
+                    <a:lumOff val="15000"/>
+                  </a:schemeClr>
+                </a:solidFill>
+              </a:rPr>
+              <a:t>definition</a:t>
+            </a:r>
+          </a:p>
+        </p:txBody>
+      </p:sp>
+      <p:sp>
+        <p:nvSpPr>
+          <p:cNvPr id="4" name="Content Placeholder 3">
+            <a:extLst>
+              <a:ext uri="{FF2B5EF4-FFF2-40B4-BE49-F238E27FC236}">
+                <a16:creationId xmlns:a16="http://schemas.microsoft.com/office/drawing/2014/main" id="{FEFA5634-660A-01F9-611C-A465E065A17E}"/>
+              </a:ext>
+            </a:extLst>
+          </p:cNvPr>
+          <p:cNvSpPr txBox="1">
+            <a:spLocks noGrp="1"/>
+          </p:cNvSpPr>
+          <p:nvPr>
+            <p:ph idx="1"/>
+          </p:nvPr>
+        </p:nvSpPr>
+        <p:spPr>
+          <a:xfrm>
+            <a:off x="5552708" y="896469"/>
+            <a:ext cx="5945025" cy="5319430"/>
+          </a:xfrm>
+          <a:prstGeom prst="rect">
+            <a:avLst/>
+          </a:prstGeom>
+        </p:spPr>
+        <p:txBody>
+          <a:bodyPr>
+            <a:normAutofit/>
+          </a:bodyPr>
+          <a:lstStyle/>
+          <a:p>
+            <a:pPr marL="0" indent="0" algn="just">
+              <a:buNone/>
+            </a:pPr>
+            <a:r>
+              <a:rPr lang="en-GB" sz="4000" dirty="0">
+                <a:solidFill>
+                  <a:schemeClr val="tx1">
+                    <a:lumMod val="85000"/>
+                    <a:lumOff val="15000"/>
+                  </a:schemeClr>
+                </a:solidFill>
+              </a:rPr>
+              <a:t>"the set of theories and techniques implemented in order to achieve machines capable of </a:t>
+            </a:r>
+            <a:r>
+              <a:rPr lang="en-GB" sz="4000" b="1" dirty="0">
+                <a:solidFill>
+                  <a:schemeClr val="tx1">
+                    <a:lumMod val="85000"/>
+                    <a:lumOff val="15000"/>
+                  </a:schemeClr>
+                </a:solidFill>
+              </a:rPr>
+              <a:t>simulating human intelligence</a:t>
+            </a:r>
+            <a:r>
+              <a:rPr lang="en-GB" sz="4000" dirty="0">
+                <a:solidFill>
+                  <a:schemeClr val="tx1">
+                    <a:lumMod val="85000"/>
+                    <a:lumOff val="15000"/>
+                  </a:schemeClr>
+                </a:solidFill>
+              </a:rPr>
+              <a:t>"</a:t>
+            </a:r>
+            <a:endParaRPr lang="fr-FR" sz="4000" dirty="0">
+              <a:solidFill>
+                <a:schemeClr val="tx1">
+                  <a:lumMod val="85000"/>
+                  <a:lumOff val="15000"/>
+                </a:schemeClr>
+              </a:solidFill>
+            </a:endParaRPr>
+          </a:p>
+        </p:txBody>
+      </p:sp>
+    </p:spTree>
+    <p:extLst>
+      <p:ext uri="{BB962C8B-B14F-4D97-AF65-F5344CB8AC3E}">
+        <p14:creationId xmlns:p14="http://schemas.microsoft.com/office/powerpoint/2010/main" val="2838456650"/>
       </p:ext>
     </p:extLst>
   </p:cSld>

--- a/WhatIsArtificialIntelligence.pptx
+++ b/WhatIsArtificialIntelligence.pptx
@@ -5,7 +5,7 @@
     <p:sldMasterId id="2147483648" r:id="rId1"/>
   </p:sldMasterIdLst>
   <p:notesMasterIdLst>
-    <p:notesMasterId r:id="rId7"/>
+    <p:notesMasterId r:id="rId8"/>
   </p:notesMasterIdLst>
   <p:sldIdLst>
     <p:sldId id="257" r:id="rId2"/>
@@ -13,6 +13,7 @@
     <p:sldId id="331" r:id="rId4"/>
     <p:sldId id="332" r:id="rId5"/>
     <p:sldId id="261" r:id="rId6"/>
+    <p:sldId id="260" r:id="rId7"/>
   </p:sldIdLst>
   <p:sldSz cx="12192000" cy="6858000"/>
   <p:notesSz cx="6858000" cy="9144000"/>
@@ -726,6 +727,123 @@
     <p:extLst>
       <p:ext uri="{BB962C8B-B14F-4D97-AF65-F5344CB8AC3E}">
         <p14:creationId xmlns:p14="http://schemas.microsoft.com/office/powerpoint/2010/main" val="1441815743"/>
+      </p:ext>
+    </p:extLst>
+  </p:cSld>
+  <p:clrMapOvr>
+    <a:masterClrMapping/>
+  </p:clrMapOvr>
+</p:notes>
+</file>
+
+<file path=ppt/notesSlides/notesSlide4.xml><?xml version="1.0" encoding="utf-8"?>
+<p:notes xmlns:a="http://schemas.openxmlformats.org/drawingml/2006/main" xmlns:r="http://schemas.openxmlformats.org/officeDocument/2006/relationships" xmlns:p="http://schemas.openxmlformats.org/presentationml/2006/main">
+  <p:cSld>
+    <p:spTree>
+      <p:nvGrpSpPr>
+        <p:cNvPr id="1" name=""/>
+        <p:cNvGrpSpPr/>
+        <p:nvPr/>
+      </p:nvGrpSpPr>
+      <p:grpSpPr>
+        <a:xfrm>
+          <a:off x="0" y="0"/>
+          <a:ext cx="0" cy="0"/>
+          <a:chOff x="0" y="0"/>
+          <a:chExt cx="0" cy="0"/>
+        </a:xfrm>
+      </p:grpSpPr>
+      <p:sp>
+        <p:nvSpPr>
+          <p:cNvPr id="2" name="Slide Image Placeholder 1"/>
+          <p:cNvSpPr>
+            <a:spLocks noGrp="1" noRot="1" noChangeAspect="1"/>
+          </p:cNvSpPr>
+          <p:nvPr>
+            <p:ph type="sldImg"/>
+          </p:nvPr>
+        </p:nvSpPr>
+        <p:spPr/>
+      </p:sp>
+      <p:sp>
+        <p:nvSpPr>
+          <p:cNvPr id="3" name="Notes Placeholder 2"/>
+          <p:cNvSpPr>
+            <a:spLocks noGrp="1"/>
+          </p:cNvSpPr>
+          <p:nvPr>
+            <p:ph type="body" idx="1"/>
+          </p:nvPr>
+        </p:nvSpPr>
+        <p:spPr/>
+        <p:txBody>
+          <a:bodyPr/>
+          <a:lstStyle/>
+          <a:p>
+            <a:r>
+              <a:rPr lang="en-US" b="0" dirty="0">
+                <a:solidFill>
+                  <a:srgbClr val="D4D4D4"/>
+                </a:solidFill>
+                <a:effectLst/>
+                <a:latin typeface="Consolas" panose="020B0609020204030204" pitchFamily="49" charset="0"/>
+              </a:rPr>
+              <a:t>When playing video games, if there are multiple levels, the AI is purposefully made "stupid" (to some extend)</a:t>
+            </a:r>
+          </a:p>
+          <a:p>
+            <a:endParaRPr lang="en-US" b="0" dirty="0">
+              <a:solidFill>
+                <a:srgbClr val="D4D4D4"/>
+              </a:solidFill>
+              <a:effectLst/>
+              <a:latin typeface="Consolas" panose="020B0609020204030204" pitchFamily="49" charset="0"/>
+            </a:endParaRPr>
+          </a:p>
+          <a:p>
+            <a:r>
+              <a:rPr lang="en-US" b="0" dirty="0">
+                <a:solidFill>
+                  <a:srgbClr val="D4D4D4"/>
+                </a:solidFill>
+                <a:effectLst/>
+                <a:latin typeface="Consolas" panose="020B0609020204030204" pitchFamily="49" charset="0"/>
+              </a:rPr>
+              <a:t>Today, we will be more interested in the "smart" ones</a:t>
+            </a:r>
+          </a:p>
+          <a:p>
+            <a:endParaRPr lang="en-US" dirty="0"/>
+          </a:p>
+        </p:txBody>
+      </p:sp>
+      <p:sp>
+        <p:nvSpPr>
+          <p:cNvPr id="4" name="Slide Number Placeholder 3"/>
+          <p:cNvSpPr>
+            <a:spLocks noGrp="1"/>
+          </p:cNvSpPr>
+          <p:nvPr>
+            <p:ph type="sldNum" sz="quarter" idx="5"/>
+          </p:nvPr>
+        </p:nvSpPr>
+        <p:spPr/>
+        <p:txBody>
+          <a:bodyPr/>
+          <a:lstStyle/>
+          <a:p>
+            <a:fld id="{CEFB1CB0-8521-448A-8AF4-782A4204CD99}" type="slidenum">
+              <a:rPr lang="en-US" smtClean="0"/>
+              <a:t>6</a:t>
+            </a:fld>
+            <a:endParaRPr lang="en-US"/>
+          </a:p>
+        </p:txBody>
+      </p:sp>
+    </p:spTree>
+    <p:extLst>
+      <p:ext uri="{BB962C8B-B14F-4D97-AF65-F5344CB8AC3E}">
+        <p14:creationId xmlns:p14="http://schemas.microsoft.com/office/powerpoint/2010/main" val="2518621464"/>
       </p:ext>
     </p:extLst>
   </p:cSld>
@@ -5545,6 +5663,187 @@
     <p:extLst>
       <p:ext uri="{BB962C8B-B14F-4D97-AF65-F5344CB8AC3E}">
         <p14:creationId xmlns:p14="http://schemas.microsoft.com/office/powerpoint/2010/main" val="2838456650"/>
+      </p:ext>
+    </p:extLst>
+  </p:cSld>
+  <p:clrMapOvr>
+    <a:masterClrMapping/>
+  </p:clrMapOvr>
+</p:sld>
+</file>
+
+<file path=ppt/slides/slide6.xml><?xml version="1.0" encoding="utf-8"?>
+<p:sld xmlns:a="http://schemas.openxmlformats.org/drawingml/2006/main" xmlns:r="http://schemas.openxmlformats.org/officeDocument/2006/relationships" xmlns:p="http://schemas.openxmlformats.org/presentationml/2006/main">
+  <p:cSld>
+    <p:spTree>
+      <p:nvGrpSpPr>
+        <p:cNvPr id="1" name=""/>
+        <p:cNvGrpSpPr/>
+        <p:nvPr/>
+      </p:nvGrpSpPr>
+      <p:grpSpPr>
+        <a:xfrm>
+          <a:off x="0" y="0"/>
+          <a:ext cx="0" cy="0"/>
+          <a:chOff x="0" y="0"/>
+          <a:chExt cx="0" cy="0"/>
+        </a:xfrm>
+      </p:grpSpPr>
+      <p:sp>
+        <p:nvSpPr>
+          <p:cNvPr id="2" name="Title 1">
+            <a:extLst>
+              <a:ext uri="{FF2B5EF4-FFF2-40B4-BE49-F238E27FC236}">
+                <a16:creationId xmlns:a16="http://schemas.microsoft.com/office/drawing/2014/main" id="{2277B080-C152-9F68-4D72-154640251879}"/>
+              </a:ext>
+            </a:extLst>
+          </p:cNvPr>
+          <p:cNvSpPr>
+            <a:spLocks noGrp="1"/>
+          </p:cNvSpPr>
+          <p:nvPr>
+            <p:ph type="title"/>
+          </p:nvPr>
+        </p:nvSpPr>
+        <p:spPr>
+          <a:xfrm>
+            <a:off x="497973" y="393380"/>
+            <a:ext cx="10313960" cy="739881"/>
+          </a:xfrm>
+        </p:spPr>
+        <p:txBody>
+          <a:bodyPr vert="horz" lIns="91440" tIns="45720" rIns="91440" bIns="45720" rtlCol="0" anchor="b">
+            <a:normAutofit/>
+          </a:bodyPr>
+          <a:lstStyle/>
+          <a:p>
+            <a:r>
+              <a:rPr lang="en-GB" sz="3600" dirty="0"/>
+              <a:t>Not all AIs are "intelligent"</a:t>
+            </a:r>
+            <a:endParaRPr lang="fr-FR" sz="3600" dirty="0"/>
+          </a:p>
+        </p:txBody>
+      </p:sp>
+      <p:pic>
+        <p:nvPicPr>
+          <p:cNvPr id="6" name="Content Placeholder 5">
+            <a:extLst>
+              <a:ext uri="{FF2B5EF4-FFF2-40B4-BE49-F238E27FC236}">
+                <a16:creationId xmlns:a16="http://schemas.microsoft.com/office/drawing/2014/main" id="{D6DE1274-16E4-4C2F-413E-9F886E7D9C75}"/>
+              </a:ext>
+            </a:extLst>
+          </p:cNvPr>
+          <p:cNvPicPr>
+            <a:picLocks noGrp="1" noChangeAspect="1"/>
+          </p:cNvPicPr>
+          <p:nvPr>
+            <p:ph sz="half" idx="1"/>
+          </p:nvPr>
+        </p:nvPicPr>
+        <p:blipFill>
+          <a:blip r:embed="rId3">
+            <a:extLst>
+              <a:ext uri="{28A0092B-C50C-407E-A947-70E740481C1C}">
+                <a14:useLocalDpi xmlns:a14="http://schemas.microsoft.com/office/drawing/2010/main" val="0"/>
+              </a:ext>
+            </a:extLst>
+          </a:blip>
+          <a:srcRect/>
+          <a:stretch/>
+        </p:blipFill>
+        <p:spPr>
+          <a:xfrm>
+            <a:off x="2078943" y="2337520"/>
+            <a:ext cx="3373624" cy="3365190"/>
+          </a:xfrm>
+          <a:prstGeom prst="rect">
+            <a:avLst/>
+          </a:prstGeom>
+        </p:spPr>
+      </p:pic>
+      <p:pic>
+        <p:nvPicPr>
+          <p:cNvPr id="8" name="Content Placeholder 7">
+            <a:extLst>
+              <a:ext uri="{FF2B5EF4-FFF2-40B4-BE49-F238E27FC236}">
+                <a16:creationId xmlns:a16="http://schemas.microsoft.com/office/drawing/2014/main" id="{69DD07EE-5527-08CA-427C-569C3130F663}"/>
+              </a:ext>
+            </a:extLst>
+          </p:cNvPr>
+          <p:cNvPicPr>
+            <a:picLocks noGrp="1" noChangeAspect="1"/>
+          </p:cNvPicPr>
+          <p:nvPr>
+            <p:ph sz="half" idx="2"/>
+          </p:nvPr>
+        </p:nvPicPr>
+        <p:blipFill>
+          <a:blip r:embed="rId4">
+            <a:extLst>
+              <a:ext uri="{28A0092B-C50C-407E-A947-70E740481C1C}">
+                <a14:useLocalDpi xmlns:a14="http://schemas.microsoft.com/office/drawing/2010/main" val="0"/>
+              </a:ext>
+            </a:extLst>
+          </a:blip>
+          <a:srcRect/>
+          <a:stretch/>
+        </p:blipFill>
+        <p:spPr>
+          <a:xfrm>
+            <a:off x="6759099" y="2337520"/>
+            <a:ext cx="3373624" cy="3365190"/>
+          </a:xfrm>
+          <a:prstGeom prst="rect">
+            <a:avLst/>
+          </a:prstGeom>
+        </p:spPr>
+      </p:pic>
+      <p:sp>
+        <p:nvSpPr>
+          <p:cNvPr id="10" name="TextBox 9">
+            <a:extLst>
+              <a:ext uri="{FF2B5EF4-FFF2-40B4-BE49-F238E27FC236}">
+                <a16:creationId xmlns:a16="http://schemas.microsoft.com/office/drawing/2014/main" id="{F210E243-A46F-EA2E-D4F7-A0FCD72E7C30}"/>
+              </a:ext>
+            </a:extLst>
+          </p:cNvPr>
+          <p:cNvSpPr txBox="1"/>
+          <p:nvPr/>
+        </p:nvSpPr>
+        <p:spPr>
+          <a:xfrm>
+            <a:off x="497973" y="1218973"/>
+            <a:ext cx="10771363" cy="954107"/>
+          </a:xfrm>
+          <a:prstGeom prst="rect">
+            <a:avLst/>
+          </a:prstGeom>
+          <a:noFill/>
+        </p:spPr>
+        <p:txBody>
+          <a:bodyPr wrap="square">
+            <a:spAutoFit/>
+          </a:bodyPr>
+          <a:lstStyle/>
+          <a:p>
+            <a:pPr algn="ctr"/>
+            <a:r>
+              <a:rPr lang="en-GB" sz="2800" b="1" i="1" dirty="0"/>
+              <a:t>AI: </a:t>
+            </a:r>
+            <a:r>
+              <a:rPr lang="en-GB" sz="2800" b="1" dirty="0"/>
+              <a:t>"the set of theories and techniques implemented in order to achieve machines capable of simulating human intelligence"</a:t>
+            </a:r>
+            <a:endParaRPr lang="fr-FR" sz="2800" b="1" dirty="0"/>
+          </a:p>
+        </p:txBody>
+      </p:sp>
+    </p:spTree>
+    <p:extLst>
+      <p:ext uri="{BB962C8B-B14F-4D97-AF65-F5344CB8AC3E}">
+        <p14:creationId xmlns:p14="http://schemas.microsoft.com/office/powerpoint/2010/main" val="3416611972"/>
       </p:ext>
     </p:extLst>
   </p:cSld>

--- a/WhatIsArtificialIntelligence.pptx
+++ b/WhatIsArtificialIntelligence.pptx
@@ -5,7 +5,7 @@
     <p:sldMasterId id="2147483648" r:id="rId1"/>
   </p:sldMasterIdLst>
   <p:notesMasterIdLst>
-    <p:notesMasterId r:id="rId8"/>
+    <p:notesMasterId r:id="rId9"/>
   </p:notesMasterIdLst>
   <p:sldIdLst>
     <p:sldId id="257" r:id="rId2"/>
@@ -14,6 +14,7 @@
     <p:sldId id="332" r:id="rId5"/>
     <p:sldId id="261" r:id="rId6"/>
     <p:sldId id="260" r:id="rId7"/>
+    <p:sldId id="262" r:id="rId8"/>
   </p:sldIdLst>
   <p:sldSz cx="12192000" cy="6858000"/>
   <p:notesSz cx="6858000" cy="9144000"/>
@@ -844,6 +845,90 @@
     <p:extLst>
       <p:ext uri="{BB962C8B-B14F-4D97-AF65-F5344CB8AC3E}">
         <p14:creationId xmlns:p14="http://schemas.microsoft.com/office/powerpoint/2010/main" val="2518621464"/>
+      </p:ext>
+    </p:extLst>
+  </p:cSld>
+  <p:clrMapOvr>
+    <a:masterClrMapping/>
+  </p:clrMapOvr>
+</p:notes>
+</file>
+
+<file path=ppt/notesSlides/notesSlide5.xml><?xml version="1.0" encoding="utf-8"?>
+<p:notes xmlns:a="http://schemas.openxmlformats.org/drawingml/2006/main" xmlns:r="http://schemas.openxmlformats.org/officeDocument/2006/relationships" xmlns:p="http://schemas.openxmlformats.org/presentationml/2006/main">
+  <p:cSld>
+    <p:spTree>
+      <p:nvGrpSpPr>
+        <p:cNvPr id="1" name=""/>
+        <p:cNvGrpSpPr/>
+        <p:nvPr/>
+      </p:nvGrpSpPr>
+      <p:grpSpPr>
+        <a:xfrm>
+          <a:off x="0" y="0"/>
+          <a:ext cx="0" cy="0"/>
+          <a:chOff x="0" y="0"/>
+          <a:chExt cx="0" cy="0"/>
+        </a:xfrm>
+      </p:grpSpPr>
+      <p:sp>
+        <p:nvSpPr>
+          <p:cNvPr id="2" name="Slide Image Placeholder 1"/>
+          <p:cNvSpPr>
+            <a:spLocks noGrp="1" noRot="1" noChangeAspect="1"/>
+          </p:cNvSpPr>
+          <p:nvPr>
+            <p:ph type="sldImg"/>
+          </p:nvPr>
+        </p:nvSpPr>
+        <p:spPr/>
+      </p:sp>
+      <p:sp>
+        <p:nvSpPr>
+          <p:cNvPr id="3" name="Notes Placeholder 2"/>
+          <p:cNvSpPr>
+            <a:spLocks noGrp="1"/>
+          </p:cNvSpPr>
+          <p:nvPr>
+            <p:ph type="body" idx="1"/>
+          </p:nvPr>
+        </p:nvSpPr>
+        <p:spPr/>
+        <p:txBody>
+          <a:bodyPr/>
+          <a:lstStyle/>
+          <a:p>
+            <a:endParaRPr lang="en-US" dirty="0"/>
+          </a:p>
+        </p:txBody>
+      </p:sp>
+      <p:sp>
+        <p:nvSpPr>
+          <p:cNvPr id="4" name="Slide Number Placeholder 3"/>
+          <p:cNvSpPr>
+            <a:spLocks noGrp="1"/>
+          </p:cNvSpPr>
+          <p:nvPr>
+            <p:ph type="sldNum" sz="quarter" idx="5"/>
+          </p:nvPr>
+        </p:nvSpPr>
+        <p:spPr/>
+        <p:txBody>
+          <a:bodyPr/>
+          <a:lstStyle/>
+          <a:p>
+            <a:fld id="{CEFB1CB0-8521-448A-8AF4-782A4204CD99}" type="slidenum">
+              <a:rPr lang="en-US" smtClean="0"/>
+              <a:t>7</a:t>
+            </a:fld>
+            <a:endParaRPr lang="en-US"/>
+          </a:p>
+        </p:txBody>
+      </p:sp>
+    </p:spTree>
+    <p:extLst>
+      <p:ext uri="{BB962C8B-B14F-4D97-AF65-F5344CB8AC3E}">
+        <p14:creationId xmlns:p14="http://schemas.microsoft.com/office/powerpoint/2010/main" val="3688305487"/>
       </p:ext>
     </p:extLst>
   </p:cSld>
@@ -5844,6 +5929,934 @@
     <p:extLst>
       <p:ext uri="{BB962C8B-B14F-4D97-AF65-F5344CB8AC3E}">
         <p14:creationId xmlns:p14="http://schemas.microsoft.com/office/powerpoint/2010/main" val="3416611972"/>
+      </p:ext>
+    </p:extLst>
+  </p:cSld>
+  <p:clrMapOvr>
+    <a:masterClrMapping/>
+  </p:clrMapOvr>
+</p:sld>
+</file>
+
+<file path=ppt/slides/slide7.xml><?xml version="1.0" encoding="utf-8"?>
+<p:sld xmlns:a="http://schemas.openxmlformats.org/drawingml/2006/main" xmlns:r="http://schemas.openxmlformats.org/officeDocument/2006/relationships" xmlns:p="http://schemas.openxmlformats.org/presentationml/2006/main">
+  <p:cSld>
+    <p:spTree>
+      <p:nvGrpSpPr>
+        <p:cNvPr id="1" name=""/>
+        <p:cNvGrpSpPr/>
+        <p:nvPr/>
+      </p:nvGrpSpPr>
+      <p:grpSpPr>
+        <a:xfrm>
+          <a:off x="0" y="0"/>
+          <a:ext cx="0" cy="0"/>
+          <a:chOff x="0" y="0"/>
+          <a:chExt cx="0" cy="0"/>
+        </a:xfrm>
+      </p:grpSpPr>
+      <p:sp>
+        <p:nvSpPr>
+          <p:cNvPr id="2" name="Title 1">
+            <a:extLst>
+              <a:ext uri="{FF2B5EF4-FFF2-40B4-BE49-F238E27FC236}">
+                <a16:creationId xmlns:a16="http://schemas.microsoft.com/office/drawing/2014/main" id="{EC1922F3-6628-8A56-FBAF-C05D1D6FEE40}"/>
+              </a:ext>
+            </a:extLst>
+          </p:cNvPr>
+          <p:cNvSpPr>
+            <a:spLocks noGrp="1"/>
+          </p:cNvSpPr>
+          <p:nvPr>
+            <p:ph type="title"/>
+          </p:nvPr>
+        </p:nvSpPr>
+        <p:spPr/>
+        <p:txBody>
+          <a:bodyPr/>
+          <a:lstStyle/>
+          <a:p>
+            <a:r>
+              <a:rPr lang="fr-FR" dirty="0"/>
+              <a:t>Example of "simple" AI</a:t>
+            </a:r>
+          </a:p>
+        </p:txBody>
+      </p:sp>
+      <p:graphicFrame>
+        <p:nvGraphicFramePr>
+          <p:cNvPr id="4" name="Table 4">
+            <a:extLst>
+              <a:ext uri="{FF2B5EF4-FFF2-40B4-BE49-F238E27FC236}">
+                <a16:creationId xmlns:a16="http://schemas.microsoft.com/office/drawing/2014/main" id="{B7ED6BFD-DEB8-FB42-5AA2-713604BE5A45}"/>
+              </a:ext>
+            </a:extLst>
+          </p:cNvPr>
+          <p:cNvGraphicFramePr>
+            <a:graphicFrameLocks noGrp="1"/>
+          </p:cNvGraphicFramePr>
+          <p:nvPr>
+            <p:ph idx="1"/>
+          </p:nvPr>
+        </p:nvGraphicFramePr>
+        <p:xfrm>
+          <a:off x="2284714" y="2252133"/>
+          <a:ext cx="3240000" cy="3240000"/>
+        </p:xfrm>
+        <a:graphic>
+          <a:graphicData uri="http://schemas.openxmlformats.org/drawingml/2006/table">
+            <a:tbl>
+              <a:tblPr>
+                <a:tableStyleId>{5C22544A-7EE6-4342-B048-85BDC9FD1C3A}</a:tableStyleId>
+              </a:tblPr>
+              <a:tblGrid>
+                <a:gridCol w="1080000">
+                  <a:extLst>
+                    <a:ext uri="{9D8B030D-6E8A-4147-A177-3AD203B41FA5}">
+                      <a16:colId xmlns:a16="http://schemas.microsoft.com/office/drawing/2014/main" val="3390345776"/>
+                    </a:ext>
+                  </a:extLst>
+                </a:gridCol>
+                <a:gridCol w="1080000">
+                  <a:extLst>
+                    <a:ext uri="{9D8B030D-6E8A-4147-A177-3AD203B41FA5}">
+                      <a16:colId xmlns:a16="http://schemas.microsoft.com/office/drawing/2014/main" val="2876244952"/>
+                    </a:ext>
+                  </a:extLst>
+                </a:gridCol>
+                <a:gridCol w="1080000">
+                  <a:extLst>
+                    <a:ext uri="{9D8B030D-6E8A-4147-A177-3AD203B41FA5}">
+                      <a16:colId xmlns:a16="http://schemas.microsoft.com/office/drawing/2014/main" val="399931620"/>
+                    </a:ext>
+                  </a:extLst>
+                </a:gridCol>
+              </a:tblGrid>
+              <a:tr h="1080000">
+                <a:tc>
+                  <a:txBody>
+                    <a:bodyPr/>
+                    <a:lstStyle/>
+                    <a:p>
+                      <a:pPr marL="0" marR="0" lvl="0" indent="0" algn="ctr" defTabSz="914400" rtl="0" eaLnBrk="1" fontAlgn="auto" latinLnBrk="0" hangingPunct="1">
+                        <a:lnSpc>
+                          <a:spcPct val="100000"/>
+                        </a:lnSpc>
+                        <a:spcBef>
+                          <a:spcPts val="0"/>
+                        </a:spcBef>
+                        <a:spcAft>
+                          <a:spcPts val="0"/>
+                        </a:spcAft>
+                        <a:buClrTx/>
+                        <a:buSzTx/>
+                        <a:buFontTx/>
+                        <a:buNone/>
+                        <a:tabLst/>
+                        <a:defRPr/>
+                      </a:pPr>
+                      <a:r>
+                        <a:rPr lang="fr-FR" sz="6000" b="1" dirty="0">
+                          <a:solidFill>
+                            <a:srgbClr val="C00000"/>
+                          </a:solidFill>
+                        </a:rPr>
+                        <a:t>X</a:t>
+                      </a:r>
+                    </a:p>
+                  </a:txBody>
+                  <a:tcPr anchor="ctr">
+                    <a:lnL w="12700" cap="flat" cmpd="sng" algn="ctr">
+                      <a:solidFill>
+                        <a:schemeClr val="tx1"/>
+                      </a:solidFill>
+                      <a:prstDash val="solid"/>
+                      <a:round/>
+                      <a:headEnd type="none" w="med" len="med"/>
+                      <a:tailEnd type="none" w="med" len="med"/>
+                    </a:lnL>
+                    <a:lnR w="12700" cap="flat" cmpd="sng" algn="ctr">
+                      <a:solidFill>
+                        <a:schemeClr val="tx1"/>
+                      </a:solidFill>
+                      <a:prstDash val="solid"/>
+                      <a:round/>
+                      <a:headEnd type="none" w="med" len="med"/>
+                      <a:tailEnd type="none" w="med" len="med"/>
+                    </a:lnR>
+                    <a:lnT w="12700" cap="flat" cmpd="sng" algn="ctr">
+                      <a:solidFill>
+                        <a:schemeClr val="tx1"/>
+                      </a:solidFill>
+                      <a:prstDash val="solid"/>
+                      <a:round/>
+                      <a:headEnd type="none" w="med" len="med"/>
+                      <a:tailEnd type="none" w="med" len="med"/>
+                    </a:lnT>
+                    <a:lnB w="12700" cap="flat" cmpd="sng" algn="ctr">
+                      <a:solidFill>
+                        <a:schemeClr val="tx1"/>
+                      </a:solidFill>
+                      <a:prstDash val="solid"/>
+                      <a:round/>
+                      <a:headEnd type="none" w="med" len="med"/>
+                      <a:tailEnd type="none" w="med" len="med"/>
+                    </a:lnB>
+                    <a:lnTlToBr w="12700" cmpd="sng">
+                      <a:noFill/>
+                      <a:prstDash val="solid"/>
+                    </a:lnTlToBr>
+                    <a:lnBlToTr w="12700" cmpd="sng">
+                      <a:noFill/>
+                      <a:prstDash val="solid"/>
+                    </a:lnBlToTr>
+                    <a:noFill/>
+                  </a:tcPr>
+                </a:tc>
+                <a:tc>
+                  <a:txBody>
+                    <a:bodyPr/>
+                    <a:lstStyle/>
+                    <a:p>
+                      <a:pPr marL="0" marR="0" lvl="0" indent="0" algn="ctr" defTabSz="914400" rtl="0" eaLnBrk="1" fontAlgn="auto" latinLnBrk="0" hangingPunct="1">
+                        <a:lnSpc>
+                          <a:spcPct val="100000"/>
+                        </a:lnSpc>
+                        <a:spcBef>
+                          <a:spcPts val="0"/>
+                        </a:spcBef>
+                        <a:spcAft>
+                          <a:spcPts val="0"/>
+                        </a:spcAft>
+                        <a:buClrTx/>
+                        <a:buSzTx/>
+                        <a:buFontTx/>
+                        <a:buNone/>
+                        <a:tabLst/>
+                        <a:defRPr/>
+                      </a:pPr>
+                      <a:r>
+                        <a:rPr lang="fr-FR" sz="6000" b="1" dirty="0">
+                          <a:solidFill>
+                            <a:srgbClr val="00B050"/>
+                          </a:solidFill>
+                        </a:rPr>
+                        <a:t>O</a:t>
+                      </a:r>
+                      <a:endParaRPr lang="fr-FR" b="1" dirty="0">
+                        <a:solidFill>
+                          <a:srgbClr val="00B050"/>
+                        </a:solidFill>
+                      </a:endParaRPr>
+                    </a:p>
+                  </a:txBody>
+                  <a:tcPr anchor="ctr">
+                    <a:lnL w="12700" cap="flat" cmpd="sng" algn="ctr">
+                      <a:solidFill>
+                        <a:schemeClr val="tx1"/>
+                      </a:solidFill>
+                      <a:prstDash val="solid"/>
+                      <a:round/>
+                      <a:headEnd type="none" w="med" len="med"/>
+                      <a:tailEnd type="none" w="med" len="med"/>
+                    </a:lnL>
+                    <a:lnR w="12700" cap="flat" cmpd="sng" algn="ctr">
+                      <a:solidFill>
+                        <a:schemeClr val="tx1"/>
+                      </a:solidFill>
+                      <a:prstDash val="solid"/>
+                      <a:round/>
+                      <a:headEnd type="none" w="med" len="med"/>
+                      <a:tailEnd type="none" w="med" len="med"/>
+                    </a:lnR>
+                    <a:lnT w="12700" cap="flat" cmpd="sng" algn="ctr">
+                      <a:solidFill>
+                        <a:schemeClr val="tx1"/>
+                      </a:solidFill>
+                      <a:prstDash val="solid"/>
+                      <a:round/>
+                      <a:headEnd type="none" w="med" len="med"/>
+                      <a:tailEnd type="none" w="med" len="med"/>
+                    </a:lnT>
+                    <a:lnB w="12700" cap="flat" cmpd="sng" algn="ctr">
+                      <a:solidFill>
+                        <a:schemeClr val="tx1"/>
+                      </a:solidFill>
+                      <a:prstDash val="solid"/>
+                      <a:round/>
+                      <a:headEnd type="none" w="med" len="med"/>
+                      <a:tailEnd type="none" w="med" len="med"/>
+                    </a:lnB>
+                    <a:lnTlToBr w="12700" cmpd="sng">
+                      <a:noFill/>
+                      <a:prstDash val="solid"/>
+                    </a:lnTlToBr>
+                    <a:lnBlToTr w="12700" cmpd="sng">
+                      <a:noFill/>
+                      <a:prstDash val="solid"/>
+                    </a:lnBlToTr>
+                    <a:noFill/>
+                  </a:tcPr>
+                </a:tc>
+                <a:tc>
+                  <a:txBody>
+                    <a:bodyPr/>
+                    <a:lstStyle/>
+                    <a:p>
+                      <a:pPr algn="ctr"/>
+                      <a:r>
+                        <a:rPr lang="fr-FR" sz="6000" b="1" dirty="0">
+                          <a:solidFill>
+                            <a:srgbClr val="00B050"/>
+                          </a:solidFill>
+                        </a:rPr>
+                        <a:t>O</a:t>
+                      </a:r>
+                      <a:endParaRPr lang="fr-FR" b="1" dirty="0">
+                        <a:solidFill>
+                          <a:srgbClr val="00B050"/>
+                        </a:solidFill>
+                      </a:endParaRPr>
+                    </a:p>
+                  </a:txBody>
+                  <a:tcPr anchor="ctr">
+                    <a:lnL w="12700" cap="flat" cmpd="sng" algn="ctr">
+                      <a:solidFill>
+                        <a:schemeClr val="tx1"/>
+                      </a:solidFill>
+                      <a:prstDash val="solid"/>
+                      <a:round/>
+                      <a:headEnd type="none" w="med" len="med"/>
+                      <a:tailEnd type="none" w="med" len="med"/>
+                    </a:lnL>
+                    <a:lnR w="12700" cap="flat" cmpd="sng" algn="ctr">
+                      <a:solidFill>
+                        <a:schemeClr val="tx1"/>
+                      </a:solidFill>
+                      <a:prstDash val="solid"/>
+                      <a:round/>
+                      <a:headEnd type="none" w="med" len="med"/>
+                      <a:tailEnd type="none" w="med" len="med"/>
+                    </a:lnR>
+                    <a:lnT w="12700" cap="flat" cmpd="sng" algn="ctr">
+                      <a:solidFill>
+                        <a:schemeClr val="tx1"/>
+                      </a:solidFill>
+                      <a:prstDash val="solid"/>
+                      <a:round/>
+                      <a:headEnd type="none" w="med" len="med"/>
+                      <a:tailEnd type="none" w="med" len="med"/>
+                    </a:lnT>
+                    <a:lnB w="12700" cap="flat" cmpd="sng" algn="ctr">
+                      <a:solidFill>
+                        <a:schemeClr val="tx1"/>
+                      </a:solidFill>
+                      <a:prstDash val="solid"/>
+                      <a:round/>
+                      <a:headEnd type="none" w="med" len="med"/>
+                      <a:tailEnd type="none" w="med" len="med"/>
+                    </a:lnB>
+                    <a:lnTlToBr w="12700" cmpd="sng">
+                      <a:noFill/>
+                      <a:prstDash val="solid"/>
+                    </a:lnTlToBr>
+                    <a:lnBlToTr w="12700" cmpd="sng">
+                      <a:noFill/>
+                      <a:prstDash val="solid"/>
+                    </a:lnBlToTr>
+                    <a:noFill/>
+                  </a:tcPr>
+                </a:tc>
+                <a:extLst>
+                  <a:ext uri="{0D108BD9-81ED-4DB2-BD59-A6C34878D82A}">
+                    <a16:rowId xmlns:a16="http://schemas.microsoft.com/office/drawing/2014/main" val="1469129957"/>
+                  </a:ext>
+                </a:extLst>
+              </a:tr>
+              <a:tr h="1080000">
+                <a:tc>
+                  <a:txBody>
+                    <a:bodyPr/>
+                    <a:lstStyle/>
+                    <a:p>
+                      <a:pPr algn="ctr"/>
+                      <a:endParaRPr lang="fr-FR" dirty="0"/>
+                    </a:p>
+                  </a:txBody>
+                  <a:tcPr anchor="ctr">
+                    <a:lnL w="12700" cap="flat" cmpd="sng" algn="ctr">
+                      <a:solidFill>
+                        <a:schemeClr val="tx1"/>
+                      </a:solidFill>
+                      <a:prstDash val="solid"/>
+                      <a:round/>
+                      <a:headEnd type="none" w="med" len="med"/>
+                      <a:tailEnd type="none" w="med" len="med"/>
+                    </a:lnL>
+                    <a:lnR w="12700" cap="flat" cmpd="sng" algn="ctr">
+                      <a:solidFill>
+                        <a:schemeClr val="tx1"/>
+                      </a:solidFill>
+                      <a:prstDash val="solid"/>
+                      <a:round/>
+                      <a:headEnd type="none" w="med" len="med"/>
+                      <a:tailEnd type="none" w="med" len="med"/>
+                    </a:lnR>
+                    <a:lnT w="12700" cap="flat" cmpd="sng" algn="ctr">
+                      <a:solidFill>
+                        <a:schemeClr val="tx1"/>
+                      </a:solidFill>
+                      <a:prstDash val="solid"/>
+                      <a:round/>
+                      <a:headEnd type="none" w="med" len="med"/>
+                      <a:tailEnd type="none" w="med" len="med"/>
+                    </a:lnT>
+                    <a:lnB w="12700" cap="flat" cmpd="sng" algn="ctr">
+                      <a:solidFill>
+                        <a:schemeClr val="tx1"/>
+                      </a:solidFill>
+                      <a:prstDash val="solid"/>
+                      <a:round/>
+                      <a:headEnd type="none" w="med" len="med"/>
+                      <a:tailEnd type="none" w="med" len="med"/>
+                    </a:lnB>
+                    <a:lnTlToBr w="12700" cmpd="sng">
+                      <a:noFill/>
+                      <a:prstDash val="solid"/>
+                    </a:lnTlToBr>
+                    <a:lnBlToTr w="12700" cmpd="sng">
+                      <a:noFill/>
+                      <a:prstDash val="solid"/>
+                    </a:lnBlToTr>
+                    <a:noFill/>
+                  </a:tcPr>
+                </a:tc>
+                <a:tc>
+                  <a:txBody>
+                    <a:bodyPr/>
+                    <a:lstStyle/>
+                    <a:p>
+                      <a:pPr marL="0" marR="0" lvl="0" indent="0" algn="ctr" defTabSz="914400" rtl="0" eaLnBrk="1" fontAlgn="auto" latinLnBrk="0" hangingPunct="1">
+                        <a:lnSpc>
+                          <a:spcPct val="100000"/>
+                        </a:lnSpc>
+                        <a:spcBef>
+                          <a:spcPts val="0"/>
+                        </a:spcBef>
+                        <a:spcAft>
+                          <a:spcPts val="0"/>
+                        </a:spcAft>
+                        <a:buClrTx/>
+                        <a:buSzTx/>
+                        <a:buFontTx/>
+                        <a:buNone/>
+                        <a:tabLst/>
+                        <a:defRPr/>
+                      </a:pPr>
+                      <a:r>
+                        <a:rPr lang="fr-FR" sz="6000" b="1" dirty="0">
+                          <a:solidFill>
+                            <a:srgbClr val="C00000"/>
+                          </a:solidFill>
+                        </a:rPr>
+                        <a:t>X</a:t>
+                      </a:r>
+                      <a:endParaRPr lang="fr-FR" b="1" dirty="0">
+                        <a:solidFill>
+                          <a:srgbClr val="C00000"/>
+                        </a:solidFill>
+                      </a:endParaRPr>
+                    </a:p>
+                  </a:txBody>
+                  <a:tcPr anchor="ctr">
+                    <a:lnL w="12700" cap="flat" cmpd="sng" algn="ctr">
+                      <a:solidFill>
+                        <a:schemeClr val="tx1"/>
+                      </a:solidFill>
+                      <a:prstDash val="solid"/>
+                      <a:round/>
+                      <a:headEnd type="none" w="med" len="med"/>
+                      <a:tailEnd type="none" w="med" len="med"/>
+                    </a:lnL>
+                    <a:lnR w="12700" cap="flat" cmpd="sng" algn="ctr">
+                      <a:solidFill>
+                        <a:schemeClr val="tx1"/>
+                      </a:solidFill>
+                      <a:prstDash val="solid"/>
+                      <a:round/>
+                      <a:headEnd type="none" w="med" len="med"/>
+                      <a:tailEnd type="none" w="med" len="med"/>
+                    </a:lnR>
+                    <a:lnT w="12700" cap="flat" cmpd="sng" algn="ctr">
+                      <a:solidFill>
+                        <a:schemeClr val="tx1"/>
+                      </a:solidFill>
+                      <a:prstDash val="solid"/>
+                      <a:round/>
+                      <a:headEnd type="none" w="med" len="med"/>
+                      <a:tailEnd type="none" w="med" len="med"/>
+                    </a:lnT>
+                    <a:lnB w="12700" cap="flat" cmpd="sng" algn="ctr">
+                      <a:solidFill>
+                        <a:schemeClr val="tx1"/>
+                      </a:solidFill>
+                      <a:prstDash val="solid"/>
+                      <a:round/>
+                      <a:headEnd type="none" w="med" len="med"/>
+                      <a:tailEnd type="none" w="med" len="med"/>
+                    </a:lnB>
+                    <a:lnTlToBr w="12700" cmpd="sng">
+                      <a:noFill/>
+                      <a:prstDash val="solid"/>
+                    </a:lnTlToBr>
+                    <a:lnBlToTr w="12700" cmpd="sng">
+                      <a:noFill/>
+                      <a:prstDash val="solid"/>
+                    </a:lnBlToTr>
+                    <a:noFill/>
+                  </a:tcPr>
+                </a:tc>
+                <a:tc>
+                  <a:txBody>
+                    <a:bodyPr/>
+                    <a:lstStyle/>
+                    <a:p>
+                      <a:pPr algn="ctr"/>
+                      <a:endParaRPr lang="fr-FR"/>
+                    </a:p>
+                  </a:txBody>
+                  <a:tcPr anchor="ctr">
+                    <a:lnL w="12700" cap="flat" cmpd="sng" algn="ctr">
+                      <a:solidFill>
+                        <a:schemeClr val="tx1"/>
+                      </a:solidFill>
+                      <a:prstDash val="solid"/>
+                      <a:round/>
+                      <a:headEnd type="none" w="med" len="med"/>
+                      <a:tailEnd type="none" w="med" len="med"/>
+                    </a:lnL>
+                    <a:lnR w="12700" cap="flat" cmpd="sng" algn="ctr">
+                      <a:solidFill>
+                        <a:schemeClr val="tx1"/>
+                      </a:solidFill>
+                      <a:prstDash val="solid"/>
+                      <a:round/>
+                      <a:headEnd type="none" w="med" len="med"/>
+                      <a:tailEnd type="none" w="med" len="med"/>
+                    </a:lnR>
+                    <a:lnT w="12700" cap="flat" cmpd="sng" algn="ctr">
+                      <a:solidFill>
+                        <a:schemeClr val="tx1"/>
+                      </a:solidFill>
+                      <a:prstDash val="solid"/>
+                      <a:round/>
+                      <a:headEnd type="none" w="med" len="med"/>
+                      <a:tailEnd type="none" w="med" len="med"/>
+                    </a:lnT>
+                    <a:lnB w="12700" cap="flat" cmpd="sng" algn="ctr">
+                      <a:solidFill>
+                        <a:schemeClr val="tx1"/>
+                      </a:solidFill>
+                      <a:prstDash val="solid"/>
+                      <a:round/>
+                      <a:headEnd type="none" w="med" len="med"/>
+                      <a:tailEnd type="none" w="med" len="med"/>
+                    </a:lnB>
+                    <a:lnTlToBr w="12700" cmpd="sng">
+                      <a:noFill/>
+                      <a:prstDash val="solid"/>
+                    </a:lnTlToBr>
+                    <a:lnBlToTr w="12700" cmpd="sng">
+                      <a:noFill/>
+                      <a:prstDash val="solid"/>
+                    </a:lnBlToTr>
+                    <a:noFill/>
+                  </a:tcPr>
+                </a:tc>
+                <a:extLst>
+                  <a:ext uri="{0D108BD9-81ED-4DB2-BD59-A6C34878D82A}">
+                    <a16:rowId xmlns:a16="http://schemas.microsoft.com/office/drawing/2014/main" val="1509473886"/>
+                  </a:ext>
+                </a:extLst>
+              </a:tr>
+              <a:tr h="1080000">
+                <a:tc>
+                  <a:txBody>
+                    <a:bodyPr/>
+                    <a:lstStyle/>
+                    <a:p>
+                      <a:pPr algn="ctr"/>
+                      <a:endParaRPr lang="fr-FR"/>
+                    </a:p>
+                  </a:txBody>
+                  <a:tcPr anchor="ctr">
+                    <a:lnL w="12700" cap="flat" cmpd="sng" algn="ctr">
+                      <a:solidFill>
+                        <a:schemeClr val="tx1"/>
+                      </a:solidFill>
+                      <a:prstDash val="solid"/>
+                      <a:round/>
+                      <a:headEnd type="none" w="med" len="med"/>
+                      <a:tailEnd type="none" w="med" len="med"/>
+                    </a:lnL>
+                    <a:lnR w="12700" cap="flat" cmpd="sng" algn="ctr">
+                      <a:solidFill>
+                        <a:schemeClr val="tx1"/>
+                      </a:solidFill>
+                      <a:prstDash val="solid"/>
+                      <a:round/>
+                      <a:headEnd type="none" w="med" len="med"/>
+                      <a:tailEnd type="none" w="med" len="med"/>
+                    </a:lnR>
+                    <a:lnT w="12700" cap="flat" cmpd="sng" algn="ctr">
+                      <a:solidFill>
+                        <a:schemeClr val="tx1"/>
+                      </a:solidFill>
+                      <a:prstDash val="solid"/>
+                      <a:round/>
+                      <a:headEnd type="none" w="med" len="med"/>
+                      <a:tailEnd type="none" w="med" len="med"/>
+                    </a:lnT>
+                    <a:lnB w="12700" cap="flat" cmpd="sng" algn="ctr">
+                      <a:solidFill>
+                        <a:schemeClr val="tx1"/>
+                      </a:solidFill>
+                      <a:prstDash val="solid"/>
+                      <a:round/>
+                      <a:headEnd type="none" w="med" len="med"/>
+                      <a:tailEnd type="none" w="med" len="med"/>
+                    </a:lnB>
+                    <a:lnTlToBr w="12700" cmpd="sng">
+                      <a:noFill/>
+                      <a:prstDash val="solid"/>
+                    </a:lnTlToBr>
+                    <a:lnBlToTr w="12700" cmpd="sng">
+                      <a:noFill/>
+                      <a:prstDash val="solid"/>
+                    </a:lnBlToTr>
+                    <a:noFill/>
+                  </a:tcPr>
+                </a:tc>
+                <a:tc>
+                  <a:txBody>
+                    <a:bodyPr/>
+                    <a:lstStyle/>
+                    <a:p>
+                      <a:pPr algn="ctr"/>
+                      <a:endParaRPr lang="fr-FR"/>
+                    </a:p>
+                  </a:txBody>
+                  <a:tcPr anchor="ctr">
+                    <a:lnL w="12700" cap="flat" cmpd="sng" algn="ctr">
+                      <a:solidFill>
+                        <a:schemeClr val="tx1"/>
+                      </a:solidFill>
+                      <a:prstDash val="solid"/>
+                      <a:round/>
+                      <a:headEnd type="none" w="med" len="med"/>
+                      <a:tailEnd type="none" w="med" len="med"/>
+                    </a:lnL>
+                    <a:lnR w="12700" cap="flat" cmpd="sng" algn="ctr">
+                      <a:solidFill>
+                        <a:schemeClr val="tx1"/>
+                      </a:solidFill>
+                      <a:prstDash val="solid"/>
+                      <a:round/>
+                      <a:headEnd type="none" w="med" len="med"/>
+                      <a:tailEnd type="none" w="med" len="med"/>
+                    </a:lnR>
+                    <a:lnT w="12700" cap="flat" cmpd="sng" algn="ctr">
+                      <a:solidFill>
+                        <a:schemeClr val="tx1"/>
+                      </a:solidFill>
+                      <a:prstDash val="solid"/>
+                      <a:round/>
+                      <a:headEnd type="none" w="med" len="med"/>
+                      <a:tailEnd type="none" w="med" len="med"/>
+                    </a:lnT>
+                    <a:lnB w="12700" cap="flat" cmpd="sng" algn="ctr">
+                      <a:solidFill>
+                        <a:schemeClr val="tx1"/>
+                      </a:solidFill>
+                      <a:prstDash val="solid"/>
+                      <a:round/>
+                      <a:headEnd type="none" w="med" len="med"/>
+                      <a:tailEnd type="none" w="med" len="med"/>
+                    </a:lnB>
+                    <a:lnTlToBr w="12700" cmpd="sng">
+                      <a:noFill/>
+                      <a:prstDash val="solid"/>
+                    </a:lnTlToBr>
+                    <a:lnBlToTr w="12700" cmpd="sng">
+                      <a:noFill/>
+                      <a:prstDash val="solid"/>
+                    </a:lnBlToTr>
+                    <a:noFill/>
+                  </a:tcPr>
+                </a:tc>
+                <a:tc>
+                  <a:txBody>
+                    <a:bodyPr/>
+                    <a:lstStyle/>
+                    <a:p>
+                      <a:pPr marL="0" marR="0" lvl="0" indent="0" algn="ctr" defTabSz="914400" rtl="0" eaLnBrk="1" fontAlgn="auto" latinLnBrk="0" hangingPunct="1">
+                        <a:lnSpc>
+                          <a:spcPct val="100000"/>
+                        </a:lnSpc>
+                        <a:spcBef>
+                          <a:spcPts val="0"/>
+                        </a:spcBef>
+                        <a:spcAft>
+                          <a:spcPts val="0"/>
+                        </a:spcAft>
+                        <a:buClrTx/>
+                        <a:buSzTx/>
+                        <a:buFontTx/>
+                        <a:buNone/>
+                        <a:tabLst/>
+                        <a:defRPr/>
+                      </a:pPr>
+                      <a:r>
+                        <a:rPr lang="fr-FR" sz="6000" b="1" dirty="0">
+                          <a:solidFill>
+                            <a:srgbClr val="00B050"/>
+                          </a:solidFill>
+                        </a:rPr>
+                        <a:t>O</a:t>
+                      </a:r>
+                    </a:p>
+                  </a:txBody>
+                  <a:tcPr anchor="ctr">
+                    <a:lnL w="12700" cap="flat" cmpd="sng" algn="ctr">
+                      <a:solidFill>
+                        <a:schemeClr val="tx1"/>
+                      </a:solidFill>
+                      <a:prstDash val="solid"/>
+                      <a:round/>
+                      <a:headEnd type="none" w="med" len="med"/>
+                      <a:tailEnd type="none" w="med" len="med"/>
+                    </a:lnL>
+                    <a:lnR w="12700" cap="flat" cmpd="sng" algn="ctr">
+                      <a:solidFill>
+                        <a:schemeClr val="tx1"/>
+                      </a:solidFill>
+                      <a:prstDash val="solid"/>
+                      <a:round/>
+                      <a:headEnd type="none" w="med" len="med"/>
+                      <a:tailEnd type="none" w="med" len="med"/>
+                    </a:lnR>
+                    <a:lnT w="12700" cap="flat" cmpd="sng" algn="ctr">
+                      <a:solidFill>
+                        <a:schemeClr val="tx1"/>
+                      </a:solidFill>
+                      <a:prstDash val="solid"/>
+                      <a:round/>
+                      <a:headEnd type="none" w="med" len="med"/>
+                      <a:tailEnd type="none" w="med" len="med"/>
+                    </a:lnT>
+                    <a:lnB w="12700" cap="flat" cmpd="sng" algn="ctr">
+                      <a:solidFill>
+                        <a:schemeClr val="tx1"/>
+                      </a:solidFill>
+                      <a:prstDash val="solid"/>
+                      <a:round/>
+                      <a:headEnd type="none" w="med" len="med"/>
+                      <a:tailEnd type="none" w="med" len="med"/>
+                    </a:lnB>
+                    <a:lnTlToBr w="12700" cmpd="sng">
+                      <a:noFill/>
+                      <a:prstDash val="solid"/>
+                    </a:lnTlToBr>
+                    <a:lnBlToTr w="12700" cmpd="sng">
+                      <a:noFill/>
+                      <a:prstDash val="solid"/>
+                    </a:lnBlToTr>
+                    <a:noFill/>
+                  </a:tcPr>
+                </a:tc>
+                <a:extLst>
+                  <a:ext uri="{0D108BD9-81ED-4DB2-BD59-A6C34878D82A}">
+                    <a16:rowId xmlns:a16="http://schemas.microsoft.com/office/drawing/2014/main" val="1884603609"/>
+                  </a:ext>
+                </a:extLst>
+              </a:tr>
+            </a:tbl>
+          </a:graphicData>
+        </a:graphic>
+      </p:graphicFrame>
+      <p:sp>
+        <p:nvSpPr>
+          <p:cNvPr id="8" name="TextBox 7">
+            <a:extLst>
+              <a:ext uri="{FF2B5EF4-FFF2-40B4-BE49-F238E27FC236}">
+                <a16:creationId xmlns:a16="http://schemas.microsoft.com/office/drawing/2014/main" id="{B1168219-1B48-7BA8-1784-D8084640F534}"/>
+              </a:ext>
+            </a:extLst>
+          </p:cNvPr>
+          <p:cNvSpPr txBox="1"/>
+          <p:nvPr/>
+        </p:nvSpPr>
+        <p:spPr>
+          <a:xfrm>
+            <a:off x="6870914" y="2645833"/>
+            <a:ext cx="607859" cy="1015663"/>
+          </a:xfrm>
+          <a:prstGeom prst="rect">
+            <a:avLst/>
+          </a:prstGeom>
+          <a:noFill/>
+        </p:spPr>
+        <p:txBody>
+          <a:bodyPr wrap="none" rtlCol="0">
+            <a:spAutoFit/>
+          </a:bodyPr>
+          <a:lstStyle/>
+          <a:p>
+            <a:r>
+              <a:rPr lang="fr-FR" sz="6000" b="1" dirty="0">
+                <a:solidFill>
+                  <a:srgbClr val="C00000"/>
+                </a:solidFill>
+              </a:rPr>
+              <a:t>X</a:t>
+            </a:r>
+          </a:p>
+        </p:txBody>
+      </p:sp>
+      <p:sp>
+        <p:nvSpPr>
+          <p:cNvPr id="11" name="Free-form: Shape 10">
+            <a:extLst>
+              <a:ext uri="{FF2B5EF4-FFF2-40B4-BE49-F238E27FC236}">
+                <a16:creationId xmlns:a16="http://schemas.microsoft.com/office/drawing/2014/main" id="{67071EFB-78E5-40D3-6349-05AEDD1661B7}"/>
+              </a:ext>
+            </a:extLst>
+          </p:cNvPr>
+          <p:cNvSpPr/>
+          <p:nvPr/>
+        </p:nvSpPr>
+        <p:spPr>
+          <a:xfrm>
+            <a:off x="5118100" y="3191934"/>
+            <a:ext cx="1625600" cy="575227"/>
+          </a:xfrm>
+          <a:custGeom>
+            <a:avLst/>
+            <a:gdLst>
+              <a:gd name="connsiteX0" fmla="*/ 2506133 w 2506133"/>
+              <a:gd name="connsiteY0" fmla="*/ 0 h 982134"/>
+              <a:gd name="connsiteX1" fmla="*/ 948267 w 2506133"/>
+              <a:gd name="connsiteY1" fmla="*/ 317500 h 982134"/>
+              <a:gd name="connsiteX2" fmla="*/ 0 w 2506133"/>
+              <a:gd name="connsiteY2" fmla="*/ 982134 h 982134"/>
+            </a:gdLst>
+            <a:ahLst/>
+            <a:cxnLst>
+              <a:cxn ang="0">
+                <a:pos x="connsiteX0" y="connsiteY0"/>
+              </a:cxn>
+              <a:cxn ang="0">
+                <a:pos x="connsiteX1" y="connsiteY1"/>
+              </a:cxn>
+              <a:cxn ang="0">
+                <a:pos x="connsiteX2" y="connsiteY2"/>
+              </a:cxn>
+            </a:cxnLst>
+            <a:rect l="l" t="t" r="r" b="b"/>
+            <a:pathLst>
+              <a:path w="2506133" h="982134">
+                <a:moveTo>
+                  <a:pt x="2506133" y="0"/>
+                </a:moveTo>
+                <a:cubicBezTo>
+                  <a:pt x="1936044" y="76905"/>
+                  <a:pt x="1365956" y="153811"/>
+                  <a:pt x="948267" y="317500"/>
+                </a:cubicBezTo>
+                <a:cubicBezTo>
+                  <a:pt x="530578" y="481189"/>
+                  <a:pt x="265289" y="731661"/>
+                  <a:pt x="0" y="982134"/>
+                </a:cubicBezTo>
+              </a:path>
+            </a:pathLst>
+          </a:custGeom>
+          <a:noFill/>
+          <a:ln w="57150">
+            <a:solidFill>
+              <a:schemeClr val="bg1">
+                <a:lumMod val="50000"/>
+              </a:schemeClr>
+            </a:solidFill>
+            <a:headEnd type="none" w="med" len="med"/>
+            <a:tailEnd type="arrow" w="med" len="med"/>
+          </a:ln>
+        </p:spPr>
+        <p:style>
+          <a:lnRef idx="2">
+            <a:schemeClr val="accent1">
+              <a:shade val="15000"/>
+            </a:schemeClr>
+          </a:lnRef>
+          <a:fillRef idx="1">
+            <a:schemeClr val="accent1"/>
+          </a:fillRef>
+          <a:effectRef idx="0">
+            <a:schemeClr val="accent1"/>
+          </a:effectRef>
+          <a:fontRef idx="minor">
+            <a:schemeClr val="lt1"/>
+          </a:fontRef>
+        </p:style>
+        <p:txBody>
+          <a:bodyPr rtlCol="0" anchor="ctr"/>
+          <a:lstStyle/>
+          <a:p>
+            <a:pPr algn="ctr"/>
+            <a:endParaRPr lang="fr-FR"/>
+          </a:p>
+        </p:txBody>
+      </p:sp>
+      <p:sp>
+        <p:nvSpPr>
+          <p:cNvPr id="12" name="TextBox 11">
+            <a:extLst>
+              <a:ext uri="{FF2B5EF4-FFF2-40B4-BE49-F238E27FC236}">
+                <a16:creationId xmlns:a16="http://schemas.microsoft.com/office/drawing/2014/main" id="{D32BD4E9-2C4A-5ABA-8EFF-A646CF4F6F32}"/>
+              </a:ext>
+            </a:extLst>
+          </p:cNvPr>
+          <p:cNvSpPr txBox="1"/>
+          <p:nvPr/>
+        </p:nvSpPr>
+        <p:spPr>
+          <a:xfrm>
+            <a:off x="3593136" y="5725054"/>
+            <a:ext cx="5005729" cy="461665"/>
+          </a:xfrm>
+          <a:prstGeom prst="rect">
+            <a:avLst/>
+          </a:prstGeom>
+          <a:noFill/>
+        </p:spPr>
+        <p:txBody>
+          <a:bodyPr wrap="none" rtlCol="0">
+            <a:spAutoFit/>
+          </a:bodyPr>
+          <a:lstStyle/>
+          <a:p>
+            <a:r>
+              <a:rPr lang="en-GB" sz="2400" i="1" dirty="0"/>
+              <a:t>“If two symbols line up, block the line.”</a:t>
+            </a:r>
+            <a:endParaRPr lang="fr-FR" sz="2400" i="1" dirty="0"/>
+          </a:p>
+        </p:txBody>
+      </p:sp>
+    </p:spTree>
+    <p:extLst>
+      <p:ext uri="{BB962C8B-B14F-4D97-AF65-F5344CB8AC3E}">
+        <p14:creationId xmlns:p14="http://schemas.microsoft.com/office/powerpoint/2010/main" val="1949032356"/>
       </p:ext>
     </p:extLst>
   </p:cSld>

--- a/WhatIsArtificialIntelligence.pptx
+++ b/WhatIsArtificialIntelligence.pptx
@@ -5,7 +5,7 @@
     <p:sldMasterId id="2147483648" r:id="rId1"/>
   </p:sldMasterIdLst>
   <p:notesMasterIdLst>
-    <p:notesMasterId r:id="rId9"/>
+    <p:notesMasterId r:id="rId10"/>
   </p:notesMasterIdLst>
   <p:sldIdLst>
     <p:sldId id="257" r:id="rId2"/>
@@ -15,6 +15,7 @@
     <p:sldId id="261" r:id="rId6"/>
     <p:sldId id="260" r:id="rId7"/>
     <p:sldId id="262" r:id="rId8"/>
+    <p:sldId id="263" r:id="rId9"/>
   </p:sldIdLst>
   <p:sldSz cx="12192000" cy="6858000"/>
   <p:notesSz cx="6858000" cy="9144000"/>
@@ -929,6 +930,158 @@
     <p:extLst>
       <p:ext uri="{BB962C8B-B14F-4D97-AF65-F5344CB8AC3E}">
         <p14:creationId xmlns:p14="http://schemas.microsoft.com/office/powerpoint/2010/main" val="3688305487"/>
+      </p:ext>
+    </p:extLst>
+  </p:cSld>
+  <p:clrMapOvr>
+    <a:masterClrMapping/>
+  </p:clrMapOvr>
+</p:notes>
+</file>
+
+<file path=ppt/notesSlides/notesSlide6.xml><?xml version="1.0" encoding="utf-8"?>
+<p:notes xmlns:a="http://schemas.openxmlformats.org/drawingml/2006/main" xmlns:r="http://schemas.openxmlformats.org/officeDocument/2006/relationships" xmlns:p="http://schemas.openxmlformats.org/presentationml/2006/main">
+  <p:cSld>
+    <p:spTree>
+      <p:nvGrpSpPr>
+        <p:cNvPr id="1" name=""/>
+        <p:cNvGrpSpPr/>
+        <p:nvPr/>
+      </p:nvGrpSpPr>
+      <p:grpSpPr>
+        <a:xfrm>
+          <a:off x="0" y="0"/>
+          <a:ext cx="0" cy="0"/>
+          <a:chOff x="0" y="0"/>
+          <a:chExt cx="0" cy="0"/>
+        </a:xfrm>
+      </p:grpSpPr>
+      <p:sp>
+        <p:nvSpPr>
+          <p:cNvPr id="2" name="Slide Image Placeholder 1"/>
+          <p:cNvSpPr>
+            <a:spLocks noGrp="1" noRot="1" noChangeAspect="1"/>
+          </p:cNvSpPr>
+          <p:nvPr>
+            <p:ph type="sldImg"/>
+          </p:nvPr>
+        </p:nvSpPr>
+        <p:spPr/>
+      </p:sp>
+      <p:sp>
+        <p:nvSpPr>
+          <p:cNvPr id="3" name="Notes Placeholder 2"/>
+          <p:cNvSpPr>
+            <a:spLocks noGrp="1"/>
+          </p:cNvSpPr>
+          <p:nvPr>
+            <p:ph type="body" idx="1"/>
+          </p:nvPr>
+        </p:nvSpPr>
+        <p:spPr/>
+        <p:txBody>
+          <a:bodyPr/>
+          <a:lstStyle/>
+          <a:p>
+            <a:r>
+              <a:rPr lang="en-US" b="0" dirty="0">
+                <a:solidFill>
+                  <a:srgbClr val="D4D4D4"/>
+                </a:solidFill>
+                <a:effectLst/>
+                <a:latin typeface="Consolas" panose="020B0609020204030204" pitchFamily="49" charset="0"/>
+              </a:rPr>
+              <a:t>AI can be done in various ways:</a:t>
+            </a:r>
+          </a:p>
+          <a:p>
+            <a:r>
+              <a:rPr lang="en-US" b="0" dirty="0">
+                <a:solidFill>
+                  <a:srgbClr val="6796E6"/>
+                </a:solidFill>
+                <a:effectLst/>
+                <a:latin typeface="Consolas" panose="020B0609020204030204" pitchFamily="49" charset="0"/>
+              </a:rPr>
+              <a:t>-</a:t>
+            </a:r>
+            <a:r>
+              <a:rPr lang="en-US" b="0" dirty="0">
+                <a:solidFill>
+                  <a:srgbClr val="D4D4D4"/>
+                </a:solidFill>
+                <a:effectLst/>
+                <a:latin typeface="Consolas" panose="020B0609020204030204" pitchFamily="49" charset="0"/>
+              </a:rPr>
+              <a:t> classical: tell computer what to do (if this do that, etc...)</a:t>
+            </a:r>
+          </a:p>
+          <a:p>
+            <a:r>
+              <a:rPr lang="en-US" b="0" dirty="0">
+                <a:solidFill>
+                  <a:srgbClr val="6796E6"/>
+                </a:solidFill>
+                <a:effectLst/>
+                <a:latin typeface="Consolas" panose="020B0609020204030204" pitchFamily="49" charset="0"/>
+              </a:rPr>
+              <a:t>-</a:t>
+            </a:r>
+            <a:r>
+              <a:rPr lang="en-US" b="0" dirty="0">
+                <a:solidFill>
+                  <a:srgbClr val="D4D4D4"/>
+                </a:solidFill>
+                <a:effectLst/>
+                <a:latin typeface="Consolas" panose="020B0609020204030204" pitchFamily="49" charset="0"/>
+              </a:rPr>
+              <a:t> deep: let the computer deduce by himself what is the best behaviors</a:t>
+            </a:r>
+          </a:p>
+          <a:p>
+            <a:r>
+              <a:rPr lang="en-US" b="0" dirty="0">
+                <a:solidFill>
+                  <a:srgbClr val="D4D4D4"/>
+                </a:solidFill>
+                <a:effectLst/>
+                <a:latin typeface="Consolas" panose="020B0609020204030204" pitchFamily="49" charset="0"/>
+              </a:rPr>
+              <a:t>=&gt; Today, we will try to understand how computers can "learn by themself"</a:t>
+            </a:r>
+          </a:p>
+          <a:p>
+            <a:endParaRPr lang="en-US" dirty="0"/>
+          </a:p>
+        </p:txBody>
+      </p:sp>
+      <p:sp>
+        <p:nvSpPr>
+          <p:cNvPr id="4" name="Slide Number Placeholder 3"/>
+          <p:cNvSpPr>
+            <a:spLocks noGrp="1"/>
+          </p:cNvSpPr>
+          <p:nvPr>
+            <p:ph type="sldNum" sz="quarter" idx="5"/>
+          </p:nvPr>
+        </p:nvSpPr>
+        <p:spPr/>
+        <p:txBody>
+          <a:bodyPr/>
+          <a:lstStyle/>
+          <a:p>
+            <a:fld id="{CEFB1CB0-8521-448A-8AF4-782A4204CD99}" type="slidenum">
+              <a:rPr lang="en-US" smtClean="0"/>
+              <a:t>8</a:t>
+            </a:fld>
+            <a:endParaRPr lang="en-US"/>
+          </a:p>
+        </p:txBody>
+      </p:sp>
+    </p:spTree>
+    <p:extLst>
+      <p:ext uri="{BB962C8B-B14F-4D97-AF65-F5344CB8AC3E}">
+        <p14:creationId xmlns:p14="http://schemas.microsoft.com/office/powerpoint/2010/main" val="3388237536"/>
       </p:ext>
     </p:extLst>
   </p:cSld>
@@ -6866,6 +7019,454 @@
 </p:sld>
 </file>
 
+<file path=ppt/slides/slide8.xml><?xml version="1.0" encoding="utf-8"?>
+<p:sld xmlns:a="http://schemas.openxmlformats.org/drawingml/2006/main" xmlns:r="http://schemas.openxmlformats.org/officeDocument/2006/relationships" xmlns:p="http://schemas.openxmlformats.org/presentationml/2006/main">
+  <p:cSld>
+    <p:spTree>
+      <p:nvGrpSpPr>
+        <p:cNvPr id="1" name=""/>
+        <p:cNvGrpSpPr/>
+        <p:nvPr/>
+      </p:nvGrpSpPr>
+      <p:grpSpPr>
+        <a:xfrm>
+          <a:off x="0" y="0"/>
+          <a:ext cx="0" cy="0"/>
+          <a:chOff x="0" y="0"/>
+          <a:chExt cx="0" cy="0"/>
+        </a:xfrm>
+      </p:grpSpPr>
+      <p:sp>
+        <p:nvSpPr>
+          <p:cNvPr id="4" name="Title 3">
+            <a:extLst>
+              <a:ext uri="{FF2B5EF4-FFF2-40B4-BE49-F238E27FC236}">
+                <a16:creationId xmlns:a16="http://schemas.microsoft.com/office/drawing/2014/main" id="{C814BAF1-E3E0-20D0-D614-BCA793500AD9}"/>
+              </a:ext>
+            </a:extLst>
+          </p:cNvPr>
+          <p:cNvSpPr>
+            <a:spLocks noGrp="1"/>
+          </p:cNvSpPr>
+          <p:nvPr>
+            <p:ph type="title"/>
+          </p:nvPr>
+        </p:nvSpPr>
+        <p:spPr/>
+        <p:txBody>
+          <a:bodyPr/>
+          <a:lstStyle/>
+          <a:p>
+            <a:r>
+              <a:rPr lang="en-US" dirty="0"/>
+              <a:t>AI paradigms</a:t>
+            </a:r>
+          </a:p>
+        </p:txBody>
+      </p:sp>
+      <p:sp>
+        <p:nvSpPr>
+          <p:cNvPr id="5" name="Text Placeholder 4">
+            <a:extLst>
+              <a:ext uri="{FF2B5EF4-FFF2-40B4-BE49-F238E27FC236}">
+                <a16:creationId xmlns:a16="http://schemas.microsoft.com/office/drawing/2014/main" id="{9025F3AC-7BE7-379D-B646-71B835E47AAB}"/>
+              </a:ext>
+            </a:extLst>
+          </p:cNvPr>
+          <p:cNvSpPr>
+            <a:spLocks noGrp="1"/>
+          </p:cNvSpPr>
+          <p:nvPr>
+            <p:ph type="body" idx="1"/>
+          </p:nvPr>
+        </p:nvSpPr>
+        <p:spPr/>
+        <p:txBody>
+          <a:bodyPr/>
+          <a:lstStyle/>
+          <a:p>
+            <a:r>
+              <a:rPr lang="en-US" dirty="0"/>
+              <a:t>"Classic" Programming</a:t>
+            </a:r>
+          </a:p>
+        </p:txBody>
+      </p:sp>
+      <p:sp>
+        <p:nvSpPr>
+          <p:cNvPr id="7" name="Text Placeholder 6">
+            <a:extLst>
+              <a:ext uri="{FF2B5EF4-FFF2-40B4-BE49-F238E27FC236}">
+                <a16:creationId xmlns:a16="http://schemas.microsoft.com/office/drawing/2014/main" id="{FBEBFECE-45E1-BAAA-8D7F-CD7DD8605A49}"/>
+              </a:ext>
+            </a:extLst>
+          </p:cNvPr>
+          <p:cNvSpPr>
+            <a:spLocks noGrp="1"/>
+          </p:cNvSpPr>
+          <p:nvPr>
+            <p:ph type="body" sz="quarter" idx="3"/>
+          </p:nvPr>
+        </p:nvSpPr>
+        <p:spPr/>
+        <p:txBody>
+          <a:bodyPr/>
+          <a:lstStyle/>
+          <a:p>
+            <a:r>
+              <a:rPr lang="en-US" dirty="0"/>
+              <a:t>Deep Learning</a:t>
+            </a:r>
+          </a:p>
+        </p:txBody>
+      </p:sp>
+      <p:pic>
+        <p:nvPicPr>
+          <p:cNvPr id="12" name="Content Placeholder 11">
+            <a:extLst>
+              <a:ext uri="{FF2B5EF4-FFF2-40B4-BE49-F238E27FC236}">
+                <a16:creationId xmlns:a16="http://schemas.microsoft.com/office/drawing/2014/main" id="{FDEBFDFD-53F5-1F9D-FF31-BF7DB3770CD8}"/>
+              </a:ext>
+            </a:extLst>
+          </p:cNvPr>
+          <p:cNvPicPr>
+            <a:picLocks noGrp="1" noChangeAspect="1"/>
+          </p:cNvPicPr>
+          <p:nvPr>
+            <p:ph sz="quarter" idx="4"/>
+          </p:nvPr>
+        </p:nvPicPr>
+        <p:blipFill>
+          <a:blip r:embed="rId3">
+            <a:extLst>
+              <a:ext uri="{28A0092B-C50C-407E-A947-70E740481C1C}">
+                <a14:useLocalDpi xmlns:a14="http://schemas.microsoft.com/office/drawing/2010/main" val="0"/>
+              </a:ext>
+              <a:ext uri="{96DAC541-7B7A-43D3-8B79-37D633B846F1}">
+                <asvg:svgBlip xmlns:asvg="http://schemas.microsoft.com/office/drawing/2016/SVG/main" r:embed="rId4"/>
+              </a:ext>
+            </a:extLst>
+          </a:blip>
+          <a:stretch>
+            <a:fillRect/>
+          </a:stretch>
+        </p:blipFill>
+        <p:spPr>
+          <a:xfrm>
+            <a:off x="6921500" y="2505075"/>
+            <a:ext cx="3684588" cy="3684588"/>
+          </a:xfrm>
+        </p:spPr>
+      </p:pic>
+      <p:pic>
+        <p:nvPicPr>
+          <p:cNvPr id="16" name="Content Placeholder 15">
+            <a:extLst>
+              <a:ext uri="{FF2B5EF4-FFF2-40B4-BE49-F238E27FC236}">
+                <a16:creationId xmlns:a16="http://schemas.microsoft.com/office/drawing/2014/main" id="{9DE9698F-44F3-3230-1DE8-F08EAE7C6344}"/>
+              </a:ext>
+            </a:extLst>
+          </p:cNvPr>
+          <p:cNvPicPr>
+            <a:picLocks noGrp="1" noChangeAspect="1"/>
+          </p:cNvPicPr>
+          <p:nvPr>
+            <p:ph sz="half" idx="2"/>
+          </p:nvPr>
+        </p:nvPicPr>
+        <p:blipFill>
+          <a:blip r:embed="rId5">
+            <a:extLst>
+              <a:ext uri="{28A0092B-C50C-407E-A947-70E740481C1C}">
+                <a14:useLocalDpi xmlns:a14="http://schemas.microsoft.com/office/drawing/2010/main" val="0"/>
+              </a:ext>
+              <a:ext uri="{96DAC541-7B7A-43D3-8B79-37D633B846F1}">
+                <asvg:svgBlip xmlns:asvg="http://schemas.microsoft.com/office/drawing/2016/SVG/main" r:embed="rId6"/>
+              </a:ext>
+            </a:extLst>
+          </a:blip>
+          <a:stretch>
+            <a:fillRect/>
+          </a:stretch>
+        </p:blipFill>
+        <p:spPr>
+          <a:xfrm>
+            <a:off x="1576387" y="2505075"/>
+            <a:ext cx="3684588" cy="3684588"/>
+          </a:xfrm>
+        </p:spPr>
+      </p:pic>
+      <p:sp>
+        <p:nvSpPr>
+          <p:cNvPr id="2" name="TextBox 1">
+            <a:extLst>
+              <a:ext uri="{FF2B5EF4-FFF2-40B4-BE49-F238E27FC236}">
+                <a16:creationId xmlns:a16="http://schemas.microsoft.com/office/drawing/2014/main" id="{F9992528-0855-6B35-EC22-5A82CE0F8685}"/>
+              </a:ext>
+            </a:extLst>
+          </p:cNvPr>
+          <p:cNvSpPr txBox="1"/>
+          <p:nvPr/>
+        </p:nvSpPr>
+        <p:spPr>
+          <a:xfrm>
+            <a:off x="184826" y="4940233"/>
+            <a:ext cx="3172150" cy="1754326"/>
+          </a:xfrm>
+          <a:prstGeom prst="rect">
+            <a:avLst/>
+          </a:prstGeom>
+          <a:solidFill>
+            <a:schemeClr val="bg1">
+              <a:lumMod val="50000"/>
+              <a:alpha val="90000"/>
+            </a:schemeClr>
+          </a:solidFill>
+        </p:spPr>
+        <p:txBody>
+          <a:bodyPr wrap="none" rtlCol="0">
+            <a:spAutoFit/>
+          </a:bodyPr>
+          <a:lstStyle/>
+          <a:p>
+            <a:r>
+              <a:rPr lang="en-GB" dirty="0"/>
+              <a:t>If situation A, do action a</a:t>
+            </a:r>
+          </a:p>
+          <a:p>
+            <a:r>
+              <a:rPr lang="en-GB" dirty="0"/>
+              <a:t>If situation B, do action b</a:t>
+            </a:r>
+          </a:p>
+          <a:p>
+            <a:r>
+              <a:rPr lang="en-GB" dirty="0"/>
+              <a:t>If situation C, do action c</a:t>
+            </a:r>
+          </a:p>
+          <a:p>
+            <a:r>
+              <a:rPr lang="en-GB" dirty="0"/>
+              <a:t>If situation D, do action a and b</a:t>
+            </a:r>
+          </a:p>
+          <a:p>
+            <a:r>
+              <a:rPr lang="en-GB" dirty="0"/>
+              <a:t>If situation E, do action C then a</a:t>
+            </a:r>
+          </a:p>
+          <a:p>
+            <a:r>
+              <a:rPr lang="en-GB" dirty="0"/>
+              <a:t>If not, do action z</a:t>
+            </a:r>
+            <a:endParaRPr lang="fr-FR" dirty="0"/>
+          </a:p>
+        </p:txBody>
+      </p:sp>
+      <p:sp>
+        <p:nvSpPr>
+          <p:cNvPr id="10" name="TextBox 9">
+            <a:extLst>
+              <a:ext uri="{FF2B5EF4-FFF2-40B4-BE49-F238E27FC236}">
+                <a16:creationId xmlns:a16="http://schemas.microsoft.com/office/drawing/2014/main" id="{FA70409F-6908-571B-41AF-C79565217A39}"/>
+              </a:ext>
+            </a:extLst>
+          </p:cNvPr>
+          <p:cNvSpPr txBox="1"/>
+          <p:nvPr/>
+        </p:nvSpPr>
+        <p:spPr>
+          <a:xfrm>
+            <a:off x="6931027" y="5130736"/>
+            <a:ext cx="2652649" cy="646331"/>
+          </a:xfrm>
+          <a:prstGeom prst="rect">
+            <a:avLst/>
+          </a:prstGeom>
+          <a:solidFill>
+            <a:schemeClr val="bg1">
+              <a:lumMod val="50000"/>
+              <a:alpha val="90000"/>
+            </a:schemeClr>
+          </a:solidFill>
+        </p:spPr>
+        <p:txBody>
+          <a:bodyPr wrap="none" rtlCol="0">
+            <a:spAutoFit/>
+          </a:bodyPr>
+          <a:lstStyle/>
+          <a:p>
+            <a:r>
+              <a:rPr lang="en-GB" dirty="0"/>
+              <a:t>Look at these examples</a:t>
+            </a:r>
+          </a:p>
+          <a:p>
+            <a:r>
+              <a:rPr lang="en-GB" dirty="0"/>
+              <a:t>and find the rules to apply</a:t>
+            </a:r>
+            <a:endParaRPr lang="fr-FR" dirty="0"/>
+          </a:p>
+        </p:txBody>
+      </p:sp>
+    </p:spTree>
+    <p:extLst>
+      <p:ext uri="{BB962C8B-B14F-4D97-AF65-F5344CB8AC3E}">
+        <p14:creationId xmlns:p14="http://schemas.microsoft.com/office/powerpoint/2010/main" val="3112371186"/>
+      </p:ext>
+    </p:extLst>
+  </p:cSld>
+  <p:clrMapOvr>
+    <a:masterClrMapping/>
+  </p:clrMapOvr>
+  <p:timing>
+    <p:tnLst>
+      <p:par>
+        <p:cTn id="1" dur="indefinite" restart="never" nodeType="tmRoot">
+          <p:childTnLst>
+            <p:seq concurrent="1" nextAc="seek">
+              <p:cTn id="2" dur="indefinite" nodeType="mainSeq">
+                <p:childTnLst>
+                  <p:par>
+                    <p:cTn id="3" fill="hold">
+                      <p:stCondLst>
+                        <p:cond delay="indefinite"/>
+                      </p:stCondLst>
+                      <p:childTnLst>
+                        <p:par>
+                          <p:cTn id="4" fill="hold">
+                            <p:stCondLst>
+                              <p:cond delay="0"/>
+                            </p:stCondLst>
+                            <p:childTnLst>
+                              <p:par>
+                                <p:cTn id="5" presetID="10" presetClass="entr" presetSubtype="0" fill="hold" grpId="0" nodeType="clickEffect">
+                                  <p:stCondLst>
+                                    <p:cond delay="0"/>
+                                  </p:stCondLst>
+                                  <p:childTnLst>
+                                    <p:set>
+                                      <p:cBhvr>
+                                        <p:cTn id="6" dur="1" fill="hold">
+                                          <p:stCondLst>
+                                            <p:cond delay="0"/>
+                                          </p:stCondLst>
+                                        </p:cTn>
+                                        <p:tgtEl>
+                                          <p:spTgt spid="2"/>
+                                        </p:tgtEl>
+                                        <p:attrNameLst>
+                                          <p:attrName>style.visibility</p:attrName>
+                                        </p:attrNameLst>
+                                      </p:cBhvr>
+                                      <p:to>
+                                        <p:strVal val="visible"/>
+                                      </p:to>
+                                    </p:set>
+                                    <p:animEffect transition="in" filter="fade">
+                                      <p:cBhvr>
+                                        <p:cTn id="7" dur="500"/>
+                                        <p:tgtEl>
+                                          <p:spTgt spid="2"/>
+                                        </p:tgtEl>
+                                      </p:cBhvr>
+                                    </p:animEffect>
+                                  </p:childTnLst>
+                                </p:cTn>
+                              </p:par>
+                            </p:childTnLst>
+                          </p:cTn>
+                        </p:par>
+                      </p:childTnLst>
+                    </p:cTn>
+                  </p:par>
+                  <p:par>
+                    <p:cTn id="8" fill="hold">
+                      <p:stCondLst>
+                        <p:cond delay="indefinite"/>
+                      </p:stCondLst>
+                      <p:childTnLst>
+                        <p:par>
+                          <p:cTn id="9" fill="hold">
+                            <p:stCondLst>
+                              <p:cond delay="0"/>
+                            </p:stCondLst>
+                            <p:childTnLst>
+                              <p:par>
+                                <p:cTn id="10" presetID="10" presetClass="entr" presetSubtype="0" fill="hold" grpId="0" nodeType="clickEffect">
+                                  <p:stCondLst>
+                                    <p:cond delay="0"/>
+                                  </p:stCondLst>
+                                  <p:childTnLst>
+                                    <p:set>
+                                      <p:cBhvr>
+                                        <p:cTn id="11" dur="1" fill="hold">
+                                          <p:stCondLst>
+                                            <p:cond delay="0"/>
+                                          </p:stCondLst>
+                                        </p:cTn>
+                                        <p:tgtEl>
+                                          <p:spTgt spid="10"/>
+                                        </p:tgtEl>
+                                        <p:attrNameLst>
+                                          <p:attrName>style.visibility</p:attrName>
+                                        </p:attrNameLst>
+                                      </p:cBhvr>
+                                      <p:to>
+                                        <p:strVal val="visible"/>
+                                      </p:to>
+                                    </p:set>
+                                    <p:animEffect transition="in" filter="fade">
+                                      <p:cBhvr>
+                                        <p:cTn id="12" dur="500"/>
+                                        <p:tgtEl>
+                                          <p:spTgt spid="10"/>
+                                        </p:tgtEl>
+                                      </p:cBhvr>
+                                    </p:animEffect>
+                                  </p:childTnLst>
+                                </p:cTn>
+                              </p:par>
+                            </p:childTnLst>
+                          </p:cTn>
+                        </p:par>
+                      </p:childTnLst>
+                    </p:cTn>
+                  </p:par>
+                </p:childTnLst>
+              </p:cTn>
+              <p:prevCondLst>
+                <p:cond evt="onPrev" delay="0">
+                  <p:tgtEl>
+                    <p:sldTgt/>
+                  </p:tgtEl>
+                </p:cond>
+              </p:prevCondLst>
+              <p:nextCondLst>
+                <p:cond evt="onNext" delay="0">
+                  <p:tgtEl>
+                    <p:sldTgt/>
+                  </p:tgtEl>
+                </p:cond>
+              </p:nextCondLst>
+            </p:seq>
+          </p:childTnLst>
+        </p:cTn>
+      </p:par>
+    </p:tnLst>
+    <p:bldLst>
+      <p:bldP spid="2" grpId="0" animBg="1"/>
+      <p:bldP spid="10" grpId="0" animBg="1"/>
+    </p:bldLst>
+  </p:timing>
+</p:sld>
+</file>
+
 <file path=ppt/theme/theme1.xml><?xml version="1.0" encoding="utf-8"?>
 <a:theme xmlns:a="http://schemas.openxmlformats.org/drawingml/2006/main" name="Office Theme">
   <a:themeElements>

--- a/WhatIsArtificialIntelligence.pptx
+++ b/WhatIsArtificialIntelligence.pptx
@@ -5,7 +5,7 @@
     <p:sldMasterId id="2147483648" r:id="rId1"/>
   </p:sldMasterIdLst>
   <p:notesMasterIdLst>
-    <p:notesMasterId r:id="rId10"/>
+    <p:notesMasterId r:id="rId11"/>
   </p:notesMasterIdLst>
   <p:sldIdLst>
     <p:sldId id="257" r:id="rId2"/>
@@ -16,6 +16,7 @@
     <p:sldId id="260" r:id="rId7"/>
     <p:sldId id="262" r:id="rId8"/>
     <p:sldId id="263" r:id="rId9"/>
+    <p:sldId id="268" r:id="rId10"/>
   </p:sldIdLst>
   <p:sldSz cx="12192000" cy="6858000"/>
   <p:notesSz cx="6858000" cy="9144000"/>
@@ -1082,6 +1083,134 @@
     <p:extLst>
       <p:ext uri="{BB962C8B-B14F-4D97-AF65-F5344CB8AC3E}">
         <p14:creationId xmlns:p14="http://schemas.microsoft.com/office/powerpoint/2010/main" val="3388237536"/>
+      </p:ext>
+    </p:extLst>
+  </p:cSld>
+  <p:clrMapOvr>
+    <a:masterClrMapping/>
+  </p:clrMapOvr>
+</p:notes>
+</file>
+
+<file path=ppt/notesSlides/notesSlide7.xml><?xml version="1.0" encoding="utf-8"?>
+<p:notes xmlns:a="http://schemas.openxmlformats.org/drawingml/2006/main" xmlns:r="http://schemas.openxmlformats.org/officeDocument/2006/relationships" xmlns:p="http://schemas.openxmlformats.org/presentationml/2006/main">
+  <p:cSld>
+    <p:spTree>
+      <p:nvGrpSpPr>
+        <p:cNvPr id="1" name=""/>
+        <p:cNvGrpSpPr/>
+        <p:nvPr/>
+      </p:nvGrpSpPr>
+      <p:grpSpPr>
+        <a:xfrm>
+          <a:off x="0" y="0"/>
+          <a:ext cx="0" cy="0"/>
+          <a:chOff x="0" y="0"/>
+          <a:chExt cx="0" cy="0"/>
+        </a:xfrm>
+      </p:grpSpPr>
+      <p:sp>
+        <p:nvSpPr>
+          <p:cNvPr id="2" name="Slide Image Placeholder 1"/>
+          <p:cNvSpPr>
+            <a:spLocks noGrp="1" noRot="1" noChangeAspect="1"/>
+          </p:cNvSpPr>
+          <p:nvPr>
+            <p:ph type="sldImg"/>
+          </p:nvPr>
+        </p:nvSpPr>
+        <p:spPr/>
+      </p:sp>
+      <p:sp>
+        <p:nvSpPr>
+          <p:cNvPr id="3" name="Notes Placeholder 2"/>
+          <p:cNvSpPr>
+            <a:spLocks noGrp="1"/>
+          </p:cNvSpPr>
+          <p:nvPr>
+            <p:ph type="body" idx="1"/>
+          </p:nvPr>
+        </p:nvSpPr>
+        <p:spPr/>
+        <p:txBody>
+          <a:bodyPr/>
+          <a:lstStyle/>
+          <a:p>
+            <a:pPr marL="228600" indent="-228600">
+              <a:buFont typeface="+mj-lt"/>
+              <a:buAutoNum type="arabicPeriod"/>
+            </a:pPr>
+            <a:r>
+              <a:rPr lang="en-GB" dirty="0"/>
+              <a:t>Define inputs / outputs =&gt; we are therefore looking for a function</a:t>
+            </a:r>
+          </a:p>
+          <a:p>
+            <a:pPr marL="228600" indent="-228600">
+              <a:buFont typeface="+mj-lt"/>
+              <a:buAutoNum type="arabicPeriod"/>
+            </a:pPr>
+            <a:r>
+              <a:rPr lang="en-GB" dirty="0"/>
+              <a:t>There is an 'ideal' function, which always gives the right answer or the best move; we try to approximate this function</a:t>
+            </a:r>
+          </a:p>
+          <a:p>
+            <a:pPr marL="228600" indent="-228600">
+              <a:buFont typeface="+mj-lt"/>
+              <a:buAutoNum type="arabicPeriod"/>
+            </a:pPr>
+            <a:r>
+              <a:rPr lang="en-GB" dirty="0"/>
+              <a:t>We can build “all-purpose machines”</a:t>
+            </a:r>
+          </a:p>
+          <a:p>
+            <a:pPr marL="228600" indent="-228600">
+              <a:buFont typeface="+mj-lt"/>
+              <a:buAutoNum type="arabicPeriod"/>
+            </a:pPr>
+            <a:r>
+              <a:rPr lang="en-GB" dirty="0"/>
+              <a:t>With parameters, which will have to be optimized</a:t>
+            </a:r>
+          </a:p>
+          <a:p>
+            <a:pPr marL="0" indent="0">
+              <a:buFont typeface="+mj-lt"/>
+              <a:buNone/>
+            </a:pPr>
+            <a:endParaRPr lang="en-US" dirty="0"/>
+          </a:p>
+        </p:txBody>
+      </p:sp>
+      <p:sp>
+        <p:nvSpPr>
+          <p:cNvPr id="4" name="Slide Number Placeholder 3"/>
+          <p:cNvSpPr>
+            <a:spLocks noGrp="1"/>
+          </p:cNvSpPr>
+          <p:nvPr>
+            <p:ph type="sldNum" sz="quarter" idx="5"/>
+          </p:nvPr>
+        </p:nvSpPr>
+        <p:spPr/>
+        <p:txBody>
+          <a:bodyPr/>
+          <a:lstStyle/>
+          <a:p>
+            <a:fld id="{CEFB1CB0-8521-448A-8AF4-782A4204CD99}" type="slidenum">
+              <a:rPr lang="en-US" smtClean="0"/>
+              <a:t>9</a:t>
+            </a:fld>
+            <a:endParaRPr lang="en-US"/>
+          </a:p>
+        </p:txBody>
+      </p:sp>
+    </p:spTree>
+    <p:extLst>
+      <p:ext uri="{BB962C8B-B14F-4D97-AF65-F5344CB8AC3E}">
+        <p14:creationId xmlns:p14="http://schemas.microsoft.com/office/powerpoint/2010/main" val="22469881"/>
       </p:ext>
     </p:extLst>
   </p:cSld>
@@ -7467,6 +7596,678 @@
 </p:sld>
 </file>
 
+<file path=ppt/slides/slide9.xml><?xml version="1.0" encoding="utf-8"?>
+<p:sld xmlns:a="http://schemas.openxmlformats.org/drawingml/2006/main" xmlns:r="http://schemas.openxmlformats.org/officeDocument/2006/relationships" xmlns:p="http://schemas.openxmlformats.org/presentationml/2006/main">
+  <p:cSld>
+    <p:spTree>
+      <p:nvGrpSpPr>
+        <p:cNvPr id="1" name=""/>
+        <p:cNvGrpSpPr/>
+        <p:nvPr/>
+      </p:nvGrpSpPr>
+      <p:grpSpPr>
+        <a:xfrm>
+          <a:off x="0" y="0"/>
+          <a:ext cx="0" cy="0"/>
+          <a:chOff x="0" y="0"/>
+          <a:chExt cx="0" cy="0"/>
+        </a:xfrm>
+      </p:grpSpPr>
+      <p:sp>
+        <p:nvSpPr>
+          <p:cNvPr id="2" name="Title 1">
+            <a:extLst>
+              <a:ext uri="{FF2B5EF4-FFF2-40B4-BE49-F238E27FC236}">
+                <a16:creationId xmlns:a16="http://schemas.microsoft.com/office/drawing/2014/main" id="{4DD5AE43-0497-4618-B452-770BAE7E2649}"/>
+              </a:ext>
+            </a:extLst>
+          </p:cNvPr>
+          <p:cNvSpPr>
+            <a:spLocks noGrp="1"/>
+          </p:cNvSpPr>
+          <p:nvPr>
+            <p:ph type="title"/>
+          </p:nvPr>
+        </p:nvSpPr>
+        <p:spPr/>
+        <p:txBody>
+          <a:bodyPr/>
+          <a:lstStyle/>
+          <a:p>
+            <a:r>
+              <a:rPr lang="en-GB" dirty="0"/>
+              <a:t>How to "find the rules to apply"?</a:t>
+            </a:r>
+            <a:endParaRPr lang="en-US" dirty="0"/>
+          </a:p>
+        </p:txBody>
+      </p:sp>
+      <p:sp>
+        <p:nvSpPr>
+          <p:cNvPr id="6" name="Arrow: Right 5">
+            <a:extLst>
+              <a:ext uri="{FF2B5EF4-FFF2-40B4-BE49-F238E27FC236}">
+                <a16:creationId xmlns:a16="http://schemas.microsoft.com/office/drawing/2014/main" id="{489FDB95-25B4-EA8A-8BDF-FB81818C5C0F}"/>
+              </a:ext>
+            </a:extLst>
+          </p:cNvPr>
+          <p:cNvSpPr/>
+          <p:nvPr/>
+        </p:nvSpPr>
+        <p:spPr>
+          <a:xfrm>
+            <a:off x="3781425" y="2152650"/>
+            <a:ext cx="4629150" cy="3571875"/>
+          </a:xfrm>
+          <a:prstGeom prst="rightArrow">
+            <a:avLst/>
+          </a:prstGeom>
+        </p:spPr>
+        <p:style>
+          <a:lnRef idx="2">
+            <a:schemeClr val="accent5">
+              <a:shade val="15000"/>
+            </a:schemeClr>
+          </a:lnRef>
+          <a:fillRef idx="1">
+            <a:schemeClr val="accent5"/>
+          </a:fillRef>
+          <a:effectRef idx="0">
+            <a:schemeClr val="accent5"/>
+          </a:effectRef>
+          <a:fontRef idx="minor">
+            <a:schemeClr val="lt1"/>
+          </a:fontRef>
+        </p:style>
+        <p:txBody>
+          <a:bodyPr rtlCol="0" anchor="ctr"/>
+          <a:lstStyle/>
+          <a:p>
+            <a:pPr algn="ctr"/>
+            <a:endParaRPr lang="en-US" dirty="0"/>
+          </a:p>
+        </p:txBody>
+      </p:sp>
+      <p:sp>
+        <p:nvSpPr>
+          <p:cNvPr id="7" name="TextBox 6">
+            <a:extLst>
+              <a:ext uri="{FF2B5EF4-FFF2-40B4-BE49-F238E27FC236}">
+                <a16:creationId xmlns:a16="http://schemas.microsoft.com/office/drawing/2014/main" id="{A0F87794-229C-AAA7-B160-59A4393C4495}"/>
+              </a:ext>
+            </a:extLst>
+          </p:cNvPr>
+          <p:cNvSpPr txBox="1"/>
+          <p:nvPr/>
+        </p:nvSpPr>
+        <p:spPr>
+          <a:xfrm>
+            <a:off x="1814326" y="3676977"/>
+            <a:ext cx="1103187" cy="523220"/>
+          </a:xfrm>
+          <a:prstGeom prst="rect">
+            <a:avLst/>
+          </a:prstGeom>
+        </p:spPr>
+        <p:style>
+          <a:lnRef idx="2">
+            <a:schemeClr val="accent6">
+              <a:shade val="15000"/>
+            </a:schemeClr>
+          </a:lnRef>
+          <a:fillRef idx="1">
+            <a:schemeClr val="accent6"/>
+          </a:fillRef>
+          <a:effectRef idx="0">
+            <a:schemeClr val="accent6"/>
+          </a:effectRef>
+          <a:fontRef idx="minor">
+            <a:schemeClr val="lt1"/>
+          </a:fontRef>
+        </p:style>
+        <p:txBody>
+          <a:bodyPr wrap="none" rtlCol="0">
+            <a:spAutoFit/>
+          </a:bodyPr>
+          <a:lstStyle/>
+          <a:p>
+            <a:r>
+              <a:rPr lang="en-US" sz="2800" dirty="0"/>
+              <a:t>Inputs</a:t>
+            </a:r>
+          </a:p>
+        </p:txBody>
+      </p:sp>
+      <p:sp>
+        <p:nvSpPr>
+          <p:cNvPr id="8" name="TextBox 7">
+            <a:extLst>
+              <a:ext uri="{FF2B5EF4-FFF2-40B4-BE49-F238E27FC236}">
+                <a16:creationId xmlns:a16="http://schemas.microsoft.com/office/drawing/2014/main" id="{284F38E0-F79F-136A-B5B4-5008586545BE}"/>
+              </a:ext>
+            </a:extLst>
+          </p:cNvPr>
+          <p:cNvSpPr txBox="1"/>
+          <p:nvPr/>
+        </p:nvSpPr>
+        <p:spPr>
+          <a:xfrm>
+            <a:off x="9153525" y="3676977"/>
+            <a:ext cx="1370888" cy="523220"/>
+          </a:xfrm>
+          <a:prstGeom prst="rect">
+            <a:avLst/>
+          </a:prstGeom>
+        </p:spPr>
+        <p:style>
+          <a:lnRef idx="2">
+            <a:schemeClr val="accent4">
+              <a:shade val="15000"/>
+            </a:schemeClr>
+          </a:lnRef>
+          <a:fillRef idx="1">
+            <a:schemeClr val="accent4"/>
+          </a:fillRef>
+          <a:effectRef idx="0">
+            <a:schemeClr val="accent4"/>
+          </a:effectRef>
+          <a:fontRef idx="minor">
+            <a:schemeClr val="lt1"/>
+          </a:fontRef>
+        </p:style>
+        <p:txBody>
+          <a:bodyPr wrap="none" rtlCol="0">
+            <a:spAutoFit/>
+          </a:bodyPr>
+          <a:lstStyle/>
+          <a:p>
+            <a:r>
+              <a:rPr lang="en-US" sz="2800" dirty="0"/>
+              <a:t>Outputs</a:t>
+            </a:r>
+          </a:p>
+        </p:txBody>
+      </p:sp>
+      <p:pic>
+        <p:nvPicPr>
+          <p:cNvPr id="11" name="Picture 10">
+            <a:extLst>
+              <a:ext uri="{FF2B5EF4-FFF2-40B4-BE49-F238E27FC236}">
+                <a16:creationId xmlns:a16="http://schemas.microsoft.com/office/drawing/2014/main" id="{20C576D5-EAE2-DE16-9BBB-921DFCF50689}"/>
+              </a:ext>
+            </a:extLst>
+          </p:cNvPr>
+          <p:cNvPicPr>
+            <a:picLocks noChangeAspect="1"/>
+          </p:cNvPicPr>
+          <p:nvPr/>
+        </p:nvPicPr>
+        <p:blipFill>
+          <a:blip r:embed="rId3"/>
+          <a:stretch>
+            <a:fillRect/>
+          </a:stretch>
+        </p:blipFill>
+        <p:spPr>
+          <a:xfrm>
+            <a:off x="5276850" y="3124200"/>
+            <a:ext cx="1638300" cy="1638300"/>
+          </a:xfrm>
+          <a:prstGeom prst="rect">
+            <a:avLst/>
+          </a:prstGeom>
+        </p:spPr>
+      </p:pic>
+      <p:pic>
+        <p:nvPicPr>
+          <p:cNvPr id="13" name="Picture 12">
+            <a:extLst>
+              <a:ext uri="{FF2B5EF4-FFF2-40B4-BE49-F238E27FC236}">
+                <a16:creationId xmlns:a16="http://schemas.microsoft.com/office/drawing/2014/main" id="{133C3C63-E79A-599D-1676-E03EF839E5FF}"/>
+              </a:ext>
+            </a:extLst>
+          </p:cNvPr>
+          <p:cNvPicPr>
+            <a:picLocks noChangeAspect="1"/>
+          </p:cNvPicPr>
+          <p:nvPr/>
+        </p:nvPicPr>
+        <p:blipFill>
+          <a:blip r:embed="rId4"/>
+          <a:stretch>
+            <a:fillRect/>
+          </a:stretch>
+        </p:blipFill>
+        <p:spPr>
+          <a:xfrm>
+            <a:off x="4100399" y="3429000"/>
+            <a:ext cx="1176451" cy="1038855"/>
+          </a:xfrm>
+          <a:prstGeom prst="rect">
+            <a:avLst/>
+          </a:prstGeom>
+        </p:spPr>
+      </p:pic>
+      <p:sp>
+        <p:nvSpPr>
+          <p:cNvPr id="15" name="Speech Bubble: Rectangle 14">
+            <a:extLst>
+              <a:ext uri="{FF2B5EF4-FFF2-40B4-BE49-F238E27FC236}">
+                <a16:creationId xmlns:a16="http://schemas.microsoft.com/office/drawing/2014/main" id="{B8B2C5AB-C150-FAF0-1621-A4796E338CF5}"/>
+              </a:ext>
+            </a:extLst>
+          </p:cNvPr>
+          <p:cNvSpPr/>
+          <p:nvPr/>
+        </p:nvSpPr>
+        <p:spPr>
+          <a:xfrm>
+            <a:off x="3781425" y="5024437"/>
+            <a:ext cx="2847975" cy="1247775"/>
+          </a:xfrm>
+          <a:prstGeom prst="wedgeRectCallout">
+            <a:avLst>
+              <a:gd name="adj1" fmla="val -19564"/>
+              <a:gd name="adj2" fmla="val -116675"/>
+            </a:avLst>
+          </a:prstGeom>
+          <a:noFill/>
+          <a:ln w="76200">
+            <a:solidFill>
+              <a:srgbClr val="C00000"/>
+            </a:solidFill>
+          </a:ln>
+        </p:spPr>
+        <p:style>
+          <a:lnRef idx="2">
+            <a:schemeClr val="accent1">
+              <a:shade val="15000"/>
+            </a:schemeClr>
+          </a:lnRef>
+          <a:fillRef idx="1">
+            <a:schemeClr val="accent1"/>
+          </a:fillRef>
+          <a:effectRef idx="0">
+            <a:schemeClr val="accent1"/>
+          </a:effectRef>
+          <a:fontRef idx="minor">
+            <a:schemeClr val="lt1"/>
+          </a:fontRef>
+        </p:style>
+        <p:txBody>
+          <a:bodyPr rtlCol="0" anchor="ctr"/>
+          <a:lstStyle/>
+          <a:p>
+            <a:pPr algn="ctr"/>
+            <a:r>
+              <a:rPr lang="en-US" sz="3200" b="1" dirty="0">
+                <a:solidFill>
+                  <a:srgbClr val="C00000"/>
+                </a:solidFill>
+              </a:rPr>
+              <a:t>Machine Parameters</a:t>
+            </a:r>
+          </a:p>
+        </p:txBody>
+      </p:sp>
+    </p:spTree>
+    <p:extLst>
+      <p:ext uri="{BB962C8B-B14F-4D97-AF65-F5344CB8AC3E}">
+        <p14:creationId xmlns:p14="http://schemas.microsoft.com/office/powerpoint/2010/main" val="1656003741"/>
+      </p:ext>
+    </p:extLst>
+  </p:cSld>
+  <p:clrMapOvr>
+    <a:masterClrMapping/>
+  </p:clrMapOvr>
+  <p:timing>
+    <p:tnLst>
+      <p:par>
+        <p:cTn id="1" dur="indefinite" restart="never" nodeType="tmRoot">
+          <p:childTnLst>
+            <p:seq concurrent="1" nextAc="seek">
+              <p:cTn id="2" dur="indefinite" nodeType="mainSeq">
+                <p:childTnLst>
+                  <p:par>
+                    <p:cTn id="3" fill="hold">
+                      <p:stCondLst>
+                        <p:cond delay="indefinite"/>
+                      </p:stCondLst>
+                      <p:childTnLst>
+                        <p:par>
+                          <p:cTn id="4" fill="hold">
+                            <p:stCondLst>
+                              <p:cond delay="0"/>
+                            </p:stCondLst>
+                            <p:childTnLst>
+                              <p:par>
+                                <p:cTn id="5" presetID="10" presetClass="entr" presetSubtype="0" fill="hold" grpId="0" nodeType="clickEffect">
+                                  <p:stCondLst>
+                                    <p:cond delay="0"/>
+                                  </p:stCondLst>
+                                  <p:childTnLst>
+                                    <p:set>
+                                      <p:cBhvr>
+                                        <p:cTn id="6" dur="1" fill="hold">
+                                          <p:stCondLst>
+                                            <p:cond delay="0"/>
+                                          </p:stCondLst>
+                                        </p:cTn>
+                                        <p:tgtEl>
+                                          <p:spTgt spid="7"/>
+                                        </p:tgtEl>
+                                        <p:attrNameLst>
+                                          <p:attrName>style.visibility</p:attrName>
+                                        </p:attrNameLst>
+                                      </p:cBhvr>
+                                      <p:to>
+                                        <p:strVal val="visible"/>
+                                      </p:to>
+                                    </p:set>
+                                    <p:animEffect transition="in" filter="fade">
+                                      <p:cBhvr>
+                                        <p:cTn id="7" dur="500"/>
+                                        <p:tgtEl>
+                                          <p:spTgt spid="7"/>
+                                        </p:tgtEl>
+                                      </p:cBhvr>
+                                    </p:animEffect>
+                                  </p:childTnLst>
+                                </p:cTn>
+                              </p:par>
+                            </p:childTnLst>
+                          </p:cTn>
+                        </p:par>
+                      </p:childTnLst>
+                    </p:cTn>
+                  </p:par>
+                  <p:par>
+                    <p:cTn id="8" fill="hold">
+                      <p:stCondLst>
+                        <p:cond delay="indefinite"/>
+                      </p:stCondLst>
+                      <p:childTnLst>
+                        <p:par>
+                          <p:cTn id="9" fill="hold">
+                            <p:stCondLst>
+                              <p:cond delay="0"/>
+                            </p:stCondLst>
+                            <p:childTnLst>
+                              <p:par>
+                                <p:cTn id="10" presetID="10" presetClass="entr" presetSubtype="0" fill="hold" grpId="0" nodeType="clickEffect">
+                                  <p:stCondLst>
+                                    <p:cond delay="0"/>
+                                  </p:stCondLst>
+                                  <p:childTnLst>
+                                    <p:set>
+                                      <p:cBhvr>
+                                        <p:cTn id="11" dur="1" fill="hold">
+                                          <p:stCondLst>
+                                            <p:cond delay="0"/>
+                                          </p:stCondLst>
+                                        </p:cTn>
+                                        <p:tgtEl>
+                                          <p:spTgt spid="8"/>
+                                        </p:tgtEl>
+                                        <p:attrNameLst>
+                                          <p:attrName>style.visibility</p:attrName>
+                                        </p:attrNameLst>
+                                      </p:cBhvr>
+                                      <p:to>
+                                        <p:strVal val="visible"/>
+                                      </p:to>
+                                    </p:set>
+                                    <p:animEffect transition="in" filter="fade">
+                                      <p:cBhvr>
+                                        <p:cTn id="12" dur="500"/>
+                                        <p:tgtEl>
+                                          <p:spTgt spid="8"/>
+                                        </p:tgtEl>
+                                      </p:cBhvr>
+                                    </p:animEffect>
+                                  </p:childTnLst>
+                                </p:cTn>
+                              </p:par>
+                            </p:childTnLst>
+                          </p:cTn>
+                        </p:par>
+                      </p:childTnLst>
+                    </p:cTn>
+                  </p:par>
+                  <p:par>
+                    <p:cTn id="13" fill="hold">
+                      <p:stCondLst>
+                        <p:cond delay="indefinite"/>
+                      </p:stCondLst>
+                      <p:childTnLst>
+                        <p:par>
+                          <p:cTn id="14" fill="hold">
+                            <p:stCondLst>
+                              <p:cond delay="0"/>
+                            </p:stCondLst>
+                            <p:childTnLst>
+                              <p:par>
+                                <p:cTn id="15" presetID="10" presetClass="entr" presetSubtype="0" fill="hold" grpId="0" nodeType="clickEffect">
+                                  <p:stCondLst>
+                                    <p:cond delay="0"/>
+                                  </p:stCondLst>
+                                  <p:childTnLst>
+                                    <p:set>
+                                      <p:cBhvr>
+                                        <p:cTn id="16" dur="1" fill="hold">
+                                          <p:stCondLst>
+                                            <p:cond delay="0"/>
+                                          </p:stCondLst>
+                                        </p:cTn>
+                                        <p:tgtEl>
+                                          <p:spTgt spid="6"/>
+                                        </p:tgtEl>
+                                        <p:attrNameLst>
+                                          <p:attrName>style.visibility</p:attrName>
+                                        </p:attrNameLst>
+                                      </p:cBhvr>
+                                      <p:to>
+                                        <p:strVal val="visible"/>
+                                      </p:to>
+                                    </p:set>
+                                    <p:animEffect transition="in" filter="fade">
+                                      <p:cBhvr>
+                                        <p:cTn id="17" dur="500"/>
+                                        <p:tgtEl>
+                                          <p:spTgt spid="6"/>
+                                        </p:tgtEl>
+                                      </p:cBhvr>
+                                    </p:animEffect>
+                                  </p:childTnLst>
+                                </p:cTn>
+                              </p:par>
+                            </p:childTnLst>
+                          </p:cTn>
+                        </p:par>
+                        <p:par>
+                          <p:cTn id="18" fill="hold">
+                            <p:stCondLst>
+                              <p:cond delay="500"/>
+                            </p:stCondLst>
+                            <p:childTnLst>
+                              <p:par>
+                                <p:cTn id="19" presetID="10" presetClass="entr" presetSubtype="0" fill="hold" nodeType="afterEffect">
+                                  <p:stCondLst>
+                                    <p:cond delay="0"/>
+                                  </p:stCondLst>
+                                  <p:childTnLst>
+                                    <p:set>
+                                      <p:cBhvr>
+                                        <p:cTn id="20" dur="1" fill="hold">
+                                          <p:stCondLst>
+                                            <p:cond delay="0"/>
+                                          </p:stCondLst>
+                                        </p:cTn>
+                                        <p:tgtEl>
+                                          <p:spTgt spid="11"/>
+                                        </p:tgtEl>
+                                        <p:attrNameLst>
+                                          <p:attrName>style.visibility</p:attrName>
+                                        </p:attrNameLst>
+                                      </p:cBhvr>
+                                      <p:to>
+                                        <p:strVal val="visible"/>
+                                      </p:to>
+                                    </p:set>
+                                    <p:animEffect transition="in" filter="fade">
+                                      <p:cBhvr>
+                                        <p:cTn id="21" dur="500"/>
+                                        <p:tgtEl>
+                                          <p:spTgt spid="11"/>
+                                        </p:tgtEl>
+                                      </p:cBhvr>
+                                    </p:animEffect>
+                                  </p:childTnLst>
+                                </p:cTn>
+                              </p:par>
+                            </p:childTnLst>
+                          </p:cTn>
+                        </p:par>
+                      </p:childTnLst>
+                    </p:cTn>
+                  </p:par>
+                  <p:par>
+                    <p:cTn id="22" fill="hold">
+                      <p:stCondLst>
+                        <p:cond delay="indefinite"/>
+                      </p:stCondLst>
+                      <p:childTnLst>
+                        <p:par>
+                          <p:cTn id="23" fill="hold">
+                            <p:stCondLst>
+                              <p:cond delay="0"/>
+                            </p:stCondLst>
+                            <p:childTnLst>
+                              <p:par>
+                                <p:cTn id="24" presetID="10" presetClass="entr" presetSubtype="0" fill="hold" nodeType="clickEffect">
+                                  <p:stCondLst>
+                                    <p:cond delay="0"/>
+                                  </p:stCondLst>
+                                  <p:childTnLst>
+                                    <p:set>
+                                      <p:cBhvr>
+                                        <p:cTn id="25" dur="1" fill="hold">
+                                          <p:stCondLst>
+                                            <p:cond delay="0"/>
+                                          </p:stCondLst>
+                                        </p:cTn>
+                                        <p:tgtEl>
+                                          <p:spTgt spid="13"/>
+                                        </p:tgtEl>
+                                        <p:attrNameLst>
+                                          <p:attrName>style.visibility</p:attrName>
+                                        </p:attrNameLst>
+                                      </p:cBhvr>
+                                      <p:to>
+                                        <p:strVal val="visible"/>
+                                      </p:to>
+                                    </p:set>
+                                    <p:animEffect transition="in" filter="fade">
+                                      <p:cBhvr>
+                                        <p:cTn id="26" dur="500"/>
+                                        <p:tgtEl>
+                                          <p:spTgt spid="13"/>
+                                        </p:tgtEl>
+                                      </p:cBhvr>
+                                    </p:animEffect>
+                                  </p:childTnLst>
+                                </p:cTn>
+                              </p:par>
+                            </p:childTnLst>
+                          </p:cTn>
+                        </p:par>
+                      </p:childTnLst>
+                    </p:cTn>
+                  </p:par>
+                  <p:par>
+                    <p:cTn id="27" fill="hold">
+                      <p:stCondLst>
+                        <p:cond delay="indefinite"/>
+                      </p:stCondLst>
+                      <p:childTnLst>
+                        <p:par>
+                          <p:cTn id="28" fill="hold">
+                            <p:stCondLst>
+                              <p:cond delay="0"/>
+                            </p:stCondLst>
+                            <p:childTnLst>
+                              <p:par>
+                                <p:cTn id="29" presetID="10" presetClass="entr" presetSubtype="0" fill="hold" grpId="0" nodeType="clickEffect">
+                                  <p:stCondLst>
+                                    <p:cond delay="0"/>
+                                  </p:stCondLst>
+                                  <p:childTnLst>
+                                    <p:set>
+                                      <p:cBhvr>
+                                        <p:cTn id="30" dur="1" fill="hold">
+                                          <p:stCondLst>
+                                            <p:cond delay="0"/>
+                                          </p:stCondLst>
+                                        </p:cTn>
+                                        <p:tgtEl>
+                                          <p:spTgt spid="15"/>
+                                        </p:tgtEl>
+                                        <p:attrNameLst>
+                                          <p:attrName>style.visibility</p:attrName>
+                                        </p:attrNameLst>
+                                      </p:cBhvr>
+                                      <p:to>
+                                        <p:strVal val="visible"/>
+                                      </p:to>
+                                    </p:set>
+                                    <p:animEffect transition="in" filter="fade">
+                                      <p:cBhvr>
+                                        <p:cTn id="31" dur="500"/>
+                                        <p:tgtEl>
+                                          <p:spTgt spid="15"/>
+                                        </p:tgtEl>
+                                      </p:cBhvr>
+                                    </p:animEffect>
+                                  </p:childTnLst>
+                                </p:cTn>
+                              </p:par>
+                            </p:childTnLst>
+                          </p:cTn>
+                        </p:par>
+                      </p:childTnLst>
+                    </p:cTn>
+                  </p:par>
+                </p:childTnLst>
+              </p:cTn>
+              <p:prevCondLst>
+                <p:cond evt="onPrev" delay="0">
+                  <p:tgtEl>
+                    <p:sldTgt/>
+                  </p:tgtEl>
+                </p:cond>
+              </p:prevCondLst>
+              <p:nextCondLst>
+                <p:cond evt="onNext" delay="0">
+                  <p:tgtEl>
+                    <p:sldTgt/>
+                  </p:tgtEl>
+                </p:cond>
+              </p:nextCondLst>
+            </p:seq>
+          </p:childTnLst>
+        </p:cTn>
+      </p:par>
+    </p:tnLst>
+    <p:bldLst>
+      <p:bldP spid="6" grpId="0" animBg="1"/>
+      <p:bldP spid="7" grpId="0" animBg="1"/>
+      <p:bldP spid="8" grpId="0" animBg="1"/>
+      <p:bldP spid="15" grpId="0" animBg="1"/>
+    </p:bldLst>
+  </p:timing>
+</p:sld>
+</file>
+
 <file path=ppt/theme/theme1.xml><?xml version="1.0" encoding="utf-8"?>
 <a:theme xmlns:a="http://schemas.openxmlformats.org/drawingml/2006/main" name="Office Theme">
   <a:themeElements>

--- a/WhatIsArtificialIntelligence.pptx
+++ b/WhatIsArtificialIntelligence.pptx
@@ -5,7 +5,7 @@
     <p:sldMasterId id="2147483648" r:id="rId1"/>
   </p:sldMasterIdLst>
   <p:notesMasterIdLst>
-    <p:notesMasterId r:id="rId11"/>
+    <p:notesMasterId r:id="rId12"/>
   </p:notesMasterIdLst>
   <p:sldIdLst>
     <p:sldId id="257" r:id="rId2"/>
@@ -17,6 +17,7 @@
     <p:sldId id="262" r:id="rId8"/>
     <p:sldId id="263" r:id="rId9"/>
     <p:sldId id="268" r:id="rId10"/>
+    <p:sldId id="269" r:id="rId11"/>
   </p:sldIdLst>
   <p:sldSz cx="12192000" cy="6858000"/>
   <p:notesSz cx="6858000" cy="9144000"/>
@@ -1211,6 +1212,100 @@
     <p:extLst>
       <p:ext uri="{BB962C8B-B14F-4D97-AF65-F5344CB8AC3E}">
         <p14:creationId xmlns:p14="http://schemas.microsoft.com/office/powerpoint/2010/main" val="22469881"/>
+      </p:ext>
+    </p:extLst>
+  </p:cSld>
+  <p:clrMapOvr>
+    <a:masterClrMapping/>
+  </p:clrMapOvr>
+</p:notes>
+</file>
+
+<file path=ppt/notesSlides/notesSlide8.xml><?xml version="1.0" encoding="utf-8"?>
+<p:notes xmlns:a="http://schemas.openxmlformats.org/drawingml/2006/main" xmlns:r="http://schemas.openxmlformats.org/officeDocument/2006/relationships" xmlns:p="http://schemas.openxmlformats.org/presentationml/2006/main">
+  <p:cSld>
+    <p:spTree>
+      <p:nvGrpSpPr>
+        <p:cNvPr id="1" name=""/>
+        <p:cNvGrpSpPr/>
+        <p:nvPr/>
+      </p:nvGrpSpPr>
+      <p:grpSpPr>
+        <a:xfrm>
+          <a:off x="0" y="0"/>
+          <a:ext cx="0" cy="0"/>
+          <a:chOff x="0" y="0"/>
+          <a:chExt cx="0" cy="0"/>
+        </a:xfrm>
+      </p:grpSpPr>
+      <p:sp>
+        <p:nvSpPr>
+          <p:cNvPr id="2" name="Slide Image Placeholder 1"/>
+          <p:cNvSpPr>
+            <a:spLocks noGrp="1" noRot="1" noChangeAspect="1"/>
+          </p:cNvSpPr>
+          <p:nvPr>
+            <p:ph type="sldImg"/>
+          </p:nvPr>
+        </p:nvSpPr>
+        <p:spPr/>
+      </p:sp>
+      <p:sp>
+        <p:nvSpPr>
+          <p:cNvPr id="3" name="Notes Placeholder 2"/>
+          <p:cNvSpPr>
+            <a:spLocks noGrp="1"/>
+          </p:cNvSpPr>
+          <p:nvPr>
+            <p:ph type="body" idx="1"/>
+          </p:nvPr>
+        </p:nvSpPr>
+        <p:spPr/>
+        <p:txBody>
+          <a:bodyPr/>
+          <a:lstStyle/>
+          <a:p>
+            <a:r>
+              <a:rPr lang="en-GB" dirty="0"/>
+              <a:t>Via examples, we look for the right parameters</a:t>
+            </a:r>
+          </a:p>
+          <a:p>
+            <a:r>
+              <a:rPr lang="en-GB" dirty="0"/>
+              <a:t>PB: the model is black-box: we know how to make a machine to do everything, but we don't understand it</a:t>
+            </a:r>
+            <a:endParaRPr lang="en-US" dirty="0"/>
+          </a:p>
+        </p:txBody>
+      </p:sp>
+      <p:sp>
+        <p:nvSpPr>
+          <p:cNvPr id="4" name="Slide Number Placeholder 3"/>
+          <p:cNvSpPr>
+            <a:spLocks noGrp="1"/>
+          </p:cNvSpPr>
+          <p:nvPr>
+            <p:ph type="sldNum" sz="quarter" idx="5"/>
+          </p:nvPr>
+        </p:nvSpPr>
+        <p:spPr/>
+        <p:txBody>
+          <a:bodyPr/>
+          <a:lstStyle/>
+          <a:p>
+            <a:fld id="{CEFB1CB0-8521-448A-8AF4-782A4204CD99}" type="slidenum">
+              <a:rPr lang="en-US" smtClean="0"/>
+              <a:t>10</a:t>
+            </a:fld>
+            <a:endParaRPr lang="en-US"/>
+          </a:p>
+        </p:txBody>
+      </p:sp>
+    </p:spTree>
+    <p:extLst>
+      <p:ext uri="{BB962C8B-B14F-4D97-AF65-F5344CB8AC3E}">
+        <p14:creationId xmlns:p14="http://schemas.microsoft.com/office/powerpoint/2010/main" val="861800322"/>
       </p:ext>
     </p:extLst>
   </p:cSld>
@@ -4581,6 +4676,1426 @@
   <p:clrMapOvr>
     <a:masterClrMapping/>
   </p:clrMapOvr>
+</p:sld>
+</file>
+
+<file path=ppt/slides/slide10.xml><?xml version="1.0" encoding="utf-8"?>
+<p:sld xmlns:a="http://schemas.openxmlformats.org/drawingml/2006/main" xmlns:r="http://schemas.openxmlformats.org/officeDocument/2006/relationships" xmlns:p="http://schemas.openxmlformats.org/presentationml/2006/main">
+  <p:cSld>
+    <p:spTree>
+      <p:nvGrpSpPr>
+        <p:cNvPr id="1" name=""/>
+        <p:cNvGrpSpPr/>
+        <p:nvPr/>
+      </p:nvGrpSpPr>
+      <p:grpSpPr>
+        <a:xfrm>
+          <a:off x="0" y="0"/>
+          <a:ext cx="0" cy="0"/>
+          <a:chOff x="0" y="0"/>
+          <a:chExt cx="0" cy="0"/>
+        </a:xfrm>
+      </p:grpSpPr>
+      <p:sp>
+        <p:nvSpPr>
+          <p:cNvPr id="2" name="Title 1">
+            <a:extLst>
+              <a:ext uri="{FF2B5EF4-FFF2-40B4-BE49-F238E27FC236}">
+                <a16:creationId xmlns:a16="http://schemas.microsoft.com/office/drawing/2014/main" id="{4DD5AE43-0497-4618-B452-770BAE7E2649}"/>
+              </a:ext>
+            </a:extLst>
+          </p:cNvPr>
+          <p:cNvSpPr>
+            <a:spLocks noGrp="1"/>
+          </p:cNvSpPr>
+          <p:nvPr>
+            <p:ph type="title"/>
+          </p:nvPr>
+        </p:nvSpPr>
+        <p:spPr/>
+        <p:txBody>
+          <a:bodyPr/>
+          <a:lstStyle/>
+          <a:p>
+            <a:r>
+              <a:rPr lang="en-US" dirty="0"/>
+              <a:t>Find the right settings</a:t>
+            </a:r>
+          </a:p>
+        </p:txBody>
+      </p:sp>
+      <p:sp>
+        <p:nvSpPr>
+          <p:cNvPr id="6" name="Arrow: Right 5">
+            <a:extLst>
+              <a:ext uri="{FF2B5EF4-FFF2-40B4-BE49-F238E27FC236}">
+                <a16:creationId xmlns:a16="http://schemas.microsoft.com/office/drawing/2014/main" id="{489FDB95-25B4-EA8A-8BDF-FB81818C5C0F}"/>
+              </a:ext>
+            </a:extLst>
+          </p:cNvPr>
+          <p:cNvSpPr/>
+          <p:nvPr/>
+        </p:nvSpPr>
+        <p:spPr>
+          <a:xfrm>
+            <a:off x="3781425" y="2152650"/>
+            <a:ext cx="4629150" cy="3571875"/>
+          </a:xfrm>
+          <a:prstGeom prst="rightArrow">
+            <a:avLst/>
+          </a:prstGeom>
+        </p:spPr>
+        <p:style>
+          <a:lnRef idx="2">
+            <a:schemeClr val="accent5">
+              <a:shade val="15000"/>
+            </a:schemeClr>
+          </a:lnRef>
+          <a:fillRef idx="1">
+            <a:schemeClr val="accent5"/>
+          </a:fillRef>
+          <a:effectRef idx="0">
+            <a:schemeClr val="accent5"/>
+          </a:effectRef>
+          <a:fontRef idx="minor">
+            <a:schemeClr val="lt1"/>
+          </a:fontRef>
+        </p:style>
+        <p:txBody>
+          <a:bodyPr rtlCol="0" anchor="ctr"/>
+          <a:lstStyle/>
+          <a:p>
+            <a:pPr algn="ctr"/>
+            <a:endParaRPr lang="en-US" dirty="0"/>
+          </a:p>
+        </p:txBody>
+      </p:sp>
+      <p:pic>
+        <p:nvPicPr>
+          <p:cNvPr id="11" name="Picture 10">
+            <a:extLst>
+              <a:ext uri="{FF2B5EF4-FFF2-40B4-BE49-F238E27FC236}">
+                <a16:creationId xmlns:a16="http://schemas.microsoft.com/office/drawing/2014/main" id="{20C576D5-EAE2-DE16-9BBB-921DFCF50689}"/>
+              </a:ext>
+            </a:extLst>
+          </p:cNvPr>
+          <p:cNvPicPr>
+            <a:picLocks noChangeAspect="1"/>
+          </p:cNvPicPr>
+          <p:nvPr/>
+        </p:nvPicPr>
+        <p:blipFill>
+          <a:blip r:embed="rId3"/>
+          <a:stretch>
+            <a:fillRect/>
+          </a:stretch>
+        </p:blipFill>
+        <p:spPr>
+          <a:xfrm>
+            <a:off x="5276850" y="3124200"/>
+            <a:ext cx="1638300" cy="1638300"/>
+          </a:xfrm>
+          <a:prstGeom prst="rect">
+            <a:avLst/>
+          </a:prstGeom>
+        </p:spPr>
+      </p:pic>
+      <p:pic>
+        <p:nvPicPr>
+          <p:cNvPr id="13" name="Picture 12">
+            <a:extLst>
+              <a:ext uri="{FF2B5EF4-FFF2-40B4-BE49-F238E27FC236}">
+                <a16:creationId xmlns:a16="http://schemas.microsoft.com/office/drawing/2014/main" id="{133C3C63-E79A-599D-1676-E03EF839E5FF}"/>
+              </a:ext>
+            </a:extLst>
+          </p:cNvPr>
+          <p:cNvPicPr>
+            <a:picLocks noChangeAspect="1"/>
+          </p:cNvPicPr>
+          <p:nvPr/>
+        </p:nvPicPr>
+        <p:blipFill>
+          <a:blip r:embed="rId4"/>
+          <a:stretch>
+            <a:fillRect/>
+          </a:stretch>
+        </p:blipFill>
+        <p:spPr>
+          <a:xfrm>
+            <a:off x="4100399" y="3429000"/>
+            <a:ext cx="1176451" cy="1038855"/>
+          </a:xfrm>
+          <a:prstGeom prst="rect">
+            <a:avLst/>
+          </a:prstGeom>
+        </p:spPr>
+      </p:pic>
+      <p:sp>
+        <p:nvSpPr>
+          <p:cNvPr id="3" name="Oval 2">
+            <a:extLst>
+              <a:ext uri="{FF2B5EF4-FFF2-40B4-BE49-F238E27FC236}">
+                <a16:creationId xmlns:a16="http://schemas.microsoft.com/office/drawing/2014/main" id="{DE01F4D5-72A3-9594-3BFD-2A30E6988ED6}"/>
+              </a:ext>
+            </a:extLst>
+          </p:cNvPr>
+          <p:cNvSpPr/>
+          <p:nvPr/>
+        </p:nvSpPr>
+        <p:spPr>
+          <a:xfrm>
+            <a:off x="2428875" y="1949197"/>
+            <a:ext cx="590550" cy="590550"/>
+          </a:xfrm>
+          <a:prstGeom prst="ellipse">
+            <a:avLst/>
+          </a:prstGeom>
+        </p:spPr>
+        <p:style>
+          <a:lnRef idx="2">
+            <a:schemeClr val="accent6">
+              <a:shade val="15000"/>
+            </a:schemeClr>
+          </a:lnRef>
+          <a:fillRef idx="1">
+            <a:schemeClr val="accent6"/>
+          </a:fillRef>
+          <a:effectRef idx="0">
+            <a:schemeClr val="accent6"/>
+          </a:effectRef>
+          <a:fontRef idx="minor">
+            <a:schemeClr val="lt1"/>
+          </a:fontRef>
+        </p:style>
+        <p:txBody>
+          <a:bodyPr rtlCol="0" anchor="ctr"/>
+          <a:lstStyle/>
+          <a:p>
+            <a:pPr algn="ctr"/>
+            <a:endParaRPr lang="en-US"/>
+          </a:p>
+        </p:txBody>
+      </p:sp>
+      <p:sp>
+        <p:nvSpPr>
+          <p:cNvPr id="4" name="Oval 3">
+            <a:extLst>
+              <a:ext uri="{FF2B5EF4-FFF2-40B4-BE49-F238E27FC236}">
+                <a16:creationId xmlns:a16="http://schemas.microsoft.com/office/drawing/2014/main" id="{FFBB154A-CEF2-2DDF-5B36-2A774DD5D206}"/>
+              </a:ext>
+            </a:extLst>
+          </p:cNvPr>
+          <p:cNvSpPr/>
+          <p:nvPr/>
+        </p:nvSpPr>
+        <p:spPr>
+          <a:xfrm>
+            <a:off x="9163050" y="1949197"/>
+            <a:ext cx="590550" cy="590550"/>
+          </a:xfrm>
+          <a:prstGeom prst="ellipse">
+            <a:avLst/>
+          </a:prstGeom>
+        </p:spPr>
+        <p:style>
+          <a:lnRef idx="2">
+            <a:schemeClr val="accent4">
+              <a:shade val="15000"/>
+            </a:schemeClr>
+          </a:lnRef>
+          <a:fillRef idx="1">
+            <a:schemeClr val="accent4"/>
+          </a:fillRef>
+          <a:effectRef idx="0">
+            <a:schemeClr val="accent4"/>
+          </a:effectRef>
+          <a:fontRef idx="minor">
+            <a:schemeClr val="lt1"/>
+          </a:fontRef>
+        </p:style>
+        <p:txBody>
+          <a:bodyPr rtlCol="0" anchor="ctr"/>
+          <a:lstStyle/>
+          <a:p>
+            <a:pPr algn="ctr"/>
+            <a:endParaRPr lang="en-US"/>
+          </a:p>
+        </p:txBody>
+      </p:sp>
+      <p:sp>
+        <p:nvSpPr>
+          <p:cNvPr id="10" name="Oval 9">
+            <a:extLst>
+              <a:ext uri="{FF2B5EF4-FFF2-40B4-BE49-F238E27FC236}">
+                <a16:creationId xmlns:a16="http://schemas.microsoft.com/office/drawing/2014/main" id="{84630320-8409-2A15-D10C-C761361F228D}"/>
+              </a:ext>
+            </a:extLst>
+          </p:cNvPr>
+          <p:cNvSpPr/>
+          <p:nvPr/>
+        </p:nvSpPr>
+        <p:spPr>
+          <a:xfrm>
+            <a:off x="2428875" y="2670799"/>
+            <a:ext cx="590550" cy="590550"/>
+          </a:xfrm>
+          <a:prstGeom prst="ellipse">
+            <a:avLst/>
+          </a:prstGeom>
+        </p:spPr>
+        <p:style>
+          <a:lnRef idx="2">
+            <a:schemeClr val="accent6">
+              <a:shade val="15000"/>
+            </a:schemeClr>
+          </a:lnRef>
+          <a:fillRef idx="1">
+            <a:schemeClr val="accent6"/>
+          </a:fillRef>
+          <a:effectRef idx="0">
+            <a:schemeClr val="accent6"/>
+          </a:effectRef>
+          <a:fontRef idx="minor">
+            <a:schemeClr val="lt1"/>
+          </a:fontRef>
+        </p:style>
+        <p:txBody>
+          <a:bodyPr rtlCol="0" anchor="ctr"/>
+          <a:lstStyle/>
+          <a:p>
+            <a:pPr algn="ctr"/>
+            <a:endParaRPr lang="en-US"/>
+          </a:p>
+        </p:txBody>
+      </p:sp>
+      <p:sp>
+        <p:nvSpPr>
+          <p:cNvPr id="12" name="Oval 11">
+            <a:extLst>
+              <a:ext uri="{FF2B5EF4-FFF2-40B4-BE49-F238E27FC236}">
+                <a16:creationId xmlns:a16="http://schemas.microsoft.com/office/drawing/2014/main" id="{BD4A2849-182D-F740-F282-EF40E40FD61A}"/>
+              </a:ext>
+            </a:extLst>
+          </p:cNvPr>
+          <p:cNvSpPr/>
+          <p:nvPr/>
+        </p:nvSpPr>
+        <p:spPr>
+          <a:xfrm>
+            <a:off x="9163050" y="2670799"/>
+            <a:ext cx="590550" cy="590550"/>
+          </a:xfrm>
+          <a:prstGeom prst="ellipse">
+            <a:avLst/>
+          </a:prstGeom>
+        </p:spPr>
+        <p:style>
+          <a:lnRef idx="2">
+            <a:schemeClr val="accent4">
+              <a:shade val="15000"/>
+            </a:schemeClr>
+          </a:lnRef>
+          <a:fillRef idx="1">
+            <a:schemeClr val="accent4"/>
+          </a:fillRef>
+          <a:effectRef idx="0">
+            <a:schemeClr val="accent4"/>
+          </a:effectRef>
+          <a:fontRef idx="minor">
+            <a:schemeClr val="lt1"/>
+          </a:fontRef>
+        </p:style>
+        <p:txBody>
+          <a:bodyPr rtlCol="0" anchor="ctr"/>
+          <a:lstStyle/>
+          <a:p>
+            <a:pPr algn="ctr"/>
+            <a:endParaRPr lang="en-US"/>
+          </a:p>
+        </p:txBody>
+      </p:sp>
+      <p:sp>
+        <p:nvSpPr>
+          <p:cNvPr id="15" name="Oval 14">
+            <a:extLst>
+              <a:ext uri="{FF2B5EF4-FFF2-40B4-BE49-F238E27FC236}">
+                <a16:creationId xmlns:a16="http://schemas.microsoft.com/office/drawing/2014/main" id="{5D026E25-8707-AC6B-C224-AB87CD575EC4}"/>
+              </a:ext>
+            </a:extLst>
+          </p:cNvPr>
+          <p:cNvSpPr/>
+          <p:nvPr/>
+        </p:nvSpPr>
+        <p:spPr>
+          <a:xfrm>
+            <a:off x="2428875" y="3392401"/>
+            <a:ext cx="590550" cy="590550"/>
+          </a:xfrm>
+          <a:prstGeom prst="ellipse">
+            <a:avLst/>
+          </a:prstGeom>
+        </p:spPr>
+        <p:style>
+          <a:lnRef idx="2">
+            <a:schemeClr val="accent6">
+              <a:shade val="15000"/>
+            </a:schemeClr>
+          </a:lnRef>
+          <a:fillRef idx="1">
+            <a:schemeClr val="accent6"/>
+          </a:fillRef>
+          <a:effectRef idx="0">
+            <a:schemeClr val="accent6"/>
+          </a:effectRef>
+          <a:fontRef idx="minor">
+            <a:schemeClr val="lt1"/>
+          </a:fontRef>
+        </p:style>
+        <p:txBody>
+          <a:bodyPr rtlCol="0" anchor="ctr"/>
+          <a:lstStyle/>
+          <a:p>
+            <a:pPr algn="ctr"/>
+            <a:endParaRPr lang="en-US"/>
+          </a:p>
+        </p:txBody>
+      </p:sp>
+      <p:sp>
+        <p:nvSpPr>
+          <p:cNvPr id="16" name="Oval 15">
+            <a:extLst>
+              <a:ext uri="{FF2B5EF4-FFF2-40B4-BE49-F238E27FC236}">
+                <a16:creationId xmlns:a16="http://schemas.microsoft.com/office/drawing/2014/main" id="{C2DD2665-FE1A-50F0-3B03-E077C0DD15A5}"/>
+              </a:ext>
+            </a:extLst>
+          </p:cNvPr>
+          <p:cNvSpPr/>
+          <p:nvPr/>
+        </p:nvSpPr>
+        <p:spPr>
+          <a:xfrm>
+            <a:off x="9163050" y="3392401"/>
+            <a:ext cx="590550" cy="590550"/>
+          </a:xfrm>
+          <a:prstGeom prst="ellipse">
+            <a:avLst/>
+          </a:prstGeom>
+        </p:spPr>
+        <p:style>
+          <a:lnRef idx="2">
+            <a:schemeClr val="accent4">
+              <a:shade val="15000"/>
+            </a:schemeClr>
+          </a:lnRef>
+          <a:fillRef idx="1">
+            <a:schemeClr val="accent4"/>
+          </a:fillRef>
+          <a:effectRef idx="0">
+            <a:schemeClr val="accent4"/>
+          </a:effectRef>
+          <a:fontRef idx="minor">
+            <a:schemeClr val="lt1"/>
+          </a:fontRef>
+        </p:style>
+        <p:txBody>
+          <a:bodyPr rtlCol="0" anchor="ctr"/>
+          <a:lstStyle/>
+          <a:p>
+            <a:pPr algn="ctr"/>
+            <a:endParaRPr lang="en-US"/>
+          </a:p>
+        </p:txBody>
+      </p:sp>
+      <p:sp>
+        <p:nvSpPr>
+          <p:cNvPr id="18" name="Oval 17">
+            <a:extLst>
+              <a:ext uri="{FF2B5EF4-FFF2-40B4-BE49-F238E27FC236}">
+                <a16:creationId xmlns:a16="http://schemas.microsoft.com/office/drawing/2014/main" id="{FBFD3F18-9559-6750-E062-1916229EFB7C}"/>
+              </a:ext>
+            </a:extLst>
+          </p:cNvPr>
+          <p:cNvSpPr/>
+          <p:nvPr/>
+        </p:nvSpPr>
+        <p:spPr>
+          <a:xfrm>
+            <a:off x="2428875" y="4114003"/>
+            <a:ext cx="590550" cy="590550"/>
+          </a:xfrm>
+          <a:prstGeom prst="ellipse">
+            <a:avLst/>
+          </a:prstGeom>
+        </p:spPr>
+        <p:style>
+          <a:lnRef idx="2">
+            <a:schemeClr val="accent6">
+              <a:shade val="15000"/>
+            </a:schemeClr>
+          </a:lnRef>
+          <a:fillRef idx="1">
+            <a:schemeClr val="accent6"/>
+          </a:fillRef>
+          <a:effectRef idx="0">
+            <a:schemeClr val="accent6"/>
+          </a:effectRef>
+          <a:fontRef idx="minor">
+            <a:schemeClr val="lt1"/>
+          </a:fontRef>
+        </p:style>
+        <p:txBody>
+          <a:bodyPr rtlCol="0" anchor="ctr"/>
+          <a:lstStyle/>
+          <a:p>
+            <a:pPr algn="ctr"/>
+            <a:endParaRPr lang="en-US"/>
+          </a:p>
+        </p:txBody>
+      </p:sp>
+      <p:sp>
+        <p:nvSpPr>
+          <p:cNvPr id="19" name="Oval 18">
+            <a:extLst>
+              <a:ext uri="{FF2B5EF4-FFF2-40B4-BE49-F238E27FC236}">
+                <a16:creationId xmlns:a16="http://schemas.microsoft.com/office/drawing/2014/main" id="{F3032E02-1063-B99A-E440-C3AA35B984ED}"/>
+              </a:ext>
+            </a:extLst>
+          </p:cNvPr>
+          <p:cNvSpPr/>
+          <p:nvPr/>
+        </p:nvSpPr>
+        <p:spPr>
+          <a:xfrm>
+            <a:off x="9163050" y="4114003"/>
+            <a:ext cx="590550" cy="590550"/>
+          </a:xfrm>
+          <a:prstGeom prst="ellipse">
+            <a:avLst/>
+          </a:prstGeom>
+        </p:spPr>
+        <p:style>
+          <a:lnRef idx="2">
+            <a:schemeClr val="accent4">
+              <a:shade val="15000"/>
+            </a:schemeClr>
+          </a:lnRef>
+          <a:fillRef idx="1">
+            <a:schemeClr val="accent4"/>
+          </a:fillRef>
+          <a:effectRef idx="0">
+            <a:schemeClr val="accent4"/>
+          </a:effectRef>
+          <a:fontRef idx="minor">
+            <a:schemeClr val="lt1"/>
+          </a:fontRef>
+        </p:style>
+        <p:txBody>
+          <a:bodyPr rtlCol="0" anchor="ctr"/>
+          <a:lstStyle/>
+          <a:p>
+            <a:pPr algn="ctr"/>
+            <a:endParaRPr lang="en-US"/>
+          </a:p>
+        </p:txBody>
+      </p:sp>
+      <p:sp>
+        <p:nvSpPr>
+          <p:cNvPr id="21" name="Oval 20">
+            <a:extLst>
+              <a:ext uri="{FF2B5EF4-FFF2-40B4-BE49-F238E27FC236}">
+                <a16:creationId xmlns:a16="http://schemas.microsoft.com/office/drawing/2014/main" id="{4F68B17D-04B2-4470-5042-0BBF7D1FE11B}"/>
+              </a:ext>
+            </a:extLst>
+          </p:cNvPr>
+          <p:cNvSpPr/>
+          <p:nvPr/>
+        </p:nvSpPr>
+        <p:spPr>
+          <a:xfrm>
+            <a:off x="2428875" y="4835605"/>
+            <a:ext cx="590550" cy="590550"/>
+          </a:xfrm>
+          <a:prstGeom prst="ellipse">
+            <a:avLst/>
+          </a:prstGeom>
+        </p:spPr>
+        <p:style>
+          <a:lnRef idx="2">
+            <a:schemeClr val="accent6">
+              <a:shade val="15000"/>
+            </a:schemeClr>
+          </a:lnRef>
+          <a:fillRef idx="1">
+            <a:schemeClr val="accent6"/>
+          </a:fillRef>
+          <a:effectRef idx="0">
+            <a:schemeClr val="accent6"/>
+          </a:effectRef>
+          <a:fontRef idx="minor">
+            <a:schemeClr val="lt1"/>
+          </a:fontRef>
+        </p:style>
+        <p:txBody>
+          <a:bodyPr rtlCol="0" anchor="ctr"/>
+          <a:lstStyle/>
+          <a:p>
+            <a:pPr algn="ctr"/>
+            <a:endParaRPr lang="en-US"/>
+          </a:p>
+        </p:txBody>
+      </p:sp>
+      <p:sp>
+        <p:nvSpPr>
+          <p:cNvPr id="22" name="Oval 21">
+            <a:extLst>
+              <a:ext uri="{FF2B5EF4-FFF2-40B4-BE49-F238E27FC236}">
+                <a16:creationId xmlns:a16="http://schemas.microsoft.com/office/drawing/2014/main" id="{C50149A1-7CEA-BA5E-20D0-08216A874BDD}"/>
+              </a:ext>
+            </a:extLst>
+          </p:cNvPr>
+          <p:cNvSpPr/>
+          <p:nvPr/>
+        </p:nvSpPr>
+        <p:spPr>
+          <a:xfrm>
+            <a:off x="9163050" y="4835605"/>
+            <a:ext cx="590550" cy="590550"/>
+          </a:xfrm>
+          <a:prstGeom prst="ellipse">
+            <a:avLst/>
+          </a:prstGeom>
+        </p:spPr>
+        <p:style>
+          <a:lnRef idx="2">
+            <a:schemeClr val="accent4">
+              <a:shade val="15000"/>
+            </a:schemeClr>
+          </a:lnRef>
+          <a:fillRef idx="1">
+            <a:schemeClr val="accent4"/>
+          </a:fillRef>
+          <a:effectRef idx="0">
+            <a:schemeClr val="accent4"/>
+          </a:effectRef>
+          <a:fontRef idx="minor">
+            <a:schemeClr val="lt1"/>
+          </a:fontRef>
+        </p:style>
+        <p:txBody>
+          <a:bodyPr rtlCol="0" anchor="ctr"/>
+          <a:lstStyle/>
+          <a:p>
+            <a:pPr algn="ctr"/>
+            <a:endParaRPr lang="en-US"/>
+          </a:p>
+        </p:txBody>
+      </p:sp>
+      <p:sp>
+        <p:nvSpPr>
+          <p:cNvPr id="24" name="Oval 23">
+            <a:extLst>
+              <a:ext uri="{FF2B5EF4-FFF2-40B4-BE49-F238E27FC236}">
+                <a16:creationId xmlns:a16="http://schemas.microsoft.com/office/drawing/2014/main" id="{7CE4F417-55AF-A893-702E-946218FC8814}"/>
+              </a:ext>
+            </a:extLst>
+          </p:cNvPr>
+          <p:cNvSpPr/>
+          <p:nvPr/>
+        </p:nvSpPr>
+        <p:spPr>
+          <a:xfrm>
+            <a:off x="2428875" y="5557208"/>
+            <a:ext cx="590550" cy="590550"/>
+          </a:xfrm>
+          <a:prstGeom prst="ellipse">
+            <a:avLst/>
+          </a:prstGeom>
+        </p:spPr>
+        <p:style>
+          <a:lnRef idx="2">
+            <a:schemeClr val="accent6">
+              <a:shade val="15000"/>
+            </a:schemeClr>
+          </a:lnRef>
+          <a:fillRef idx="1">
+            <a:schemeClr val="accent6"/>
+          </a:fillRef>
+          <a:effectRef idx="0">
+            <a:schemeClr val="accent6"/>
+          </a:effectRef>
+          <a:fontRef idx="minor">
+            <a:schemeClr val="lt1"/>
+          </a:fontRef>
+        </p:style>
+        <p:txBody>
+          <a:bodyPr rtlCol="0" anchor="ctr"/>
+          <a:lstStyle/>
+          <a:p>
+            <a:pPr algn="ctr"/>
+            <a:endParaRPr lang="en-US"/>
+          </a:p>
+        </p:txBody>
+      </p:sp>
+      <p:sp>
+        <p:nvSpPr>
+          <p:cNvPr id="25" name="Oval 24">
+            <a:extLst>
+              <a:ext uri="{FF2B5EF4-FFF2-40B4-BE49-F238E27FC236}">
+                <a16:creationId xmlns:a16="http://schemas.microsoft.com/office/drawing/2014/main" id="{2EE84DE7-2694-87DC-8AE1-AFACBF890FC6}"/>
+              </a:ext>
+            </a:extLst>
+          </p:cNvPr>
+          <p:cNvSpPr/>
+          <p:nvPr/>
+        </p:nvSpPr>
+        <p:spPr>
+          <a:xfrm>
+            <a:off x="9163050" y="5557208"/>
+            <a:ext cx="590550" cy="590550"/>
+          </a:xfrm>
+          <a:prstGeom prst="ellipse">
+            <a:avLst/>
+          </a:prstGeom>
+        </p:spPr>
+        <p:style>
+          <a:lnRef idx="2">
+            <a:schemeClr val="accent4">
+              <a:shade val="15000"/>
+            </a:schemeClr>
+          </a:lnRef>
+          <a:fillRef idx="1">
+            <a:schemeClr val="accent4"/>
+          </a:fillRef>
+          <a:effectRef idx="0">
+            <a:schemeClr val="accent4"/>
+          </a:effectRef>
+          <a:fontRef idx="minor">
+            <a:schemeClr val="lt1"/>
+          </a:fontRef>
+        </p:style>
+        <p:txBody>
+          <a:bodyPr rtlCol="0" anchor="ctr"/>
+          <a:lstStyle/>
+          <a:p>
+            <a:pPr algn="ctr"/>
+            <a:endParaRPr lang="en-US"/>
+          </a:p>
+        </p:txBody>
+      </p:sp>
+    </p:spTree>
+    <p:extLst>
+      <p:ext uri="{BB962C8B-B14F-4D97-AF65-F5344CB8AC3E}">
+        <p14:creationId xmlns:p14="http://schemas.microsoft.com/office/powerpoint/2010/main" val="3158027734"/>
+      </p:ext>
+    </p:extLst>
+  </p:cSld>
+  <p:clrMapOvr>
+    <a:masterClrMapping/>
+  </p:clrMapOvr>
+  <p:timing>
+    <p:tnLst>
+      <p:par>
+        <p:cTn id="1" dur="indefinite" restart="never" nodeType="tmRoot">
+          <p:childTnLst>
+            <p:seq concurrent="1" nextAc="seek">
+              <p:cTn id="2" dur="indefinite" nodeType="mainSeq">
+                <p:childTnLst>
+                  <p:par>
+                    <p:cTn id="3" fill="hold">
+                      <p:stCondLst>
+                        <p:cond delay="indefinite"/>
+                      </p:stCondLst>
+                      <p:childTnLst>
+                        <p:par>
+                          <p:cTn id="4" fill="hold">
+                            <p:stCondLst>
+                              <p:cond delay="0"/>
+                            </p:stCondLst>
+                            <p:childTnLst>
+                              <p:par>
+                                <p:cTn id="5" presetID="10" presetClass="entr" presetSubtype="0" fill="hold" grpId="0" nodeType="clickEffect">
+                                  <p:stCondLst>
+                                    <p:cond delay="0"/>
+                                  </p:stCondLst>
+                                  <p:childTnLst>
+                                    <p:set>
+                                      <p:cBhvr>
+                                        <p:cTn id="6" dur="1" fill="hold">
+                                          <p:stCondLst>
+                                            <p:cond delay="0"/>
+                                          </p:stCondLst>
+                                        </p:cTn>
+                                        <p:tgtEl>
+                                          <p:spTgt spid="3"/>
+                                        </p:tgtEl>
+                                        <p:attrNameLst>
+                                          <p:attrName>style.visibility</p:attrName>
+                                        </p:attrNameLst>
+                                      </p:cBhvr>
+                                      <p:to>
+                                        <p:strVal val="visible"/>
+                                      </p:to>
+                                    </p:set>
+                                    <p:animEffect transition="in" filter="fade">
+                                      <p:cBhvr>
+                                        <p:cTn id="7" dur="500"/>
+                                        <p:tgtEl>
+                                          <p:spTgt spid="3"/>
+                                        </p:tgtEl>
+                                      </p:cBhvr>
+                                    </p:animEffect>
+                                  </p:childTnLst>
+                                </p:cTn>
+                              </p:par>
+                            </p:childTnLst>
+                          </p:cTn>
+                        </p:par>
+                        <p:par>
+                          <p:cTn id="8" fill="hold">
+                            <p:stCondLst>
+                              <p:cond delay="500"/>
+                            </p:stCondLst>
+                            <p:childTnLst>
+                              <p:par>
+                                <p:cTn id="9" presetID="10" presetClass="entr" presetSubtype="0" fill="hold" grpId="0" nodeType="afterEffect">
+                                  <p:stCondLst>
+                                    <p:cond delay="0"/>
+                                  </p:stCondLst>
+                                  <p:childTnLst>
+                                    <p:set>
+                                      <p:cBhvr>
+                                        <p:cTn id="10" dur="1" fill="hold">
+                                          <p:stCondLst>
+                                            <p:cond delay="0"/>
+                                          </p:stCondLst>
+                                        </p:cTn>
+                                        <p:tgtEl>
+                                          <p:spTgt spid="4"/>
+                                        </p:tgtEl>
+                                        <p:attrNameLst>
+                                          <p:attrName>style.visibility</p:attrName>
+                                        </p:attrNameLst>
+                                      </p:cBhvr>
+                                      <p:to>
+                                        <p:strVal val="visible"/>
+                                      </p:to>
+                                    </p:set>
+                                    <p:animEffect transition="in" filter="fade">
+                                      <p:cBhvr>
+                                        <p:cTn id="11" dur="500"/>
+                                        <p:tgtEl>
+                                          <p:spTgt spid="4"/>
+                                        </p:tgtEl>
+                                      </p:cBhvr>
+                                    </p:animEffect>
+                                  </p:childTnLst>
+                                </p:cTn>
+                              </p:par>
+                            </p:childTnLst>
+                          </p:cTn>
+                        </p:par>
+                        <p:par>
+                          <p:cTn id="12" fill="hold">
+                            <p:stCondLst>
+                              <p:cond delay="1000"/>
+                            </p:stCondLst>
+                            <p:childTnLst>
+                              <p:par>
+                                <p:cTn id="13" presetID="32" presetClass="emph" presetSubtype="0" fill="hold" nodeType="afterEffect">
+                                  <p:stCondLst>
+                                    <p:cond delay="0"/>
+                                  </p:stCondLst>
+                                  <p:childTnLst>
+                                    <p:animRot by="120000">
+                                      <p:cBhvr>
+                                        <p:cTn id="14" dur="100" fill="hold">
+                                          <p:stCondLst>
+                                            <p:cond delay="0"/>
+                                          </p:stCondLst>
+                                        </p:cTn>
+                                        <p:tgtEl>
+                                          <p:spTgt spid="13"/>
+                                        </p:tgtEl>
+                                        <p:attrNameLst>
+                                          <p:attrName>r</p:attrName>
+                                        </p:attrNameLst>
+                                      </p:cBhvr>
+                                    </p:animRot>
+                                    <p:animRot by="-240000">
+                                      <p:cBhvr>
+                                        <p:cTn id="15" dur="200" fill="hold">
+                                          <p:stCondLst>
+                                            <p:cond delay="200"/>
+                                          </p:stCondLst>
+                                        </p:cTn>
+                                        <p:tgtEl>
+                                          <p:spTgt spid="13"/>
+                                        </p:tgtEl>
+                                        <p:attrNameLst>
+                                          <p:attrName>r</p:attrName>
+                                        </p:attrNameLst>
+                                      </p:cBhvr>
+                                    </p:animRot>
+                                    <p:animRot by="240000">
+                                      <p:cBhvr>
+                                        <p:cTn id="16" dur="200" fill="hold">
+                                          <p:stCondLst>
+                                            <p:cond delay="400"/>
+                                          </p:stCondLst>
+                                        </p:cTn>
+                                        <p:tgtEl>
+                                          <p:spTgt spid="13"/>
+                                        </p:tgtEl>
+                                        <p:attrNameLst>
+                                          <p:attrName>r</p:attrName>
+                                        </p:attrNameLst>
+                                      </p:cBhvr>
+                                    </p:animRot>
+                                    <p:animRot by="-240000">
+                                      <p:cBhvr>
+                                        <p:cTn id="17" dur="200" fill="hold">
+                                          <p:stCondLst>
+                                            <p:cond delay="600"/>
+                                          </p:stCondLst>
+                                        </p:cTn>
+                                        <p:tgtEl>
+                                          <p:spTgt spid="13"/>
+                                        </p:tgtEl>
+                                        <p:attrNameLst>
+                                          <p:attrName>r</p:attrName>
+                                        </p:attrNameLst>
+                                      </p:cBhvr>
+                                    </p:animRot>
+                                    <p:animRot by="120000">
+                                      <p:cBhvr>
+                                        <p:cTn id="18" dur="200" fill="hold">
+                                          <p:stCondLst>
+                                            <p:cond delay="800"/>
+                                          </p:stCondLst>
+                                        </p:cTn>
+                                        <p:tgtEl>
+                                          <p:spTgt spid="13"/>
+                                        </p:tgtEl>
+                                        <p:attrNameLst>
+                                          <p:attrName>r</p:attrName>
+                                        </p:attrNameLst>
+                                      </p:cBhvr>
+                                    </p:animRot>
+                                  </p:childTnLst>
+                                </p:cTn>
+                              </p:par>
+                            </p:childTnLst>
+                          </p:cTn>
+                        </p:par>
+                        <p:par>
+                          <p:cTn id="19" fill="hold">
+                            <p:stCondLst>
+                              <p:cond delay="2000"/>
+                            </p:stCondLst>
+                            <p:childTnLst>
+                              <p:par>
+                                <p:cTn id="20" presetID="10" presetClass="entr" presetSubtype="0" fill="hold" grpId="0" nodeType="afterEffect">
+                                  <p:stCondLst>
+                                    <p:cond delay="0"/>
+                                  </p:stCondLst>
+                                  <p:childTnLst>
+                                    <p:set>
+                                      <p:cBhvr>
+                                        <p:cTn id="21" dur="1" fill="hold">
+                                          <p:stCondLst>
+                                            <p:cond delay="0"/>
+                                          </p:stCondLst>
+                                        </p:cTn>
+                                        <p:tgtEl>
+                                          <p:spTgt spid="10"/>
+                                        </p:tgtEl>
+                                        <p:attrNameLst>
+                                          <p:attrName>style.visibility</p:attrName>
+                                        </p:attrNameLst>
+                                      </p:cBhvr>
+                                      <p:to>
+                                        <p:strVal val="visible"/>
+                                      </p:to>
+                                    </p:set>
+                                    <p:animEffect transition="in" filter="fade">
+                                      <p:cBhvr>
+                                        <p:cTn id="22" dur="500"/>
+                                        <p:tgtEl>
+                                          <p:spTgt spid="10"/>
+                                        </p:tgtEl>
+                                      </p:cBhvr>
+                                    </p:animEffect>
+                                  </p:childTnLst>
+                                </p:cTn>
+                              </p:par>
+                            </p:childTnLst>
+                          </p:cTn>
+                        </p:par>
+                        <p:par>
+                          <p:cTn id="23" fill="hold">
+                            <p:stCondLst>
+                              <p:cond delay="2500"/>
+                            </p:stCondLst>
+                            <p:childTnLst>
+                              <p:par>
+                                <p:cTn id="24" presetID="10" presetClass="entr" presetSubtype="0" fill="hold" grpId="0" nodeType="afterEffect">
+                                  <p:stCondLst>
+                                    <p:cond delay="0"/>
+                                  </p:stCondLst>
+                                  <p:childTnLst>
+                                    <p:set>
+                                      <p:cBhvr>
+                                        <p:cTn id="25" dur="1" fill="hold">
+                                          <p:stCondLst>
+                                            <p:cond delay="0"/>
+                                          </p:stCondLst>
+                                        </p:cTn>
+                                        <p:tgtEl>
+                                          <p:spTgt spid="12"/>
+                                        </p:tgtEl>
+                                        <p:attrNameLst>
+                                          <p:attrName>style.visibility</p:attrName>
+                                        </p:attrNameLst>
+                                      </p:cBhvr>
+                                      <p:to>
+                                        <p:strVal val="visible"/>
+                                      </p:to>
+                                    </p:set>
+                                    <p:animEffect transition="in" filter="fade">
+                                      <p:cBhvr>
+                                        <p:cTn id="26" dur="500"/>
+                                        <p:tgtEl>
+                                          <p:spTgt spid="12"/>
+                                        </p:tgtEl>
+                                      </p:cBhvr>
+                                    </p:animEffect>
+                                  </p:childTnLst>
+                                </p:cTn>
+                              </p:par>
+                            </p:childTnLst>
+                          </p:cTn>
+                        </p:par>
+                        <p:par>
+                          <p:cTn id="27" fill="hold">
+                            <p:stCondLst>
+                              <p:cond delay="3000"/>
+                            </p:stCondLst>
+                            <p:childTnLst>
+                              <p:par>
+                                <p:cTn id="28" presetID="26" presetClass="emph" presetSubtype="0" fill="hold" nodeType="afterEffect">
+                                  <p:stCondLst>
+                                    <p:cond delay="0"/>
+                                  </p:stCondLst>
+                                  <p:childTnLst>
+                                    <p:animEffect transition="out" filter="fade">
+                                      <p:cBhvr>
+                                        <p:cTn id="29" dur="1000" tmFilter="0, 0; .2, .5; .8, .5; 1, 0"/>
+                                        <p:tgtEl>
+                                          <p:spTgt spid="13"/>
+                                        </p:tgtEl>
+                                      </p:cBhvr>
+                                    </p:animEffect>
+                                    <p:animScale>
+                                      <p:cBhvr>
+                                        <p:cTn id="30" dur="500" autoRev="1" fill="hold"/>
+                                        <p:tgtEl>
+                                          <p:spTgt spid="13"/>
+                                        </p:tgtEl>
+                                      </p:cBhvr>
+                                      <p:by x="105000" y="105000"/>
+                                    </p:animScale>
+                                  </p:childTnLst>
+                                </p:cTn>
+                              </p:par>
+                            </p:childTnLst>
+                          </p:cTn>
+                        </p:par>
+                        <p:par>
+                          <p:cTn id="31" fill="hold">
+                            <p:stCondLst>
+                              <p:cond delay="4000"/>
+                            </p:stCondLst>
+                            <p:childTnLst>
+                              <p:par>
+                                <p:cTn id="32" presetID="10" presetClass="entr" presetSubtype="0" fill="hold" grpId="0" nodeType="afterEffect">
+                                  <p:stCondLst>
+                                    <p:cond delay="0"/>
+                                  </p:stCondLst>
+                                  <p:childTnLst>
+                                    <p:set>
+                                      <p:cBhvr>
+                                        <p:cTn id="33" dur="1" fill="hold">
+                                          <p:stCondLst>
+                                            <p:cond delay="0"/>
+                                          </p:stCondLst>
+                                        </p:cTn>
+                                        <p:tgtEl>
+                                          <p:spTgt spid="15"/>
+                                        </p:tgtEl>
+                                        <p:attrNameLst>
+                                          <p:attrName>style.visibility</p:attrName>
+                                        </p:attrNameLst>
+                                      </p:cBhvr>
+                                      <p:to>
+                                        <p:strVal val="visible"/>
+                                      </p:to>
+                                    </p:set>
+                                    <p:animEffect transition="in" filter="fade">
+                                      <p:cBhvr>
+                                        <p:cTn id="34" dur="500"/>
+                                        <p:tgtEl>
+                                          <p:spTgt spid="15"/>
+                                        </p:tgtEl>
+                                      </p:cBhvr>
+                                    </p:animEffect>
+                                  </p:childTnLst>
+                                </p:cTn>
+                              </p:par>
+                              <p:par>
+                                <p:cTn id="35" presetID="10" presetClass="entr" presetSubtype="0" fill="hold" grpId="0" nodeType="withEffect">
+                                  <p:stCondLst>
+                                    <p:cond delay="0"/>
+                                  </p:stCondLst>
+                                  <p:childTnLst>
+                                    <p:set>
+                                      <p:cBhvr>
+                                        <p:cTn id="36" dur="1" fill="hold">
+                                          <p:stCondLst>
+                                            <p:cond delay="0"/>
+                                          </p:stCondLst>
+                                        </p:cTn>
+                                        <p:tgtEl>
+                                          <p:spTgt spid="16"/>
+                                        </p:tgtEl>
+                                        <p:attrNameLst>
+                                          <p:attrName>style.visibility</p:attrName>
+                                        </p:attrNameLst>
+                                      </p:cBhvr>
+                                      <p:to>
+                                        <p:strVal val="visible"/>
+                                      </p:to>
+                                    </p:set>
+                                    <p:animEffect transition="in" filter="fade">
+                                      <p:cBhvr>
+                                        <p:cTn id="37" dur="500"/>
+                                        <p:tgtEl>
+                                          <p:spTgt spid="16"/>
+                                        </p:tgtEl>
+                                      </p:cBhvr>
+                                    </p:animEffect>
+                                  </p:childTnLst>
+                                </p:cTn>
+                              </p:par>
+                            </p:childTnLst>
+                          </p:cTn>
+                        </p:par>
+                        <p:par>
+                          <p:cTn id="38" fill="hold">
+                            <p:stCondLst>
+                              <p:cond delay="4500"/>
+                            </p:stCondLst>
+                            <p:childTnLst>
+                              <p:par>
+                                <p:cTn id="39" presetID="8" presetClass="emph" presetSubtype="0" fill="hold" nodeType="afterEffect">
+                                  <p:stCondLst>
+                                    <p:cond delay="0"/>
+                                  </p:stCondLst>
+                                  <p:childTnLst>
+                                    <p:animRot by="10800000">
+                                      <p:cBhvr>
+                                        <p:cTn id="40" dur="1000" fill="hold"/>
+                                        <p:tgtEl>
+                                          <p:spTgt spid="13"/>
+                                        </p:tgtEl>
+                                        <p:attrNameLst>
+                                          <p:attrName>r</p:attrName>
+                                        </p:attrNameLst>
+                                      </p:cBhvr>
+                                    </p:animRot>
+                                  </p:childTnLst>
+                                </p:cTn>
+                              </p:par>
+                            </p:childTnLst>
+                          </p:cTn>
+                        </p:par>
+                        <p:par>
+                          <p:cTn id="41" fill="hold">
+                            <p:stCondLst>
+                              <p:cond delay="5500"/>
+                            </p:stCondLst>
+                            <p:childTnLst>
+                              <p:par>
+                                <p:cTn id="42" presetID="10" presetClass="entr" presetSubtype="0" fill="hold" grpId="0" nodeType="afterEffect">
+                                  <p:stCondLst>
+                                    <p:cond delay="0"/>
+                                  </p:stCondLst>
+                                  <p:childTnLst>
+                                    <p:set>
+                                      <p:cBhvr>
+                                        <p:cTn id="43" dur="1" fill="hold">
+                                          <p:stCondLst>
+                                            <p:cond delay="0"/>
+                                          </p:stCondLst>
+                                        </p:cTn>
+                                        <p:tgtEl>
+                                          <p:spTgt spid="18"/>
+                                        </p:tgtEl>
+                                        <p:attrNameLst>
+                                          <p:attrName>style.visibility</p:attrName>
+                                        </p:attrNameLst>
+                                      </p:cBhvr>
+                                      <p:to>
+                                        <p:strVal val="visible"/>
+                                      </p:to>
+                                    </p:set>
+                                    <p:animEffect transition="in" filter="fade">
+                                      <p:cBhvr>
+                                        <p:cTn id="44" dur="500"/>
+                                        <p:tgtEl>
+                                          <p:spTgt spid="18"/>
+                                        </p:tgtEl>
+                                      </p:cBhvr>
+                                    </p:animEffect>
+                                  </p:childTnLst>
+                                </p:cTn>
+                              </p:par>
+                              <p:par>
+                                <p:cTn id="45" presetID="10" presetClass="entr" presetSubtype="0" fill="hold" grpId="0" nodeType="withEffect">
+                                  <p:stCondLst>
+                                    <p:cond delay="0"/>
+                                  </p:stCondLst>
+                                  <p:childTnLst>
+                                    <p:set>
+                                      <p:cBhvr>
+                                        <p:cTn id="46" dur="1" fill="hold">
+                                          <p:stCondLst>
+                                            <p:cond delay="0"/>
+                                          </p:stCondLst>
+                                        </p:cTn>
+                                        <p:tgtEl>
+                                          <p:spTgt spid="19"/>
+                                        </p:tgtEl>
+                                        <p:attrNameLst>
+                                          <p:attrName>style.visibility</p:attrName>
+                                        </p:attrNameLst>
+                                      </p:cBhvr>
+                                      <p:to>
+                                        <p:strVal val="visible"/>
+                                      </p:to>
+                                    </p:set>
+                                    <p:animEffect transition="in" filter="fade">
+                                      <p:cBhvr>
+                                        <p:cTn id="47" dur="500"/>
+                                        <p:tgtEl>
+                                          <p:spTgt spid="19"/>
+                                        </p:tgtEl>
+                                      </p:cBhvr>
+                                    </p:animEffect>
+                                  </p:childTnLst>
+                                </p:cTn>
+                              </p:par>
+                              <p:par>
+                                <p:cTn id="48" presetID="8" presetClass="emph" presetSubtype="0" fill="hold" nodeType="withEffect">
+                                  <p:stCondLst>
+                                    <p:cond delay="0"/>
+                                  </p:stCondLst>
+                                  <p:childTnLst>
+                                    <p:animRot by="-10800000">
+                                      <p:cBhvr>
+                                        <p:cTn id="49" dur="1000" fill="hold"/>
+                                        <p:tgtEl>
+                                          <p:spTgt spid="13"/>
+                                        </p:tgtEl>
+                                        <p:attrNameLst>
+                                          <p:attrName>r</p:attrName>
+                                        </p:attrNameLst>
+                                      </p:cBhvr>
+                                    </p:animRot>
+                                  </p:childTnLst>
+                                </p:cTn>
+                              </p:par>
+                              <p:par>
+                                <p:cTn id="50" presetID="10" presetClass="entr" presetSubtype="0" fill="hold" grpId="0" nodeType="withEffect">
+                                  <p:stCondLst>
+                                    <p:cond delay="500"/>
+                                  </p:stCondLst>
+                                  <p:childTnLst>
+                                    <p:set>
+                                      <p:cBhvr>
+                                        <p:cTn id="51" dur="1" fill="hold">
+                                          <p:stCondLst>
+                                            <p:cond delay="0"/>
+                                          </p:stCondLst>
+                                        </p:cTn>
+                                        <p:tgtEl>
+                                          <p:spTgt spid="21"/>
+                                        </p:tgtEl>
+                                        <p:attrNameLst>
+                                          <p:attrName>style.visibility</p:attrName>
+                                        </p:attrNameLst>
+                                      </p:cBhvr>
+                                      <p:to>
+                                        <p:strVal val="visible"/>
+                                      </p:to>
+                                    </p:set>
+                                    <p:animEffect transition="in" filter="fade">
+                                      <p:cBhvr>
+                                        <p:cTn id="52" dur="500"/>
+                                        <p:tgtEl>
+                                          <p:spTgt spid="21"/>
+                                        </p:tgtEl>
+                                      </p:cBhvr>
+                                    </p:animEffect>
+                                  </p:childTnLst>
+                                </p:cTn>
+                              </p:par>
+                              <p:par>
+                                <p:cTn id="53" presetID="10" presetClass="entr" presetSubtype="0" fill="hold" grpId="0" nodeType="withEffect">
+                                  <p:stCondLst>
+                                    <p:cond delay="500"/>
+                                  </p:stCondLst>
+                                  <p:childTnLst>
+                                    <p:set>
+                                      <p:cBhvr>
+                                        <p:cTn id="54" dur="1" fill="hold">
+                                          <p:stCondLst>
+                                            <p:cond delay="0"/>
+                                          </p:stCondLst>
+                                        </p:cTn>
+                                        <p:tgtEl>
+                                          <p:spTgt spid="22"/>
+                                        </p:tgtEl>
+                                        <p:attrNameLst>
+                                          <p:attrName>style.visibility</p:attrName>
+                                        </p:attrNameLst>
+                                      </p:cBhvr>
+                                      <p:to>
+                                        <p:strVal val="visible"/>
+                                      </p:to>
+                                    </p:set>
+                                    <p:animEffect transition="in" filter="fade">
+                                      <p:cBhvr>
+                                        <p:cTn id="55" dur="500"/>
+                                        <p:tgtEl>
+                                          <p:spTgt spid="22"/>
+                                        </p:tgtEl>
+                                      </p:cBhvr>
+                                    </p:animEffect>
+                                  </p:childTnLst>
+                                </p:cTn>
+                              </p:par>
+                              <p:par>
+                                <p:cTn id="56" presetID="10" presetClass="entr" presetSubtype="0" fill="hold" grpId="0" nodeType="withEffect">
+                                  <p:stCondLst>
+                                    <p:cond delay="500"/>
+                                  </p:stCondLst>
+                                  <p:childTnLst>
+                                    <p:set>
+                                      <p:cBhvr>
+                                        <p:cTn id="57" dur="1" fill="hold">
+                                          <p:stCondLst>
+                                            <p:cond delay="0"/>
+                                          </p:stCondLst>
+                                        </p:cTn>
+                                        <p:tgtEl>
+                                          <p:spTgt spid="24"/>
+                                        </p:tgtEl>
+                                        <p:attrNameLst>
+                                          <p:attrName>style.visibility</p:attrName>
+                                        </p:attrNameLst>
+                                      </p:cBhvr>
+                                      <p:to>
+                                        <p:strVal val="visible"/>
+                                      </p:to>
+                                    </p:set>
+                                    <p:animEffect transition="in" filter="fade">
+                                      <p:cBhvr>
+                                        <p:cTn id="58" dur="500"/>
+                                        <p:tgtEl>
+                                          <p:spTgt spid="24"/>
+                                        </p:tgtEl>
+                                      </p:cBhvr>
+                                    </p:animEffect>
+                                  </p:childTnLst>
+                                </p:cTn>
+                              </p:par>
+                              <p:par>
+                                <p:cTn id="59" presetID="10" presetClass="entr" presetSubtype="0" fill="hold" grpId="0" nodeType="withEffect">
+                                  <p:stCondLst>
+                                    <p:cond delay="500"/>
+                                  </p:stCondLst>
+                                  <p:childTnLst>
+                                    <p:set>
+                                      <p:cBhvr>
+                                        <p:cTn id="60" dur="1" fill="hold">
+                                          <p:stCondLst>
+                                            <p:cond delay="0"/>
+                                          </p:stCondLst>
+                                        </p:cTn>
+                                        <p:tgtEl>
+                                          <p:spTgt spid="25"/>
+                                        </p:tgtEl>
+                                        <p:attrNameLst>
+                                          <p:attrName>style.visibility</p:attrName>
+                                        </p:attrNameLst>
+                                      </p:cBhvr>
+                                      <p:to>
+                                        <p:strVal val="visible"/>
+                                      </p:to>
+                                    </p:set>
+                                    <p:animEffect transition="in" filter="fade">
+                                      <p:cBhvr>
+                                        <p:cTn id="61" dur="500"/>
+                                        <p:tgtEl>
+                                          <p:spTgt spid="25"/>
+                                        </p:tgtEl>
+                                      </p:cBhvr>
+                                    </p:animEffect>
+                                  </p:childTnLst>
+                                </p:cTn>
+                              </p:par>
+                            </p:childTnLst>
+                          </p:cTn>
+                        </p:par>
+                      </p:childTnLst>
+                    </p:cTn>
+                  </p:par>
+                </p:childTnLst>
+              </p:cTn>
+              <p:prevCondLst>
+                <p:cond evt="onPrev" delay="0">
+                  <p:tgtEl>
+                    <p:sldTgt/>
+                  </p:tgtEl>
+                </p:cond>
+              </p:prevCondLst>
+              <p:nextCondLst>
+                <p:cond evt="onNext" delay="0">
+                  <p:tgtEl>
+                    <p:sldTgt/>
+                  </p:tgtEl>
+                </p:cond>
+              </p:nextCondLst>
+            </p:seq>
+          </p:childTnLst>
+        </p:cTn>
+      </p:par>
+    </p:tnLst>
+    <p:bldLst>
+      <p:bldP spid="3" grpId="0" animBg="1"/>
+      <p:bldP spid="4" grpId="0" animBg="1"/>
+      <p:bldP spid="10" grpId="0" animBg="1"/>
+      <p:bldP spid="12" grpId="0" animBg="1"/>
+      <p:bldP spid="15" grpId="0" animBg="1"/>
+      <p:bldP spid="16" grpId="0" animBg="1"/>
+      <p:bldP spid="18" grpId="0" animBg="1"/>
+      <p:bldP spid="19" grpId="0" animBg="1"/>
+      <p:bldP spid="21" grpId="0" animBg="1"/>
+      <p:bldP spid="22" grpId="0" animBg="1"/>
+      <p:bldP spid="24" grpId="0" animBg="1"/>
+      <p:bldP spid="25" grpId="0" animBg="1"/>
+    </p:bldLst>
+  </p:timing>
 </p:sld>
 </file>
 

--- a/WhatIsArtificialIntelligence.pptx
+++ b/WhatIsArtificialIntelligence.pptx
@@ -5,7 +5,7 @@
     <p:sldMasterId id="2147483648" r:id="rId1"/>
   </p:sldMasterIdLst>
   <p:notesMasterIdLst>
-    <p:notesMasterId r:id="rId12"/>
+    <p:notesMasterId r:id="rId13"/>
   </p:notesMasterIdLst>
   <p:sldIdLst>
     <p:sldId id="257" r:id="rId2"/>
@@ -18,6 +18,7 @@
     <p:sldId id="263" r:id="rId9"/>
     <p:sldId id="268" r:id="rId10"/>
     <p:sldId id="269" r:id="rId11"/>
+    <p:sldId id="271" r:id="rId12"/>
   </p:sldIdLst>
   <p:sldSz cx="12192000" cy="6858000"/>
   <p:notesSz cx="6858000" cy="9144000"/>
@@ -6096,6 +6097,199 @@
       <p:bldP spid="25" grpId="0" animBg="1"/>
     </p:bldLst>
   </p:timing>
+</p:sld>
+</file>
+
+<file path=ppt/slides/slide11.xml><?xml version="1.0" encoding="utf-8"?>
+<p:sld xmlns:a="http://schemas.openxmlformats.org/drawingml/2006/main" xmlns:r="http://schemas.openxmlformats.org/officeDocument/2006/relationships" xmlns:p="http://schemas.openxmlformats.org/presentationml/2006/main">
+  <p:cSld>
+    <p:spTree>
+      <p:nvGrpSpPr>
+        <p:cNvPr id="1" name=""/>
+        <p:cNvGrpSpPr/>
+        <p:nvPr/>
+      </p:nvGrpSpPr>
+      <p:grpSpPr>
+        <a:xfrm>
+          <a:off x="0" y="0"/>
+          <a:ext cx="0" cy="0"/>
+          <a:chOff x="0" y="0"/>
+          <a:chExt cx="0" cy="0"/>
+        </a:xfrm>
+      </p:grpSpPr>
+      <p:sp>
+        <p:nvSpPr>
+          <p:cNvPr id="2" name="Title 1">
+            <a:extLst>
+              <a:ext uri="{FF2B5EF4-FFF2-40B4-BE49-F238E27FC236}">
+                <a16:creationId xmlns:a16="http://schemas.microsoft.com/office/drawing/2014/main" id="{29BB1EE7-65B0-AF50-9E3A-87E23E115459}"/>
+              </a:ext>
+            </a:extLst>
+          </p:cNvPr>
+          <p:cNvSpPr>
+            <a:spLocks noGrp="1"/>
+          </p:cNvSpPr>
+          <p:nvPr>
+            <p:ph type="title"/>
+          </p:nvPr>
+        </p:nvSpPr>
+        <p:spPr/>
+        <p:txBody>
+          <a:bodyPr/>
+          <a:lstStyle/>
+          <a:p>
+            <a:r>
+              <a:rPr lang="en-GB" dirty="0"/>
+              <a:t>Try it yourself!</a:t>
+            </a:r>
+            <a:endParaRPr lang="fr-FR" dirty="0"/>
+          </a:p>
+        </p:txBody>
+      </p:sp>
+      <p:pic>
+        <p:nvPicPr>
+          <p:cNvPr id="5" name="Content Placeholder 4">
+            <a:extLst>
+              <a:ext uri="{FF2B5EF4-FFF2-40B4-BE49-F238E27FC236}">
+                <a16:creationId xmlns:a16="http://schemas.microsoft.com/office/drawing/2014/main" id="{615CE2F8-C690-2BB7-74E6-7B1334B1AADD}"/>
+              </a:ext>
+            </a:extLst>
+          </p:cNvPr>
+          <p:cNvPicPr>
+            <a:picLocks noGrp="1" noChangeAspect="1"/>
+          </p:cNvPicPr>
+          <p:nvPr>
+            <p:ph idx="1"/>
+          </p:nvPr>
+        </p:nvPicPr>
+        <p:blipFill>
+          <a:blip r:embed="rId2"/>
+          <a:stretch>
+            <a:fillRect/>
+          </a:stretch>
+        </p:blipFill>
+        <p:spPr>
+          <a:xfrm>
+            <a:off x="4061791" y="1967085"/>
+            <a:ext cx="4068418" cy="4068418"/>
+          </a:xfrm>
+        </p:spPr>
+      </p:pic>
+      <p:sp>
+        <p:nvSpPr>
+          <p:cNvPr id="6" name="TextBox 5">
+            <a:extLst>
+              <a:ext uri="{FF2B5EF4-FFF2-40B4-BE49-F238E27FC236}">
+                <a16:creationId xmlns:a16="http://schemas.microsoft.com/office/drawing/2014/main" id="{3365CD69-8653-ACB5-0A69-42EE9E7D6EA8}"/>
+              </a:ext>
+            </a:extLst>
+          </p:cNvPr>
+          <p:cNvSpPr txBox="1"/>
+          <p:nvPr/>
+        </p:nvSpPr>
+        <p:spPr>
+          <a:xfrm>
+            <a:off x="3268239" y="6162261"/>
+            <a:ext cx="5655523" cy="369332"/>
+          </a:xfrm>
+          <a:prstGeom prst="rect">
+            <a:avLst/>
+          </a:prstGeom>
+          <a:noFill/>
+        </p:spPr>
+        <p:txBody>
+          <a:bodyPr wrap="none" rtlCol="0">
+            <a:spAutoFit/>
+          </a:bodyPr>
+          <a:lstStyle/>
+          <a:p>
+            <a:r>
+              <a:rPr lang="en-US" i="1" dirty="0">
+                <a:solidFill>
+                  <a:schemeClr val="bg1">
+                    <a:lumMod val="50000"/>
+                  </a:schemeClr>
+                </a:solidFill>
+                <a:hlinkClick r:id="rId3">
+                  <a:extLst>
+                    <a:ext uri="{A12FA001-AC4F-418D-AE19-62706E023703}">
+                      <ahyp:hlinkClr xmlns:ahyp="http://schemas.microsoft.com/office/drawing/2018/hyperlinkcolor" val="tx"/>
+                    </a:ext>
+                  </a:extLst>
+                </a:hlinkClick>
+              </a:rPr>
+              <a:t>https://pauldubois98.github.io/AI-MythsReality/BlackBox</a:t>
+            </a:r>
+            <a:endParaRPr lang="en-US" i="1" dirty="0">
+              <a:solidFill>
+                <a:schemeClr val="bg1">
+                  <a:lumMod val="50000"/>
+                </a:schemeClr>
+              </a:solidFill>
+            </a:endParaRPr>
+          </a:p>
+        </p:txBody>
+      </p:sp>
+      <p:sp>
+        <p:nvSpPr>
+          <p:cNvPr id="7" name="Rectangle: Rounded Corners 6">
+            <a:hlinkClick r:id="rId3" tooltip="go online"/>
+            <a:extLst>
+              <a:ext uri="{FF2B5EF4-FFF2-40B4-BE49-F238E27FC236}">
+                <a16:creationId xmlns:a16="http://schemas.microsoft.com/office/drawing/2014/main" id="{4E5EDD22-4B36-B00C-19A2-C43A9F0A9CE2}"/>
+              </a:ext>
+            </a:extLst>
+          </p:cNvPr>
+          <p:cNvSpPr/>
+          <p:nvPr/>
+        </p:nvSpPr>
+        <p:spPr>
+          <a:xfrm>
+            <a:off x="9926320" y="712628"/>
+            <a:ext cx="1838960" cy="630555"/>
+          </a:xfrm>
+          <a:prstGeom prst="roundRect">
+            <a:avLst/>
+          </a:prstGeom>
+        </p:spPr>
+        <p:style>
+          <a:lnRef idx="2">
+            <a:schemeClr val="dk1">
+              <a:shade val="15000"/>
+            </a:schemeClr>
+          </a:lnRef>
+          <a:fillRef idx="1">
+            <a:schemeClr val="dk1"/>
+          </a:fillRef>
+          <a:effectRef idx="0">
+            <a:schemeClr val="dk1"/>
+          </a:effectRef>
+          <a:fontRef idx="minor">
+            <a:schemeClr val="lt1"/>
+          </a:fontRef>
+        </p:style>
+        <p:txBody>
+          <a:bodyPr rtlCol="0" anchor="ctr"/>
+          <a:lstStyle/>
+          <a:p>
+            <a:pPr algn="ctr"/>
+            <a:r>
+              <a:rPr lang="en-US" sz="2400" dirty="0"/>
+              <a:t>Online Tool</a:t>
+            </a:r>
+          </a:p>
+        </p:txBody>
+      </p:sp>
+    </p:spTree>
+    <p:extLst>
+      <p:ext uri="{BB962C8B-B14F-4D97-AF65-F5344CB8AC3E}">
+        <p14:creationId xmlns:p14="http://schemas.microsoft.com/office/powerpoint/2010/main" val="215089395"/>
+      </p:ext>
+    </p:extLst>
+  </p:cSld>
+  <p:clrMapOvr>
+    <a:masterClrMapping/>
+  </p:clrMapOvr>
 </p:sld>
 </file>
 

--- a/WhatIsArtificialIntelligence.pptx
+++ b/WhatIsArtificialIntelligence.pptx
@@ -5,7 +5,7 @@
     <p:sldMasterId id="2147483648" r:id="rId1"/>
   </p:sldMasterIdLst>
   <p:notesMasterIdLst>
-    <p:notesMasterId r:id="rId13"/>
+    <p:notesMasterId r:id="rId14"/>
   </p:notesMasterIdLst>
   <p:sldIdLst>
     <p:sldId id="257" r:id="rId2"/>
@@ -19,6 +19,7 @@
     <p:sldId id="268" r:id="rId10"/>
     <p:sldId id="269" r:id="rId11"/>
     <p:sldId id="271" r:id="rId12"/>
+    <p:sldId id="334" r:id="rId13"/>
   </p:sldIdLst>
   <p:sldSz cx="12192000" cy="6858000"/>
   <p:notesSz cx="6858000" cy="9144000"/>
@@ -1307,6 +1308,103 @@
     <p:extLst>
       <p:ext uri="{BB962C8B-B14F-4D97-AF65-F5344CB8AC3E}">
         <p14:creationId xmlns:p14="http://schemas.microsoft.com/office/powerpoint/2010/main" val="861800322"/>
+      </p:ext>
+    </p:extLst>
+  </p:cSld>
+  <p:clrMapOvr>
+    <a:masterClrMapping/>
+  </p:clrMapOvr>
+</p:notes>
+</file>
+
+<file path=ppt/notesSlides/notesSlide9.xml><?xml version="1.0" encoding="utf-8"?>
+<p:notes xmlns:a="http://schemas.openxmlformats.org/drawingml/2006/main" xmlns:r="http://schemas.openxmlformats.org/officeDocument/2006/relationships" xmlns:p="http://schemas.openxmlformats.org/presentationml/2006/main">
+  <p:cSld>
+    <p:spTree>
+      <p:nvGrpSpPr>
+        <p:cNvPr id="1" name=""/>
+        <p:cNvGrpSpPr/>
+        <p:nvPr/>
+      </p:nvGrpSpPr>
+      <p:grpSpPr>
+        <a:xfrm>
+          <a:off x="0" y="0"/>
+          <a:ext cx="0" cy="0"/>
+          <a:chOff x="0" y="0"/>
+          <a:chExt cx="0" cy="0"/>
+        </a:xfrm>
+      </p:grpSpPr>
+      <p:sp>
+        <p:nvSpPr>
+          <p:cNvPr id="2" name="Slide Image Placeholder 1"/>
+          <p:cNvSpPr>
+            <a:spLocks noGrp="1" noRot="1" noChangeAspect="1"/>
+          </p:cNvSpPr>
+          <p:nvPr>
+            <p:ph type="sldImg"/>
+          </p:nvPr>
+        </p:nvSpPr>
+        <p:spPr/>
+      </p:sp>
+      <p:sp>
+        <p:nvSpPr>
+          <p:cNvPr id="3" name="Notes Placeholder 2"/>
+          <p:cNvSpPr>
+            <a:spLocks noGrp="1"/>
+          </p:cNvSpPr>
+          <p:nvPr>
+            <p:ph type="body" idx="1"/>
+          </p:nvPr>
+        </p:nvSpPr>
+        <p:spPr/>
+        <p:txBody>
+          <a:bodyPr/>
+          <a:lstStyle/>
+          <a:p>
+            <a:r>
+              <a:rPr lang="en-GB" dirty="0"/>
+              <a:t>To verify that the all-purpose machine has the right parameters, we test on new examples</a:t>
+            </a:r>
+          </a:p>
+          <a:p>
+            <a:endParaRPr lang="en-GB" dirty="0"/>
+          </a:p>
+          <a:p>
+            <a:r>
+              <a:rPr lang="en-GB" dirty="0"/>
+              <a:t>=&gt; Importance of sample data!!!</a:t>
+            </a:r>
+            <a:endParaRPr lang="en-US" dirty="0"/>
+          </a:p>
+        </p:txBody>
+      </p:sp>
+      <p:sp>
+        <p:nvSpPr>
+          <p:cNvPr id="4" name="Slide Number Placeholder 3"/>
+          <p:cNvSpPr>
+            <a:spLocks noGrp="1"/>
+          </p:cNvSpPr>
+          <p:nvPr>
+            <p:ph type="sldNum" sz="quarter" idx="5"/>
+          </p:nvPr>
+        </p:nvSpPr>
+        <p:spPr/>
+        <p:txBody>
+          <a:bodyPr/>
+          <a:lstStyle/>
+          <a:p>
+            <a:fld id="{CEFB1CB0-8521-448A-8AF4-782A4204CD99}" type="slidenum">
+              <a:rPr lang="en-US" smtClean="0"/>
+              <a:t>12</a:t>
+            </a:fld>
+            <a:endParaRPr lang="en-US"/>
+          </a:p>
+        </p:txBody>
+      </p:sp>
+    </p:spTree>
+    <p:extLst>
+      <p:ext uri="{BB962C8B-B14F-4D97-AF65-F5344CB8AC3E}">
+        <p14:creationId xmlns:p14="http://schemas.microsoft.com/office/powerpoint/2010/main" val="124425642"/>
       </p:ext>
     </p:extLst>
   </p:cSld>
@@ -6290,6 +6388,666 @@
   <p:clrMapOvr>
     <a:masterClrMapping/>
   </p:clrMapOvr>
+</p:sld>
+</file>
+
+<file path=ppt/slides/slide12.xml><?xml version="1.0" encoding="utf-8"?>
+<p:sld xmlns:a="http://schemas.openxmlformats.org/drawingml/2006/main" xmlns:r="http://schemas.openxmlformats.org/officeDocument/2006/relationships" xmlns:p="http://schemas.openxmlformats.org/presentationml/2006/main">
+  <p:cSld>
+    <p:spTree>
+      <p:nvGrpSpPr>
+        <p:cNvPr id="1" name=""/>
+        <p:cNvGrpSpPr/>
+        <p:nvPr/>
+      </p:nvGrpSpPr>
+      <p:grpSpPr>
+        <a:xfrm>
+          <a:off x="0" y="0"/>
+          <a:ext cx="0" cy="0"/>
+          <a:chOff x="0" y="0"/>
+          <a:chExt cx="0" cy="0"/>
+        </a:xfrm>
+      </p:grpSpPr>
+      <p:sp>
+        <p:nvSpPr>
+          <p:cNvPr id="2" name="Title 1">
+            <a:extLst>
+              <a:ext uri="{FF2B5EF4-FFF2-40B4-BE49-F238E27FC236}">
+                <a16:creationId xmlns:a16="http://schemas.microsoft.com/office/drawing/2014/main" id="{4DD5AE43-0497-4618-B452-770BAE7E2649}"/>
+              </a:ext>
+            </a:extLst>
+          </p:cNvPr>
+          <p:cNvSpPr>
+            <a:spLocks noGrp="1"/>
+          </p:cNvSpPr>
+          <p:nvPr>
+            <p:ph type="title"/>
+          </p:nvPr>
+        </p:nvSpPr>
+        <p:spPr/>
+        <p:txBody>
+          <a:bodyPr/>
+          <a:lstStyle/>
+          <a:p>
+            <a:r>
+              <a:rPr lang="en-US" dirty="0"/>
+              <a:t>Evaluate Machine</a:t>
+            </a:r>
+          </a:p>
+        </p:txBody>
+      </p:sp>
+      <p:sp>
+        <p:nvSpPr>
+          <p:cNvPr id="6" name="Arrow: Right 5">
+            <a:extLst>
+              <a:ext uri="{FF2B5EF4-FFF2-40B4-BE49-F238E27FC236}">
+                <a16:creationId xmlns:a16="http://schemas.microsoft.com/office/drawing/2014/main" id="{489FDB95-25B4-EA8A-8BDF-FB81818C5C0F}"/>
+              </a:ext>
+            </a:extLst>
+          </p:cNvPr>
+          <p:cNvSpPr/>
+          <p:nvPr/>
+        </p:nvSpPr>
+        <p:spPr>
+          <a:xfrm>
+            <a:off x="3781425" y="2152650"/>
+            <a:ext cx="4629150" cy="3571875"/>
+          </a:xfrm>
+          <a:prstGeom prst="rightArrow">
+            <a:avLst/>
+          </a:prstGeom>
+        </p:spPr>
+        <p:style>
+          <a:lnRef idx="2">
+            <a:schemeClr val="accent5">
+              <a:shade val="15000"/>
+            </a:schemeClr>
+          </a:lnRef>
+          <a:fillRef idx="1">
+            <a:schemeClr val="accent5"/>
+          </a:fillRef>
+          <a:effectRef idx="0">
+            <a:schemeClr val="accent5"/>
+          </a:effectRef>
+          <a:fontRef idx="minor">
+            <a:schemeClr val="lt1"/>
+          </a:fontRef>
+        </p:style>
+        <p:txBody>
+          <a:bodyPr rtlCol="0" anchor="ctr"/>
+          <a:lstStyle/>
+          <a:p>
+            <a:pPr algn="ctr"/>
+            <a:endParaRPr lang="en-US" dirty="0"/>
+          </a:p>
+        </p:txBody>
+      </p:sp>
+      <p:pic>
+        <p:nvPicPr>
+          <p:cNvPr id="11" name="Picture 10">
+            <a:extLst>
+              <a:ext uri="{FF2B5EF4-FFF2-40B4-BE49-F238E27FC236}">
+                <a16:creationId xmlns:a16="http://schemas.microsoft.com/office/drawing/2014/main" id="{20C576D5-EAE2-DE16-9BBB-921DFCF50689}"/>
+              </a:ext>
+            </a:extLst>
+          </p:cNvPr>
+          <p:cNvPicPr>
+            <a:picLocks noChangeAspect="1"/>
+          </p:cNvPicPr>
+          <p:nvPr/>
+        </p:nvPicPr>
+        <p:blipFill>
+          <a:blip r:embed="rId3"/>
+          <a:stretch>
+            <a:fillRect/>
+          </a:stretch>
+        </p:blipFill>
+        <p:spPr>
+          <a:xfrm>
+            <a:off x="5276850" y="3124200"/>
+            <a:ext cx="1638300" cy="1638300"/>
+          </a:xfrm>
+          <a:prstGeom prst="rect">
+            <a:avLst/>
+          </a:prstGeom>
+        </p:spPr>
+      </p:pic>
+      <p:pic>
+        <p:nvPicPr>
+          <p:cNvPr id="13" name="Picture 12">
+            <a:extLst>
+              <a:ext uri="{FF2B5EF4-FFF2-40B4-BE49-F238E27FC236}">
+                <a16:creationId xmlns:a16="http://schemas.microsoft.com/office/drawing/2014/main" id="{133C3C63-E79A-599D-1676-E03EF839E5FF}"/>
+              </a:ext>
+            </a:extLst>
+          </p:cNvPr>
+          <p:cNvPicPr>
+            <a:picLocks noChangeAspect="1"/>
+          </p:cNvPicPr>
+          <p:nvPr/>
+        </p:nvPicPr>
+        <p:blipFill>
+          <a:blip r:embed="rId4"/>
+          <a:stretch>
+            <a:fillRect/>
+          </a:stretch>
+        </p:blipFill>
+        <p:spPr>
+          <a:xfrm>
+            <a:off x="4100399" y="3429000"/>
+            <a:ext cx="1176451" cy="1038855"/>
+          </a:xfrm>
+          <a:prstGeom prst="rect">
+            <a:avLst/>
+          </a:prstGeom>
+        </p:spPr>
+      </p:pic>
+      <p:sp>
+        <p:nvSpPr>
+          <p:cNvPr id="15" name="Oval 14">
+            <a:extLst>
+              <a:ext uri="{FF2B5EF4-FFF2-40B4-BE49-F238E27FC236}">
+                <a16:creationId xmlns:a16="http://schemas.microsoft.com/office/drawing/2014/main" id="{5D026E25-8707-AC6B-C224-AB87CD575EC4}"/>
+              </a:ext>
+            </a:extLst>
+          </p:cNvPr>
+          <p:cNvSpPr/>
+          <p:nvPr/>
+        </p:nvSpPr>
+        <p:spPr>
+          <a:xfrm>
+            <a:off x="2286000" y="3643312"/>
+            <a:ext cx="590550" cy="590550"/>
+          </a:xfrm>
+          <a:prstGeom prst="ellipse">
+            <a:avLst/>
+          </a:prstGeom>
+          <a:solidFill>
+            <a:schemeClr val="accent6">
+              <a:lumMod val="60000"/>
+              <a:lumOff val="40000"/>
+            </a:schemeClr>
+          </a:solidFill>
+        </p:spPr>
+        <p:style>
+          <a:lnRef idx="2">
+            <a:schemeClr val="accent6">
+              <a:shade val="15000"/>
+            </a:schemeClr>
+          </a:lnRef>
+          <a:fillRef idx="1">
+            <a:schemeClr val="accent6"/>
+          </a:fillRef>
+          <a:effectRef idx="0">
+            <a:schemeClr val="accent6"/>
+          </a:effectRef>
+          <a:fontRef idx="minor">
+            <a:schemeClr val="lt1"/>
+          </a:fontRef>
+        </p:style>
+        <p:txBody>
+          <a:bodyPr rtlCol="0" anchor="ctr"/>
+          <a:lstStyle/>
+          <a:p>
+            <a:pPr algn="ctr"/>
+            <a:endParaRPr lang="en-US"/>
+          </a:p>
+        </p:txBody>
+      </p:sp>
+      <p:sp>
+        <p:nvSpPr>
+          <p:cNvPr id="16" name="Oval 15">
+            <a:extLst>
+              <a:ext uri="{FF2B5EF4-FFF2-40B4-BE49-F238E27FC236}">
+                <a16:creationId xmlns:a16="http://schemas.microsoft.com/office/drawing/2014/main" id="{C2DD2665-FE1A-50F0-3B03-E077C0DD15A5}"/>
+              </a:ext>
+            </a:extLst>
+          </p:cNvPr>
+          <p:cNvSpPr/>
+          <p:nvPr/>
+        </p:nvSpPr>
+        <p:spPr>
+          <a:xfrm rot="5400000">
+            <a:off x="10714476" y="3643312"/>
+            <a:ext cx="590550" cy="590550"/>
+          </a:xfrm>
+          <a:prstGeom prst="ellipse">
+            <a:avLst/>
+          </a:prstGeom>
+          <a:solidFill>
+            <a:schemeClr val="accent2">
+              <a:lumMod val="40000"/>
+              <a:lumOff val="60000"/>
+            </a:schemeClr>
+          </a:solidFill>
+        </p:spPr>
+        <p:style>
+          <a:lnRef idx="2">
+            <a:schemeClr val="accent4">
+              <a:shade val="15000"/>
+            </a:schemeClr>
+          </a:lnRef>
+          <a:fillRef idx="1">
+            <a:schemeClr val="accent4"/>
+          </a:fillRef>
+          <a:effectRef idx="0">
+            <a:schemeClr val="accent4"/>
+          </a:effectRef>
+          <a:fontRef idx="minor">
+            <a:schemeClr val="lt1"/>
+          </a:fontRef>
+        </p:style>
+        <p:txBody>
+          <a:bodyPr rtlCol="0" anchor="ctr"/>
+          <a:lstStyle/>
+          <a:p>
+            <a:pPr algn="ctr"/>
+            <a:endParaRPr lang="en-US"/>
+          </a:p>
+        </p:txBody>
+      </p:sp>
+      <p:sp>
+        <p:nvSpPr>
+          <p:cNvPr id="19" name="Oval 18">
+            <a:extLst>
+              <a:ext uri="{FF2B5EF4-FFF2-40B4-BE49-F238E27FC236}">
+                <a16:creationId xmlns:a16="http://schemas.microsoft.com/office/drawing/2014/main" id="{F3032E02-1063-B99A-E440-C3AA35B984ED}"/>
+              </a:ext>
+            </a:extLst>
+          </p:cNvPr>
+          <p:cNvSpPr/>
+          <p:nvPr/>
+        </p:nvSpPr>
+        <p:spPr>
+          <a:xfrm rot="5400000">
+            <a:off x="9249924" y="3643312"/>
+            <a:ext cx="590550" cy="590550"/>
+          </a:xfrm>
+          <a:prstGeom prst="ellipse">
+            <a:avLst/>
+          </a:prstGeom>
+          <a:solidFill>
+            <a:schemeClr val="accent4">
+              <a:lumMod val="60000"/>
+              <a:lumOff val="40000"/>
+            </a:schemeClr>
+          </a:solidFill>
+        </p:spPr>
+        <p:style>
+          <a:lnRef idx="2">
+            <a:schemeClr val="accent4">
+              <a:shade val="15000"/>
+            </a:schemeClr>
+          </a:lnRef>
+          <a:fillRef idx="1">
+            <a:schemeClr val="accent4"/>
+          </a:fillRef>
+          <a:effectRef idx="0">
+            <a:schemeClr val="accent4"/>
+          </a:effectRef>
+          <a:fontRef idx="minor">
+            <a:schemeClr val="lt1"/>
+          </a:fontRef>
+        </p:style>
+        <p:txBody>
+          <a:bodyPr rtlCol="0" anchor="ctr"/>
+          <a:lstStyle/>
+          <a:p>
+            <a:pPr algn="ctr"/>
+            <a:endParaRPr lang="en-US"/>
+          </a:p>
+        </p:txBody>
+      </p:sp>
+      <p:sp>
+        <p:nvSpPr>
+          <p:cNvPr id="7" name="TextBox 6">
+            <a:extLst>
+              <a:ext uri="{FF2B5EF4-FFF2-40B4-BE49-F238E27FC236}">
+                <a16:creationId xmlns:a16="http://schemas.microsoft.com/office/drawing/2014/main" id="{09918EDB-ACE3-367F-6037-B8D44739C9EC}"/>
+              </a:ext>
+            </a:extLst>
+          </p:cNvPr>
+          <p:cNvSpPr txBox="1"/>
+          <p:nvPr/>
+        </p:nvSpPr>
+        <p:spPr>
+          <a:xfrm>
+            <a:off x="9993583" y="3386135"/>
+            <a:ext cx="567784" cy="1015663"/>
+          </a:xfrm>
+          <a:prstGeom prst="rect">
+            <a:avLst/>
+          </a:prstGeom>
+          <a:noFill/>
+        </p:spPr>
+        <p:txBody>
+          <a:bodyPr wrap="none" rtlCol="0">
+            <a:spAutoFit/>
+          </a:bodyPr>
+          <a:lstStyle/>
+          <a:p>
+            <a:r>
+              <a:rPr lang="en-US" sz="6000" b="1" dirty="0"/>
+              <a:t>=</a:t>
+            </a:r>
+          </a:p>
+        </p:txBody>
+      </p:sp>
+      <p:sp>
+        <p:nvSpPr>
+          <p:cNvPr id="8" name="TextBox 7">
+            <a:extLst>
+              <a:ext uri="{FF2B5EF4-FFF2-40B4-BE49-F238E27FC236}">
+                <a16:creationId xmlns:a16="http://schemas.microsoft.com/office/drawing/2014/main" id="{E6813E9B-3F15-8782-3049-64F702C82527}"/>
+              </a:ext>
+            </a:extLst>
+          </p:cNvPr>
+          <p:cNvSpPr txBox="1"/>
+          <p:nvPr/>
+        </p:nvSpPr>
+        <p:spPr>
+          <a:xfrm>
+            <a:off x="10110857" y="3008737"/>
+            <a:ext cx="470000" cy="830997"/>
+          </a:xfrm>
+          <a:prstGeom prst="rect">
+            <a:avLst/>
+          </a:prstGeom>
+          <a:noFill/>
+        </p:spPr>
+        <p:txBody>
+          <a:bodyPr wrap="none" rtlCol="0">
+            <a:spAutoFit/>
+          </a:bodyPr>
+          <a:lstStyle/>
+          <a:p>
+            <a:r>
+              <a:rPr lang="en-US" sz="4800" b="1" dirty="0">
+                <a:solidFill>
+                  <a:srgbClr val="C00000"/>
+                </a:solidFill>
+              </a:rPr>
+              <a:t>?</a:t>
+            </a:r>
+          </a:p>
+        </p:txBody>
+      </p:sp>
+    </p:spTree>
+    <p:extLst>
+      <p:ext uri="{BB962C8B-B14F-4D97-AF65-F5344CB8AC3E}">
+        <p14:creationId xmlns:p14="http://schemas.microsoft.com/office/powerpoint/2010/main" val="4059860870"/>
+      </p:ext>
+    </p:extLst>
+  </p:cSld>
+  <p:clrMapOvr>
+    <a:masterClrMapping/>
+  </p:clrMapOvr>
+  <p:timing>
+    <p:tnLst>
+      <p:par>
+        <p:cTn id="1" dur="indefinite" restart="never" nodeType="tmRoot">
+          <p:childTnLst>
+            <p:seq concurrent="1" nextAc="seek">
+              <p:cTn id="2" dur="indefinite" nodeType="mainSeq">
+                <p:childTnLst>
+                  <p:par>
+                    <p:cTn id="3" fill="hold">
+                      <p:stCondLst>
+                        <p:cond delay="indefinite"/>
+                      </p:stCondLst>
+                      <p:childTnLst>
+                        <p:par>
+                          <p:cTn id="4" fill="hold">
+                            <p:stCondLst>
+                              <p:cond delay="0"/>
+                            </p:stCondLst>
+                            <p:childTnLst>
+                              <p:par>
+                                <p:cTn id="5" presetID="10" presetClass="entr" presetSubtype="0" fill="hold" grpId="0" nodeType="clickEffect">
+                                  <p:stCondLst>
+                                    <p:cond delay="0"/>
+                                  </p:stCondLst>
+                                  <p:childTnLst>
+                                    <p:set>
+                                      <p:cBhvr>
+                                        <p:cTn id="6" dur="1" fill="hold">
+                                          <p:stCondLst>
+                                            <p:cond delay="0"/>
+                                          </p:stCondLst>
+                                        </p:cTn>
+                                        <p:tgtEl>
+                                          <p:spTgt spid="15"/>
+                                        </p:tgtEl>
+                                        <p:attrNameLst>
+                                          <p:attrName>style.visibility</p:attrName>
+                                        </p:attrNameLst>
+                                      </p:cBhvr>
+                                      <p:to>
+                                        <p:strVal val="visible"/>
+                                      </p:to>
+                                    </p:set>
+                                    <p:animEffect transition="in" filter="fade">
+                                      <p:cBhvr>
+                                        <p:cTn id="7" dur="500"/>
+                                        <p:tgtEl>
+                                          <p:spTgt spid="15"/>
+                                        </p:tgtEl>
+                                      </p:cBhvr>
+                                    </p:animEffect>
+                                  </p:childTnLst>
+                                </p:cTn>
+                              </p:par>
+                            </p:childTnLst>
+                          </p:cTn>
+                        </p:par>
+                        <p:par>
+                          <p:cTn id="8" fill="hold">
+                            <p:stCondLst>
+                              <p:cond delay="500"/>
+                            </p:stCondLst>
+                            <p:childTnLst>
+                              <p:par>
+                                <p:cTn id="9" presetID="10" presetClass="entr" presetSubtype="0" fill="hold" grpId="0" nodeType="afterEffect">
+                                  <p:stCondLst>
+                                    <p:cond delay="500"/>
+                                  </p:stCondLst>
+                                  <p:childTnLst>
+                                    <p:set>
+                                      <p:cBhvr>
+                                        <p:cTn id="10" dur="1" fill="hold">
+                                          <p:stCondLst>
+                                            <p:cond delay="0"/>
+                                          </p:stCondLst>
+                                        </p:cTn>
+                                        <p:tgtEl>
+                                          <p:spTgt spid="19"/>
+                                        </p:tgtEl>
+                                        <p:attrNameLst>
+                                          <p:attrName>style.visibility</p:attrName>
+                                        </p:attrNameLst>
+                                      </p:cBhvr>
+                                      <p:to>
+                                        <p:strVal val="visible"/>
+                                      </p:to>
+                                    </p:set>
+                                    <p:animEffect transition="in" filter="fade">
+                                      <p:cBhvr>
+                                        <p:cTn id="11" dur="500"/>
+                                        <p:tgtEl>
+                                          <p:spTgt spid="19"/>
+                                        </p:tgtEl>
+                                      </p:cBhvr>
+                                    </p:animEffect>
+                                  </p:childTnLst>
+                                </p:cTn>
+                              </p:par>
+                            </p:childTnLst>
+                          </p:cTn>
+                        </p:par>
+                        <p:par>
+                          <p:cTn id="12" fill="hold">
+                            <p:stCondLst>
+                              <p:cond delay="1500"/>
+                            </p:stCondLst>
+                            <p:childTnLst>
+                              <p:par>
+                                <p:cTn id="13" presetID="10" presetClass="entr" presetSubtype="0" fill="hold" grpId="0" nodeType="afterEffect">
+                                  <p:stCondLst>
+                                    <p:cond delay="500"/>
+                                  </p:stCondLst>
+                                  <p:childTnLst>
+                                    <p:set>
+                                      <p:cBhvr>
+                                        <p:cTn id="14" dur="1" fill="hold">
+                                          <p:stCondLst>
+                                            <p:cond delay="0"/>
+                                          </p:stCondLst>
+                                        </p:cTn>
+                                        <p:tgtEl>
+                                          <p:spTgt spid="16"/>
+                                        </p:tgtEl>
+                                        <p:attrNameLst>
+                                          <p:attrName>style.visibility</p:attrName>
+                                        </p:attrNameLst>
+                                      </p:cBhvr>
+                                      <p:to>
+                                        <p:strVal val="visible"/>
+                                      </p:to>
+                                    </p:set>
+                                    <p:animEffect transition="in" filter="fade">
+                                      <p:cBhvr>
+                                        <p:cTn id="15" dur="500"/>
+                                        <p:tgtEl>
+                                          <p:spTgt spid="16"/>
+                                        </p:tgtEl>
+                                      </p:cBhvr>
+                                    </p:animEffect>
+                                  </p:childTnLst>
+                                </p:cTn>
+                              </p:par>
+                            </p:childTnLst>
+                          </p:cTn>
+                        </p:par>
+                        <p:par>
+                          <p:cTn id="16" fill="hold">
+                            <p:stCondLst>
+                              <p:cond delay="2500"/>
+                            </p:stCondLst>
+                            <p:childTnLst>
+                              <p:par>
+                                <p:cTn id="17" presetID="10" presetClass="entr" presetSubtype="0" fill="hold" grpId="0" nodeType="afterEffect">
+                                  <p:stCondLst>
+                                    <p:cond delay="0"/>
+                                  </p:stCondLst>
+                                  <p:childTnLst>
+                                    <p:set>
+                                      <p:cBhvr>
+                                        <p:cTn id="18" dur="1" fill="hold">
+                                          <p:stCondLst>
+                                            <p:cond delay="0"/>
+                                          </p:stCondLst>
+                                        </p:cTn>
+                                        <p:tgtEl>
+                                          <p:spTgt spid="7"/>
+                                        </p:tgtEl>
+                                        <p:attrNameLst>
+                                          <p:attrName>style.visibility</p:attrName>
+                                        </p:attrNameLst>
+                                      </p:cBhvr>
+                                      <p:to>
+                                        <p:strVal val="visible"/>
+                                      </p:to>
+                                    </p:set>
+                                    <p:animEffect transition="in" filter="fade">
+                                      <p:cBhvr>
+                                        <p:cTn id="19" dur="500"/>
+                                        <p:tgtEl>
+                                          <p:spTgt spid="7"/>
+                                        </p:tgtEl>
+                                      </p:cBhvr>
+                                    </p:animEffect>
+                                  </p:childTnLst>
+                                </p:cTn>
+                              </p:par>
+                            </p:childTnLst>
+                          </p:cTn>
+                        </p:par>
+                        <p:par>
+                          <p:cTn id="20" fill="hold">
+                            <p:stCondLst>
+                              <p:cond delay="3000"/>
+                            </p:stCondLst>
+                            <p:childTnLst>
+                              <p:par>
+                                <p:cTn id="21" presetID="10" presetClass="entr" presetSubtype="0" fill="hold" grpId="0" nodeType="afterEffect">
+                                  <p:stCondLst>
+                                    <p:cond delay="0"/>
+                                  </p:stCondLst>
+                                  <p:childTnLst>
+                                    <p:set>
+                                      <p:cBhvr>
+                                        <p:cTn id="22" dur="1" fill="hold">
+                                          <p:stCondLst>
+                                            <p:cond delay="0"/>
+                                          </p:stCondLst>
+                                        </p:cTn>
+                                        <p:tgtEl>
+                                          <p:spTgt spid="8"/>
+                                        </p:tgtEl>
+                                        <p:attrNameLst>
+                                          <p:attrName>style.visibility</p:attrName>
+                                        </p:attrNameLst>
+                                      </p:cBhvr>
+                                      <p:to>
+                                        <p:strVal val="visible"/>
+                                      </p:to>
+                                    </p:set>
+                                    <p:animEffect transition="in" filter="fade">
+                                      <p:cBhvr>
+                                        <p:cTn id="23" dur="500"/>
+                                        <p:tgtEl>
+                                          <p:spTgt spid="8"/>
+                                        </p:tgtEl>
+                                      </p:cBhvr>
+                                    </p:animEffect>
+                                  </p:childTnLst>
+                                </p:cTn>
+                              </p:par>
+                            </p:childTnLst>
+                          </p:cTn>
+                        </p:par>
+                      </p:childTnLst>
+                    </p:cTn>
+                  </p:par>
+                </p:childTnLst>
+              </p:cTn>
+              <p:prevCondLst>
+                <p:cond evt="onPrev" delay="0">
+                  <p:tgtEl>
+                    <p:sldTgt/>
+                  </p:tgtEl>
+                </p:cond>
+              </p:prevCondLst>
+              <p:nextCondLst>
+                <p:cond evt="onNext" delay="0">
+                  <p:tgtEl>
+                    <p:sldTgt/>
+                  </p:tgtEl>
+                </p:cond>
+              </p:nextCondLst>
+            </p:seq>
+          </p:childTnLst>
+        </p:cTn>
+      </p:par>
+    </p:tnLst>
+    <p:bldLst>
+      <p:bldP spid="15" grpId="0" animBg="1"/>
+      <p:bldP spid="16" grpId="0" animBg="1"/>
+      <p:bldP spid="19" grpId="0" animBg="1"/>
+      <p:bldP spid="7" grpId="0"/>
+      <p:bldP spid="8" grpId="0"/>
+    </p:bldLst>
+  </p:timing>
 </p:sld>
 </file>
 

--- a/WhatIsArtificialIntelligence.pptx
+++ b/WhatIsArtificialIntelligence.pptx
@@ -5,7 +5,7 @@
     <p:sldMasterId id="2147483648" r:id="rId1"/>
   </p:sldMasterIdLst>
   <p:notesMasterIdLst>
-    <p:notesMasterId r:id="rId14"/>
+    <p:notesMasterId r:id="rId15"/>
   </p:notesMasterIdLst>
   <p:sldIdLst>
     <p:sldId id="257" r:id="rId2"/>
@@ -20,6 +20,7 @@
     <p:sldId id="269" r:id="rId11"/>
     <p:sldId id="271" r:id="rId12"/>
     <p:sldId id="334" r:id="rId13"/>
+    <p:sldId id="267" r:id="rId14"/>
   </p:sldIdLst>
   <p:sldSz cx="12192000" cy="6858000"/>
   <p:notesSz cx="6858000" cy="9144000"/>
@@ -565,6 +566,98 @@
     <p:extLst>
       <p:ext uri="{BB962C8B-B14F-4D97-AF65-F5344CB8AC3E}">
         <p14:creationId xmlns:p14="http://schemas.microsoft.com/office/powerpoint/2010/main" val="2958692015"/>
+      </p:ext>
+    </p:extLst>
+  </p:cSld>
+  <p:clrMapOvr>
+    <a:masterClrMapping/>
+  </p:clrMapOvr>
+</p:notes>
+</file>
+
+<file path=ppt/notesSlides/notesSlide10.xml><?xml version="1.0" encoding="utf-8"?>
+<p:notes xmlns:a="http://schemas.openxmlformats.org/drawingml/2006/main" xmlns:r="http://schemas.openxmlformats.org/officeDocument/2006/relationships" xmlns:p="http://schemas.openxmlformats.org/presentationml/2006/main">
+  <p:cSld>
+    <p:spTree>
+      <p:nvGrpSpPr>
+        <p:cNvPr id="1" name=""/>
+        <p:cNvGrpSpPr/>
+        <p:nvPr/>
+      </p:nvGrpSpPr>
+      <p:grpSpPr>
+        <a:xfrm>
+          <a:off x="0" y="0"/>
+          <a:ext cx="0" cy="0"/>
+          <a:chOff x="0" y="0"/>
+          <a:chExt cx="0" cy="0"/>
+        </a:xfrm>
+      </p:grpSpPr>
+      <p:sp>
+        <p:nvSpPr>
+          <p:cNvPr id="2" name="Slide Image Placeholder 1"/>
+          <p:cNvSpPr>
+            <a:spLocks noGrp="1" noRot="1" noChangeAspect="1"/>
+          </p:cNvSpPr>
+          <p:nvPr>
+            <p:ph type="sldImg"/>
+          </p:nvPr>
+        </p:nvSpPr>
+        <p:spPr/>
+      </p:sp>
+      <p:sp>
+        <p:nvSpPr>
+          <p:cNvPr id="3" name="Notes Placeholder 2"/>
+          <p:cNvSpPr>
+            <a:spLocks noGrp="1"/>
+          </p:cNvSpPr>
+          <p:nvPr>
+            <p:ph type="body" idx="1"/>
+          </p:nvPr>
+        </p:nvSpPr>
+        <p:spPr/>
+        <p:txBody>
+          <a:bodyPr/>
+          <a:lstStyle/>
+          <a:p>
+            <a:r>
+              <a:rPr lang="en-US" dirty="0"/>
+              <a:t>Step 1,5</a:t>
+            </a:r>
+            <a:r>
+              <a:rPr lang="en-US"/>
+              <a:t>: Evaluate</a:t>
+            </a:r>
+            <a:endParaRPr lang="en-US" dirty="0"/>
+          </a:p>
+        </p:txBody>
+      </p:sp>
+      <p:sp>
+        <p:nvSpPr>
+          <p:cNvPr id="4" name="Slide Number Placeholder 3"/>
+          <p:cNvSpPr>
+            <a:spLocks noGrp="1"/>
+          </p:cNvSpPr>
+          <p:nvPr>
+            <p:ph type="sldNum" sz="quarter" idx="5"/>
+          </p:nvPr>
+        </p:nvSpPr>
+        <p:spPr/>
+        <p:txBody>
+          <a:bodyPr/>
+          <a:lstStyle/>
+          <a:p>
+            <a:fld id="{CEFB1CB0-8521-448A-8AF4-782A4204CD99}" type="slidenum">
+              <a:rPr lang="en-US" smtClean="0"/>
+              <a:t>13</a:t>
+            </a:fld>
+            <a:endParaRPr lang="en-US"/>
+          </a:p>
+        </p:txBody>
+      </p:sp>
+    </p:spTree>
+    <p:extLst>
+      <p:ext uri="{BB962C8B-B14F-4D97-AF65-F5344CB8AC3E}">
+        <p14:creationId xmlns:p14="http://schemas.microsoft.com/office/powerpoint/2010/main" val="1388205810"/>
       </p:ext>
     </p:extLst>
   </p:cSld>
@@ -7046,6 +7139,536 @@
       <p:bldP spid="19" grpId="0" animBg="1"/>
       <p:bldP spid="7" grpId="0"/>
       <p:bldP spid="8" grpId="0"/>
+    </p:bldLst>
+  </p:timing>
+</p:sld>
+</file>
+
+<file path=ppt/slides/slide13.xml><?xml version="1.0" encoding="utf-8"?>
+<p:sld xmlns:a="http://schemas.openxmlformats.org/drawingml/2006/main" xmlns:r="http://schemas.openxmlformats.org/officeDocument/2006/relationships" xmlns:p="http://schemas.openxmlformats.org/presentationml/2006/main">
+  <p:cSld>
+    <p:spTree>
+      <p:nvGrpSpPr>
+        <p:cNvPr id="1" name=""/>
+        <p:cNvGrpSpPr/>
+        <p:nvPr/>
+      </p:nvGrpSpPr>
+      <p:grpSpPr>
+        <a:xfrm>
+          <a:off x="0" y="0"/>
+          <a:ext cx="0" cy="0"/>
+          <a:chOff x="0" y="0"/>
+          <a:chExt cx="0" cy="0"/>
+        </a:xfrm>
+      </p:grpSpPr>
+      <p:grpSp>
+        <p:nvGrpSpPr>
+          <p:cNvPr id="17" name="Group 16">
+            <a:extLst>
+              <a:ext uri="{FF2B5EF4-FFF2-40B4-BE49-F238E27FC236}">
+                <a16:creationId xmlns:a16="http://schemas.microsoft.com/office/drawing/2014/main" id="{F528E9DD-6169-6D47-7853-4A06991B3A76}"/>
+              </a:ext>
+            </a:extLst>
+          </p:cNvPr>
+          <p:cNvGrpSpPr/>
+          <p:nvPr/>
+        </p:nvGrpSpPr>
+        <p:grpSpPr>
+          <a:xfrm>
+            <a:off x="7048500" y="3087687"/>
+            <a:ext cx="4231506" cy="3684588"/>
+            <a:chOff x="7429500" y="3173412"/>
+            <a:chExt cx="4231506" cy="3684588"/>
+          </a:xfrm>
+        </p:grpSpPr>
+        <p:sp>
+          <p:nvSpPr>
+            <p:cNvPr id="13" name="Rectangle 12">
+              <a:extLst>
+                <a:ext uri="{FF2B5EF4-FFF2-40B4-BE49-F238E27FC236}">
+                  <a16:creationId xmlns:a16="http://schemas.microsoft.com/office/drawing/2014/main" id="{9A0EAA25-72D3-5125-D851-4477A7D90BB3}"/>
+                </a:ext>
+              </a:extLst>
+            </p:cNvPr>
+            <p:cNvSpPr/>
+            <p:nvPr/>
+          </p:nvSpPr>
+          <p:spPr>
+            <a:xfrm>
+              <a:off x="7429500" y="3631206"/>
+              <a:ext cx="4231506" cy="2882348"/>
+            </a:xfrm>
+            <a:prstGeom prst="rect">
+              <a:avLst/>
+            </a:prstGeom>
+            <a:solidFill>
+              <a:schemeClr val="accent6">
+                <a:lumMod val="20000"/>
+                <a:lumOff val="80000"/>
+              </a:schemeClr>
+            </a:solidFill>
+            <a:ln>
+              <a:noFill/>
+            </a:ln>
+          </p:spPr>
+          <p:style>
+            <a:lnRef idx="2">
+              <a:schemeClr val="accent1">
+                <a:shade val="15000"/>
+              </a:schemeClr>
+            </a:lnRef>
+            <a:fillRef idx="1">
+              <a:schemeClr val="accent1"/>
+            </a:fillRef>
+            <a:effectRef idx="0">
+              <a:schemeClr val="accent1"/>
+            </a:effectRef>
+            <a:fontRef idx="minor">
+              <a:schemeClr val="lt1"/>
+            </a:fontRef>
+          </p:style>
+          <p:txBody>
+            <a:bodyPr rtlCol="0" anchor="ctr"/>
+            <a:lstStyle/>
+            <a:p>
+              <a:pPr algn="ctr"/>
+              <a:endParaRPr lang="en-US"/>
+            </a:p>
+          </p:txBody>
+        </p:sp>
+        <p:pic>
+          <p:nvPicPr>
+            <p:cNvPr id="15" name="Content Placeholder 11">
+              <a:extLst>
+                <a:ext uri="{FF2B5EF4-FFF2-40B4-BE49-F238E27FC236}">
+                  <a16:creationId xmlns:a16="http://schemas.microsoft.com/office/drawing/2014/main" id="{4FA59A25-B56D-06C6-B0D1-AD928DD220C0}"/>
+                </a:ext>
+              </a:extLst>
+            </p:cNvPr>
+            <p:cNvPicPr>
+              <a:picLocks noChangeAspect="1"/>
+            </p:cNvPicPr>
+            <p:nvPr/>
+          </p:nvPicPr>
+          <p:blipFill>
+            <a:blip r:embed="rId3">
+              <a:extLst>
+                <a:ext uri="{28A0092B-C50C-407E-A947-70E740481C1C}">
+                  <a14:useLocalDpi xmlns:a14="http://schemas.microsoft.com/office/drawing/2010/main" val="0"/>
+                </a:ext>
+                <a:ext uri="{96DAC541-7B7A-43D3-8B79-37D633B846F1}">
+                  <asvg:svgBlip xmlns:asvg="http://schemas.microsoft.com/office/drawing/2016/SVG/main" r:embed="rId4"/>
+                </a:ext>
+              </a:extLst>
+            </a:blip>
+            <a:stretch>
+              <a:fillRect/>
+            </a:stretch>
+          </p:blipFill>
+          <p:spPr>
+            <a:xfrm>
+              <a:off x="7778671" y="3173412"/>
+              <a:ext cx="3684588" cy="3684588"/>
+            </a:xfrm>
+            <a:prstGeom prst="rect">
+              <a:avLst/>
+            </a:prstGeom>
+          </p:spPr>
+        </p:pic>
+        <p:sp>
+          <p:nvSpPr>
+            <p:cNvPr id="16" name="TextBox 15">
+              <a:extLst>
+                <a:ext uri="{FF2B5EF4-FFF2-40B4-BE49-F238E27FC236}">
+                  <a16:creationId xmlns:a16="http://schemas.microsoft.com/office/drawing/2014/main" id="{40423540-5F25-86EA-5AF8-B3566BA34C59}"/>
+                </a:ext>
+              </a:extLst>
+            </p:cNvPr>
+            <p:cNvSpPr txBox="1"/>
+            <p:nvPr/>
+          </p:nvSpPr>
+          <p:spPr>
+            <a:xfrm>
+              <a:off x="8567068" y="6131779"/>
+              <a:ext cx="1956369" cy="369332"/>
+            </a:xfrm>
+            <a:prstGeom prst="rect">
+              <a:avLst/>
+            </a:prstGeom>
+            <a:noFill/>
+          </p:spPr>
+          <p:txBody>
+            <a:bodyPr wrap="square" rtlCol="0">
+              <a:spAutoFit/>
+            </a:bodyPr>
+            <a:lstStyle/>
+            <a:p>
+              <a:pPr algn="ctr"/>
+              <a:r>
+                <a:rPr lang="en-US" dirty="0"/>
+                <a:t>Step 2: Use</a:t>
+              </a:r>
+            </a:p>
+          </p:txBody>
+        </p:sp>
+      </p:grpSp>
+      <p:sp>
+        <p:nvSpPr>
+          <p:cNvPr id="2" name="Title 1">
+            <a:extLst>
+              <a:ext uri="{FF2B5EF4-FFF2-40B4-BE49-F238E27FC236}">
+                <a16:creationId xmlns:a16="http://schemas.microsoft.com/office/drawing/2014/main" id="{33FEFC03-F492-A562-2068-0C457A022C6B}"/>
+              </a:ext>
+            </a:extLst>
+          </p:cNvPr>
+          <p:cNvSpPr>
+            <a:spLocks noGrp="1"/>
+          </p:cNvSpPr>
+          <p:nvPr>
+            <p:ph type="title"/>
+          </p:nvPr>
+        </p:nvSpPr>
+        <p:spPr/>
+        <p:txBody>
+          <a:bodyPr/>
+          <a:lstStyle/>
+          <a:p>
+            <a:r>
+              <a:rPr lang="fr-FR" dirty="0"/>
+              <a:t>Machine Learning</a:t>
+            </a:r>
+          </a:p>
+        </p:txBody>
+      </p:sp>
+      <p:grpSp>
+        <p:nvGrpSpPr>
+          <p:cNvPr id="10" name="Group 9">
+            <a:extLst>
+              <a:ext uri="{FF2B5EF4-FFF2-40B4-BE49-F238E27FC236}">
+                <a16:creationId xmlns:a16="http://schemas.microsoft.com/office/drawing/2014/main" id="{2E8A95D9-A87B-8345-925B-58940232C440}"/>
+              </a:ext>
+            </a:extLst>
+          </p:cNvPr>
+          <p:cNvGrpSpPr/>
+          <p:nvPr/>
+        </p:nvGrpSpPr>
+        <p:grpSpPr>
+          <a:xfrm>
+            <a:off x="911994" y="1245393"/>
+            <a:ext cx="6023113" cy="3684588"/>
+            <a:chOff x="1848678" y="1043015"/>
+            <a:chExt cx="6023113" cy="3684588"/>
+          </a:xfrm>
+        </p:grpSpPr>
+        <p:sp>
+          <p:nvSpPr>
+            <p:cNvPr id="8" name="Rectangle 7">
+              <a:extLst>
+                <a:ext uri="{FF2B5EF4-FFF2-40B4-BE49-F238E27FC236}">
+                  <a16:creationId xmlns:a16="http://schemas.microsoft.com/office/drawing/2014/main" id="{7B201F99-E307-27C8-8996-E79718A3F9F3}"/>
+                </a:ext>
+              </a:extLst>
+            </p:cNvPr>
+            <p:cNvSpPr/>
+            <p:nvPr/>
+          </p:nvSpPr>
+          <p:spPr>
+            <a:xfrm>
+              <a:off x="1848678" y="1500809"/>
+              <a:ext cx="6023113" cy="2882348"/>
+            </a:xfrm>
+            <a:prstGeom prst="rect">
+              <a:avLst/>
+            </a:prstGeom>
+            <a:solidFill>
+              <a:schemeClr val="accent1">
+                <a:lumMod val="20000"/>
+                <a:lumOff val="80000"/>
+              </a:schemeClr>
+            </a:solidFill>
+            <a:ln>
+              <a:noFill/>
+            </a:ln>
+          </p:spPr>
+          <p:style>
+            <a:lnRef idx="2">
+              <a:schemeClr val="accent1">
+                <a:shade val="15000"/>
+              </a:schemeClr>
+            </a:lnRef>
+            <a:fillRef idx="1">
+              <a:schemeClr val="accent1"/>
+            </a:fillRef>
+            <a:effectRef idx="0">
+              <a:schemeClr val="accent1"/>
+            </a:effectRef>
+            <a:fontRef idx="minor">
+              <a:schemeClr val="lt1"/>
+            </a:fontRef>
+          </p:style>
+          <p:txBody>
+            <a:bodyPr rtlCol="0" anchor="ctr"/>
+            <a:lstStyle/>
+            <a:p>
+              <a:pPr algn="ctr"/>
+              <a:endParaRPr lang="en-US"/>
+            </a:p>
+          </p:txBody>
+        </p:sp>
+        <p:pic>
+          <p:nvPicPr>
+            <p:cNvPr id="6" name="Picture 5">
+              <a:extLst>
+                <a:ext uri="{FF2B5EF4-FFF2-40B4-BE49-F238E27FC236}">
+                  <a16:creationId xmlns:a16="http://schemas.microsoft.com/office/drawing/2014/main" id="{D45B05B1-2715-43A4-B78F-481377B4DED9}"/>
+                </a:ext>
+              </a:extLst>
+            </p:cNvPr>
+            <p:cNvPicPr>
+              <a:picLocks noChangeAspect="1"/>
+            </p:cNvPicPr>
+            <p:nvPr/>
+          </p:nvPicPr>
+          <p:blipFill>
+            <a:blip r:embed="rId5"/>
+            <a:stretch>
+              <a:fillRect/>
+            </a:stretch>
+          </p:blipFill>
+          <p:spPr>
+            <a:xfrm>
+              <a:off x="2341019" y="1987826"/>
+              <a:ext cx="1648437" cy="1794965"/>
+            </a:xfrm>
+            <a:prstGeom prst="rect">
+              <a:avLst/>
+            </a:prstGeom>
+          </p:spPr>
+        </p:pic>
+        <p:pic>
+          <p:nvPicPr>
+            <p:cNvPr id="7" name="Content Placeholder 11">
+              <a:extLst>
+                <a:ext uri="{FF2B5EF4-FFF2-40B4-BE49-F238E27FC236}">
+                  <a16:creationId xmlns:a16="http://schemas.microsoft.com/office/drawing/2014/main" id="{F7868538-4F4C-725B-5E7F-82075140D289}"/>
+                </a:ext>
+              </a:extLst>
+            </p:cNvPr>
+            <p:cNvPicPr>
+              <a:picLocks noChangeAspect="1"/>
+            </p:cNvPicPr>
+            <p:nvPr/>
+          </p:nvPicPr>
+          <p:blipFill>
+            <a:blip r:embed="rId3">
+              <a:extLst>
+                <a:ext uri="{28A0092B-C50C-407E-A947-70E740481C1C}">
+                  <a14:useLocalDpi xmlns:a14="http://schemas.microsoft.com/office/drawing/2010/main" val="0"/>
+                </a:ext>
+                <a:ext uri="{96DAC541-7B7A-43D3-8B79-37D633B846F1}">
+                  <asvg:svgBlip xmlns:asvg="http://schemas.microsoft.com/office/drawing/2016/SVG/main" r:embed="rId4"/>
+                </a:ext>
+              </a:extLst>
+            </a:blip>
+            <a:stretch>
+              <a:fillRect/>
+            </a:stretch>
+          </p:blipFill>
+          <p:spPr>
+            <a:xfrm>
+              <a:off x="3989456" y="1043015"/>
+              <a:ext cx="3684588" cy="3684588"/>
+            </a:xfrm>
+            <a:prstGeom prst="rect">
+              <a:avLst/>
+            </a:prstGeom>
+          </p:spPr>
+        </p:pic>
+        <p:sp>
+          <p:nvSpPr>
+            <p:cNvPr id="9" name="TextBox 8">
+              <a:extLst>
+                <a:ext uri="{FF2B5EF4-FFF2-40B4-BE49-F238E27FC236}">
+                  <a16:creationId xmlns:a16="http://schemas.microsoft.com/office/drawing/2014/main" id="{D88F95EF-F350-4DC1-72B9-5BC289948C6A}"/>
+                </a:ext>
+              </a:extLst>
+            </p:cNvPr>
+            <p:cNvSpPr txBox="1"/>
+            <p:nvPr/>
+          </p:nvSpPr>
+          <p:spPr>
+            <a:xfrm>
+              <a:off x="4011732" y="4001382"/>
+              <a:ext cx="1697003" cy="369332"/>
+            </a:xfrm>
+            <a:prstGeom prst="rect">
+              <a:avLst/>
+            </a:prstGeom>
+            <a:noFill/>
+          </p:spPr>
+          <p:txBody>
+            <a:bodyPr wrap="none" rtlCol="0">
+              <a:spAutoFit/>
+            </a:bodyPr>
+            <a:lstStyle/>
+            <a:p>
+              <a:r>
+                <a:rPr lang="en-US" dirty="0"/>
+                <a:t>Step 1: Learning</a:t>
+              </a:r>
+            </a:p>
+          </p:txBody>
+        </p:sp>
+      </p:grpSp>
+      <p:sp>
+        <p:nvSpPr>
+          <p:cNvPr id="18" name="Oval 17">
+            <a:extLst>
+              <a:ext uri="{FF2B5EF4-FFF2-40B4-BE49-F238E27FC236}">
+                <a16:creationId xmlns:a16="http://schemas.microsoft.com/office/drawing/2014/main" id="{9DF5FF8D-F75A-FEFC-56A3-14484CE002A3}"/>
+              </a:ext>
+            </a:extLst>
+          </p:cNvPr>
+          <p:cNvSpPr/>
+          <p:nvPr/>
+        </p:nvSpPr>
+        <p:spPr>
+          <a:xfrm>
+            <a:off x="4765267" y="2229641"/>
+            <a:ext cx="3616326" cy="3616326"/>
+          </a:xfrm>
+          <a:prstGeom prst="ellipse">
+            <a:avLst/>
+          </a:prstGeom>
+          <a:solidFill>
+            <a:srgbClr val="C00000"/>
+          </a:solidFill>
+          <a:ln>
+            <a:noFill/>
+          </a:ln>
+        </p:spPr>
+        <p:style>
+          <a:lnRef idx="2">
+            <a:schemeClr val="accent2">
+              <a:shade val="15000"/>
+            </a:schemeClr>
+          </a:lnRef>
+          <a:fillRef idx="1">
+            <a:schemeClr val="accent2"/>
+          </a:fillRef>
+          <a:effectRef idx="0">
+            <a:schemeClr val="accent2"/>
+          </a:effectRef>
+          <a:fontRef idx="minor">
+            <a:schemeClr val="lt1"/>
+          </a:fontRef>
+        </p:style>
+        <p:txBody>
+          <a:bodyPr rtlCol="0" anchor="ctr"/>
+          <a:lstStyle/>
+          <a:p>
+            <a:pPr algn="ctr"/>
+            <a:r>
+              <a:rPr lang="en-US" sz="8000" b="1" dirty="0"/>
+              <a:t>Fake!</a:t>
+            </a:r>
+          </a:p>
+        </p:txBody>
+      </p:sp>
+    </p:spTree>
+    <p:extLst>
+      <p:ext uri="{BB962C8B-B14F-4D97-AF65-F5344CB8AC3E}">
+        <p14:creationId xmlns:p14="http://schemas.microsoft.com/office/powerpoint/2010/main" val="1384342250"/>
+      </p:ext>
+    </p:extLst>
+  </p:cSld>
+  <p:clrMapOvr>
+    <a:masterClrMapping/>
+  </p:clrMapOvr>
+  <p:timing>
+    <p:tnLst>
+      <p:par>
+        <p:cTn id="1" dur="indefinite" restart="never" nodeType="tmRoot">
+          <p:childTnLst>
+            <p:seq concurrent="1" nextAc="seek">
+              <p:cTn id="2" dur="indefinite" nodeType="mainSeq">
+                <p:childTnLst>
+                  <p:par>
+                    <p:cTn id="3" fill="hold">
+                      <p:stCondLst>
+                        <p:cond delay="indefinite"/>
+                      </p:stCondLst>
+                      <p:childTnLst>
+                        <p:par>
+                          <p:cTn id="4" fill="hold">
+                            <p:stCondLst>
+                              <p:cond delay="0"/>
+                            </p:stCondLst>
+                            <p:childTnLst>
+                              <p:par>
+                                <p:cTn id="5" presetID="10" presetClass="entr" presetSubtype="0" fill="hold" grpId="0" nodeType="clickEffect">
+                                  <p:stCondLst>
+                                    <p:cond delay="0"/>
+                                  </p:stCondLst>
+                                  <p:childTnLst>
+                                    <p:set>
+                                      <p:cBhvr>
+                                        <p:cTn id="6" dur="1" fill="hold">
+                                          <p:stCondLst>
+                                            <p:cond delay="0"/>
+                                          </p:stCondLst>
+                                        </p:cTn>
+                                        <p:tgtEl>
+                                          <p:spTgt spid="18"/>
+                                        </p:tgtEl>
+                                        <p:attrNameLst>
+                                          <p:attrName>style.visibility</p:attrName>
+                                        </p:attrNameLst>
+                                      </p:cBhvr>
+                                      <p:to>
+                                        <p:strVal val="visible"/>
+                                      </p:to>
+                                    </p:set>
+                                    <p:animEffect transition="in" filter="fade">
+                                      <p:cBhvr>
+                                        <p:cTn id="7" dur="500"/>
+                                        <p:tgtEl>
+                                          <p:spTgt spid="18"/>
+                                        </p:tgtEl>
+                                      </p:cBhvr>
+                                    </p:animEffect>
+                                  </p:childTnLst>
+                                </p:cTn>
+                              </p:par>
+                            </p:childTnLst>
+                          </p:cTn>
+                        </p:par>
+                      </p:childTnLst>
+                    </p:cTn>
+                  </p:par>
+                </p:childTnLst>
+              </p:cTn>
+              <p:prevCondLst>
+                <p:cond evt="onPrev" delay="0">
+                  <p:tgtEl>
+                    <p:sldTgt/>
+                  </p:tgtEl>
+                </p:cond>
+              </p:prevCondLst>
+              <p:nextCondLst>
+                <p:cond evt="onNext" delay="0">
+                  <p:tgtEl>
+                    <p:sldTgt/>
+                  </p:tgtEl>
+                </p:cond>
+              </p:nextCondLst>
+            </p:seq>
+          </p:childTnLst>
+        </p:cTn>
+      </p:par>
+    </p:tnLst>
+    <p:bldLst>
+      <p:bldP spid="18" grpId="0" animBg="1"/>
     </p:bldLst>
   </p:timing>
 </p:sld>

--- a/WhatIsArtificialIntelligence.pptx
+++ b/WhatIsArtificialIntelligence.pptx
@@ -5,7 +5,7 @@
     <p:sldMasterId id="2147483648" r:id="rId1"/>
   </p:sldMasterIdLst>
   <p:notesMasterIdLst>
-    <p:notesMasterId r:id="rId15"/>
+    <p:notesMasterId r:id="rId16"/>
   </p:notesMasterIdLst>
   <p:sldIdLst>
     <p:sldId id="257" r:id="rId2"/>
@@ -21,6 +21,7 @@
     <p:sldId id="271" r:id="rId12"/>
     <p:sldId id="334" r:id="rId13"/>
     <p:sldId id="267" r:id="rId14"/>
+    <p:sldId id="272" r:id="rId15"/>
   </p:sldIdLst>
   <p:sldSz cx="12192000" cy="6858000"/>
   <p:notesSz cx="6858000" cy="9144000"/>
@@ -621,13 +622,8 @@
           <a:p>
             <a:r>
               <a:rPr lang="en-US" dirty="0"/>
-              <a:t>Step 1,5</a:t>
-            </a:r>
-            <a:r>
-              <a:rPr lang="en-US"/>
-              <a:t>: Evaluate</a:t>
-            </a:r>
-            <a:endParaRPr lang="en-US" dirty="0"/>
+              <a:t>Step 1,5: Evaluate</a:t>
+            </a:r>
           </a:p>
         </p:txBody>
       </p:sp>
@@ -7671,6 +7667,199 @@
       <p:bldP spid="18" grpId="0" animBg="1"/>
     </p:bldLst>
   </p:timing>
+</p:sld>
+</file>
+
+<file path=ppt/slides/slide14.xml><?xml version="1.0" encoding="utf-8"?>
+<p:sld xmlns:a="http://schemas.openxmlformats.org/drawingml/2006/main" xmlns:r="http://schemas.openxmlformats.org/officeDocument/2006/relationships" xmlns:p="http://schemas.openxmlformats.org/presentationml/2006/main">
+  <p:cSld>
+    <p:spTree>
+      <p:nvGrpSpPr>
+        <p:cNvPr id="1" name=""/>
+        <p:cNvGrpSpPr/>
+        <p:nvPr/>
+      </p:nvGrpSpPr>
+      <p:grpSpPr>
+        <a:xfrm>
+          <a:off x="0" y="0"/>
+          <a:ext cx="0" cy="0"/>
+          <a:chOff x="0" y="0"/>
+          <a:chExt cx="0" cy="0"/>
+        </a:xfrm>
+      </p:grpSpPr>
+      <p:sp>
+        <p:nvSpPr>
+          <p:cNvPr id="2" name="Title 1">
+            <a:extLst>
+              <a:ext uri="{FF2B5EF4-FFF2-40B4-BE49-F238E27FC236}">
+                <a16:creationId xmlns:a16="http://schemas.microsoft.com/office/drawing/2014/main" id="{D74FCEA3-FFFA-FB9C-6458-16F9AEE9E65A}"/>
+              </a:ext>
+            </a:extLst>
+          </p:cNvPr>
+          <p:cNvSpPr>
+            <a:spLocks noGrp="1"/>
+          </p:cNvSpPr>
+          <p:nvPr>
+            <p:ph type="title"/>
+          </p:nvPr>
+        </p:nvSpPr>
+        <p:spPr/>
+        <p:txBody>
+          <a:bodyPr/>
+          <a:lstStyle/>
+          <a:p>
+            <a:r>
+              <a:rPr lang="en-GB" dirty="0"/>
+              <a:t>Try it yourself!</a:t>
+            </a:r>
+            <a:endParaRPr lang="fr-FR" dirty="0"/>
+          </a:p>
+        </p:txBody>
+      </p:sp>
+      <p:pic>
+        <p:nvPicPr>
+          <p:cNvPr id="5" name="Content Placeholder 4">
+            <a:extLst>
+              <a:ext uri="{FF2B5EF4-FFF2-40B4-BE49-F238E27FC236}">
+                <a16:creationId xmlns:a16="http://schemas.microsoft.com/office/drawing/2014/main" id="{5C572951-B173-6665-9223-2328F1D869F0}"/>
+              </a:ext>
+            </a:extLst>
+          </p:cNvPr>
+          <p:cNvPicPr>
+            <a:picLocks noGrp="1" noChangeAspect="1"/>
+          </p:cNvPicPr>
+          <p:nvPr>
+            <p:ph idx="1"/>
+          </p:nvPr>
+        </p:nvPicPr>
+        <p:blipFill>
+          <a:blip r:embed="rId2"/>
+          <a:stretch>
+            <a:fillRect/>
+          </a:stretch>
+        </p:blipFill>
+        <p:spPr>
+          <a:xfrm>
+            <a:off x="4061460" y="1919288"/>
+            <a:ext cx="4069080" cy="4069080"/>
+          </a:xfrm>
+        </p:spPr>
+      </p:pic>
+      <p:sp>
+        <p:nvSpPr>
+          <p:cNvPr id="6" name="TextBox 5">
+            <a:extLst>
+              <a:ext uri="{FF2B5EF4-FFF2-40B4-BE49-F238E27FC236}">
+                <a16:creationId xmlns:a16="http://schemas.microsoft.com/office/drawing/2014/main" id="{AF6E1D82-67D8-E5C8-6E7E-A8719EDBF34C}"/>
+              </a:ext>
+            </a:extLst>
+          </p:cNvPr>
+          <p:cNvSpPr txBox="1"/>
+          <p:nvPr/>
+        </p:nvSpPr>
+        <p:spPr>
+          <a:xfrm>
+            <a:off x="3268239" y="6162261"/>
+            <a:ext cx="5655523" cy="369332"/>
+          </a:xfrm>
+          <a:prstGeom prst="rect">
+            <a:avLst/>
+          </a:prstGeom>
+          <a:noFill/>
+        </p:spPr>
+        <p:txBody>
+          <a:bodyPr wrap="none" rtlCol="0">
+            <a:spAutoFit/>
+          </a:bodyPr>
+          <a:lstStyle/>
+          <a:p>
+            <a:r>
+              <a:rPr lang="en-US" i="1" dirty="0">
+                <a:solidFill>
+                  <a:schemeClr val="bg1">
+                    <a:lumMod val="50000"/>
+                  </a:schemeClr>
+                </a:solidFill>
+                <a:hlinkClick r:id="rId3">
+                  <a:extLst>
+                    <a:ext uri="{A12FA001-AC4F-418D-AE19-62706E023703}">
+                      <ahyp:hlinkClr xmlns:ahyp="http://schemas.microsoft.com/office/drawing/2018/hyperlinkcolor" val="tx"/>
+                    </a:ext>
+                  </a:extLst>
+                </a:hlinkClick>
+              </a:rPr>
+              <a:t>https://pauldubois98.github.io/AI-MythsReality/WhiteBox</a:t>
+            </a:r>
+            <a:endParaRPr lang="en-US" i="1" dirty="0">
+              <a:solidFill>
+                <a:schemeClr val="bg1">
+                  <a:lumMod val="50000"/>
+                </a:schemeClr>
+              </a:solidFill>
+            </a:endParaRPr>
+          </a:p>
+        </p:txBody>
+      </p:sp>
+      <p:sp>
+        <p:nvSpPr>
+          <p:cNvPr id="7" name="Rectangle: Rounded Corners 6">
+            <a:hlinkClick r:id="rId3" tooltip="go online"/>
+            <a:extLst>
+              <a:ext uri="{FF2B5EF4-FFF2-40B4-BE49-F238E27FC236}">
+                <a16:creationId xmlns:a16="http://schemas.microsoft.com/office/drawing/2014/main" id="{077B3E56-9D1E-2902-6649-4664498284CE}"/>
+              </a:ext>
+            </a:extLst>
+          </p:cNvPr>
+          <p:cNvSpPr/>
+          <p:nvPr/>
+        </p:nvSpPr>
+        <p:spPr>
+          <a:xfrm>
+            <a:off x="10160000" y="6031649"/>
+            <a:ext cx="1838960" cy="630555"/>
+          </a:xfrm>
+          <a:prstGeom prst="roundRect">
+            <a:avLst/>
+          </a:prstGeom>
+        </p:spPr>
+        <p:style>
+          <a:lnRef idx="2">
+            <a:schemeClr val="dk1">
+              <a:shade val="15000"/>
+            </a:schemeClr>
+          </a:lnRef>
+          <a:fillRef idx="1">
+            <a:schemeClr val="dk1"/>
+          </a:fillRef>
+          <a:effectRef idx="0">
+            <a:schemeClr val="dk1"/>
+          </a:effectRef>
+          <a:fontRef idx="minor">
+            <a:schemeClr val="lt1"/>
+          </a:fontRef>
+        </p:style>
+        <p:txBody>
+          <a:bodyPr rtlCol="0" anchor="ctr"/>
+          <a:lstStyle/>
+          <a:p>
+            <a:pPr algn="ctr"/>
+            <a:r>
+              <a:rPr lang="en-US" sz="2400" dirty="0"/>
+              <a:t>Online Tool</a:t>
+            </a:r>
+          </a:p>
+        </p:txBody>
+      </p:sp>
+    </p:spTree>
+    <p:extLst>
+      <p:ext uri="{BB962C8B-B14F-4D97-AF65-F5344CB8AC3E}">
+        <p14:creationId xmlns:p14="http://schemas.microsoft.com/office/powerpoint/2010/main" val="221738528"/>
+      </p:ext>
+    </p:extLst>
+  </p:cSld>
+  <p:clrMapOvr>
+    <a:masterClrMapping/>
+  </p:clrMapOvr>
 </p:sld>
 </file>
 

--- a/WhatIsArtificialIntelligence.pptx
+++ b/WhatIsArtificialIntelligence.pptx
@@ -5,7 +5,7 @@
     <p:sldMasterId id="2147483648" r:id="rId1"/>
   </p:sldMasterIdLst>
   <p:notesMasterIdLst>
-    <p:notesMasterId r:id="rId16"/>
+    <p:notesMasterId r:id="rId17"/>
   </p:notesMasterIdLst>
   <p:sldIdLst>
     <p:sldId id="257" r:id="rId2"/>
@@ -22,6 +22,7 @@
     <p:sldId id="334" r:id="rId13"/>
     <p:sldId id="267" r:id="rId14"/>
     <p:sldId id="272" r:id="rId15"/>
+    <p:sldId id="273" r:id="rId16"/>
   </p:sldIdLst>
   <p:sldSz cx="12192000" cy="6858000"/>
   <p:notesSz cx="6858000" cy="9144000"/>
@@ -7854,6 +7855,179 @@
     <p:extLst>
       <p:ext uri="{BB962C8B-B14F-4D97-AF65-F5344CB8AC3E}">
         <p14:creationId xmlns:p14="http://schemas.microsoft.com/office/powerpoint/2010/main" val="221738528"/>
+      </p:ext>
+    </p:extLst>
+  </p:cSld>
+  <p:clrMapOvr>
+    <a:masterClrMapping/>
+  </p:clrMapOvr>
+</p:sld>
+</file>
+
+<file path=ppt/slides/slide15.xml><?xml version="1.0" encoding="utf-8"?>
+<p:sld xmlns:a="http://schemas.openxmlformats.org/drawingml/2006/main" xmlns:r="http://schemas.openxmlformats.org/officeDocument/2006/relationships" xmlns:p="http://schemas.openxmlformats.org/presentationml/2006/main">
+  <p:cSld>
+    <p:spTree>
+      <p:nvGrpSpPr>
+        <p:cNvPr id="1" name=""/>
+        <p:cNvGrpSpPr/>
+        <p:nvPr/>
+      </p:nvGrpSpPr>
+      <p:grpSpPr>
+        <a:xfrm>
+          <a:off x="0" y="0"/>
+          <a:ext cx="0" cy="0"/>
+          <a:chOff x="0" y="0"/>
+          <a:chExt cx="0" cy="0"/>
+        </a:xfrm>
+      </p:grpSpPr>
+      <p:sp>
+        <p:nvSpPr>
+          <p:cNvPr id="2" name="Title 1">
+            <a:extLst>
+              <a:ext uri="{FF2B5EF4-FFF2-40B4-BE49-F238E27FC236}">
+                <a16:creationId xmlns:a16="http://schemas.microsoft.com/office/drawing/2014/main" id="{9C3D3E1D-80B5-F81E-F13A-B076D27CA355}"/>
+              </a:ext>
+            </a:extLst>
+          </p:cNvPr>
+          <p:cNvSpPr>
+            <a:spLocks noGrp="1"/>
+          </p:cNvSpPr>
+          <p:nvPr>
+            <p:ph type="title"/>
+          </p:nvPr>
+        </p:nvSpPr>
+        <p:spPr>
+          <a:xfrm>
+            <a:off x="643468" y="643467"/>
+            <a:ext cx="4620584" cy="4567137"/>
+          </a:xfrm>
+        </p:spPr>
+        <p:txBody>
+          <a:bodyPr vert="horz" lIns="91440" tIns="45720" rIns="91440" bIns="45720" rtlCol="0" anchor="b">
+            <a:normAutofit/>
+          </a:bodyPr>
+          <a:lstStyle/>
+          <a:p>
+            <a:r>
+              <a:rPr lang="en-GB" sz="4400" kern="1200" dirty="0">
+                <a:solidFill>
+                  <a:schemeClr val="tx1"/>
+                </a:solidFill>
+                <a:latin typeface="+mj-lt"/>
+                <a:ea typeface="+mj-ea"/>
+                <a:cs typeface="+mj-cs"/>
+              </a:rPr>
+              <a:t>How to make </a:t>
+            </a:r>
+            <a:br>
+              <a:rPr lang="en-GB" sz="4400" kern="1200" dirty="0">
+                <a:solidFill>
+                  <a:schemeClr val="tx1"/>
+                </a:solidFill>
+                <a:latin typeface="+mj-lt"/>
+                <a:ea typeface="+mj-ea"/>
+                <a:cs typeface="+mj-cs"/>
+              </a:rPr>
+            </a:br>
+            <a:r>
+              <a:rPr lang="en-GB" sz="4400" kern="1200" dirty="0">
+                <a:solidFill>
+                  <a:schemeClr val="tx1"/>
+                </a:solidFill>
+                <a:latin typeface="+mj-lt"/>
+                <a:ea typeface="+mj-ea"/>
+                <a:cs typeface="+mj-cs"/>
+              </a:rPr>
+              <a:t>“all-purpose machines”?</a:t>
+            </a:r>
+            <a:endParaRPr lang="fr-FR" sz="4400" kern="1200" dirty="0">
+              <a:solidFill>
+                <a:schemeClr val="tx1"/>
+              </a:solidFill>
+              <a:latin typeface="+mj-lt"/>
+              <a:ea typeface="+mj-ea"/>
+              <a:cs typeface="+mj-cs"/>
+            </a:endParaRPr>
+          </a:p>
+        </p:txBody>
+      </p:sp>
+      <p:sp>
+        <p:nvSpPr>
+          <p:cNvPr id="4" name="Text Placeholder 3">
+            <a:extLst>
+              <a:ext uri="{FF2B5EF4-FFF2-40B4-BE49-F238E27FC236}">
+                <a16:creationId xmlns:a16="http://schemas.microsoft.com/office/drawing/2014/main" id="{309EDBF1-016B-FC95-2CE5-961BDBFA34CF}"/>
+              </a:ext>
+            </a:extLst>
+          </p:cNvPr>
+          <p:cNvSpPr>
+            <a:spLocks noGrp="1"/>
+          </p:cNvSpPr>
+          <p:nvPr>
+            <p:ph type="body" idx="1"/>
+          </p:nvPr>
+        </p:nvSpPr>
+        <p:spPr>
+          <a:xfrm>
+            <a:off x="643467" y="5277684"/>
+            <a:ext cx="4620584" cy="775494"/>
+          </a:xfrm>
+        </p:spPr>
+        <p:txBody>
+          <a:bodyPr vert="horz" lIns="91440" tIns="45720" rIns="91440" bIns="45720" rtlCol="0">
+            <a:normAutofit/>
+          </a:bodyPr>
+          <a:lstStyle/>
+          <a:p>
+            <a:r>
+              <a:rPr lang="en-US" kern="1200" dirty="0">
+                <a:solidFill>
+                  <a:schemeClr val="tx1"/>
+                </a:solidFill>
+                <a:latin typeface="+mn-lt"/>
+                <a:ea typeface="+mn-ea"/>
+                <a:cs typeface="+mn-cs"/>
+              </a:rPr>
+              <a:t>With “parameters” to fine-tuner.</a:t>
+            </a:r>
+          </a:p>
+        </p:txBody>
+      </p:sp>
+      <p:pic>
+        <p:nvPicPr>
+          <p:cNvPr id="5" name="Picture 4">
+            <a:extLst>
+              <a:ext uri="{FF2B5EF4-FFF2-40B4-BE49-F238E27FC236}">
+                <a16:creationId xmlns:a16="http://schemas.microsoft.com/office/drawing/2014/main" id="{F6483F35-E541-4BB1-B4EE-43E7C2A413FB}"/>
+              </a:ext>
+            </a:extLst>
+          </p:cNvPr>
+          <p:cNvPicPr>
+            <a:picLocks noChangeAspect="1"/>
+          </p:cNvPicPr>
+          <p:nvPr/>
+        </p:nvPicPr>
+        <p:blipFill>
+          <a:blip r:embed="rId2"/>
+          <a:stretch>
+            <a:fillRect/>
+          </a:stretch>
+        </p:blipFill>
+        <p:spPr>
+          <a:xfrm>
+            <a:off x="6606253" y="957860"/>
+            <a:ext cx="4942280" cy="4942280"/>
+          </a:xfrm>
+          <a:prstGeom prst="rect">
+            <a:avLst/>
+          </a:prstGeom>
+        </p:spPr>
+      </p:pic>
+    </p:spTree>
+    <p:extLst>
+      <p:ext uri="{BB962C8B-B14F-4D97-AF65-F5344CB8AC3E}">
+        <p14:creationId xmlns:p14="http://schemas.microsoft.com/office/powerpoint/2010/main" val="3496325424"/>
       </p:ext>
     </p:extLst>
   </p:cSld>
